--- a/Presentaties/Presentatie 2 Definitief.pptx
+++ b/Presentaties/Presentatie 2 Definitief.pptx
@@ -5,20 +5,15 @@
     <p:sldMasterId id="2147483648" r:id="rId1"/>
   </p:sldMasterIdLst>
   <p:notesMasterIdLst>
-    <p:notesMasterId r:id="rId13"/>
+    <p:notesMasterId r:id="rId8"/>
   </p:notesMasterIdLst>
   <p:sldIdLst>
-    <p:sldId id="256" r:id="rId2"/>
-    <p:sldId id="257" r:id="rId3"/>
-    <p:sldId id="271" r:id="rId4"/>
-    <p:sldId id="272" r:id="rId5"/>
-    <p:sldId id="273" r:id="rId6"/>
-    <p:sldId id="274" r:id="rId7"/>
-    <p:sldId id="267" r:id="rId8"/>
-    <p:sldId id="268" r:id="rId9"/>
-    <p:sldId id="265" r:id="rId10"/>
-    <p:sldId id="270" r:id="rId11"/>
-    <p:sldId id="266" r:id="rId12"/>
+    <p:sldId id="270" r:id="rId2"/>
+    <p:sldId id="275" r:id="rId3"/>
+    <p:sldId id="276" r:id="rId4"/>
+    <p:sldId id="277" r:id="rId5"/>
+    <p:sldId id="278" r:id="rId6"/>
+    <p:sldId id="266" r:id="rId7"/>
   </p:sldIdLst>
   <p:sldSz cx="9144000" cy="6858000" type="screen4x3"/>
   <p:notesSz cx="6858000" cy="9144000"/>
@@ -119,7 +114,7 @@
   </p:defaultTextStyle>
   <p:extLst>
     <p:ext uri="{EFAFB233-063F-42B5-8137-9DF3F51BA10A}">
-      <p15:sldGuideLst xmlns:p15="http://schemas.microsoft.com/office/powerpoint/2012/main">
+      <p15:sldGuideLst xmlns:p15="http://schemas.microsoft.com/office/powerpoint/2012/main" xmlns="">
         <p15:guide id="1" orient="horz" pos="2160">
           <p15:clr>
             <a:srgbClr val="A4A3A4"/>
@@ -218,7 +213,7 @@
           <a:p>
             <a:fld id="{AD98703B-8AD7-8544-B9DB-471AE7591F6E}" type="datetimeFigureOut">
               <a:rPr lang="en-US" smtClean="0"/>
-              <a:t>5/11/17</a:t>
+              <a:t>01/06/17</a:t>
             </a:fld>
             <a:endParaRPr lang="en-US"/>
           </a:p>
@@ -377,7 +372,7 @@
           <a:p>
             <a:fld id="{941A36FB-F9E6-BF43-AD05-C73E8687C578}" type="slidenum">
               <a:rPr lang="en-US" smtClean="0"/>
-              <a:t>‹#›</a:t>
+              <a:t>‹nr.›</a:t>
             </a:fld>
             <a:endParaRPr lang="en-US"/>
           </a:p>
@@ -667,7 +662,7 @@
           <a:p>
             <a:fld id="{F8E175C4-104F-4A64-AAD9-44AB60AB2F3F}" type="datetimeFigureOut">
               <a:rPr lang="en-GB" smtClean="0"/>
-              <a:t>11/05/2017</a:t>
+              <a:t>01/06/17</a:t>
             </a:fld>
             <a:endParaRPr lang="en-GB"/>
           </a:p>
@@ -709,7 +704,7 @@
           <a:p>
             <a:fld id="{600ECC33-1222-43C5-8E04-3BFC7E19C945}" type="slidenum">
               <a:rPr lang="en-GB" smtClean="0"/>
-              <a:t>‹#›</a:t>
+              <a:t>‹nr.›</a:t>
             </a:fld>
             <a:endParaRPr lang="en-GB"/>
           </a:p>
@@ -837,7 +832,7 @@
           <a:p>
             <a:fld id="{F8E175C4-104F-4A64-AAD9-44AB60AB2F3F}" type="datetimeFigureOut">
               <a:rPr lang="en-GB" smtClean="0"/>
-              <a:t>11/05/2017</a:t>
+              <a:t>01/06/17</a:t>
             </a:fld>
             <a:endParaRPr lang="en-GB"/>
           </a:p>
@@ -879,7 +874,7 @@
           <a:p>
             <a:fld id="{600ECC33-1222-43C5-8E04-3BFC7E19C945}" type="slidenum">
               <a:rPr lang="en-GB" smtClean="0"/>
-              <a:t>‹#›</a:t>
+              <a:t>‹nr.›</a:t>
             </a:fld>
             <a:endParaRPr lang="en-GB"/>
           </a:p>
@@ -1017,7 +1012,7 @@
           <a:p>
             <a:fld id="{F8E175C4-104F-4A64-AAD9-44AB60AB2F3F}" type="datetimeFigureOut">
               <a:rPr lang="en-GB" smtClean="0"/>
-              <a:t>11/05/2017</a:t>
+              <a:t>01/06/17</a:t>
             </a:fld>
             <a:endParaRPr lang="en-GB"/>
           </a:p>
@@ -1059,7 +1054,7 @@
           <a:p>
             <a:fld id="{600ECC33-1222-43C5-8E04-3BFC7E19C945}" type="slidenum">
               <a:rPr lang="en-GB" smtClean="0"/>
-              <a:t>‹#›</a:t>
+              <a:t>‹nr.›</a:t>
             </a:fld>
             <a:endParaRPr lang="en-GB"/>
           </a:p>
@@ -1187,7 +1182,7 @@
           <a:p>
             <a:fld id="{F8E175C4-104F-4A64-AAD9-44AB60AB2F3F}" type="datetimeFigureOut">
               <a:rPr lang="en-GB" smtClean="0"/>
-              <a:t>11/05/2017</a:t>
+              <a:t>01/06/17</a:t>
             </a:fld>
             <a:endParaRPr lang="en-GB"/>
           </a:p>
@@ -1229,7 +1224,7 @@
           <a:p>
             <a:fld id="{600ECC33-1222-43C5-8E04-3BFC7E19C945}" type="slidenum">
               <a:rPr lang="en-GB" smtClean="0"/>
-              <a:t>‹#›</a:t>
+              <a:t>‹nr.›</a:t>
             </a:fld>
             <a:endParaRPr lang="en-GB"/>
           </a:p>
@@ -1433,7 +1428,7 @@
           <a:p>
             <a:fld id="{F8E175C4-104F-4A64-AAD9-44AB60AB2F3F}" type="datetimeFigureOut">
               <a:rPr lang="en-GB" smtClean="0"/>
-              <a:t>11/05/2017</a:t>
+              <a:t>01/06/17</a:t>
             </a:fld>
             <a:endParaRPr lang="en-GB"/>
           </a:p>
@@ -1475,7 +1470,7 @@
           <a:p>
             <a:fld id="{600ECC33-1222-43C5-8E04-3BFC7E19C945}" type="slidenum">
               <a:rPr lang="en-GB" smtClean="0"/>
-              <a:t>‹#›</a:t>
+              <a:t>‹nr.›</a:t>
             </a:fld>
             <a:endParaRPr lang="en-GB"/>
           </a:p>
@@ -1721,7 +1716,7 @@
           <a:p>
             <a:fld id="{F8E175C4-104F-4A64-AAD9-44AB60AB2F3F}" type="datetimeFigureOut">
               <a:rPr lang="en-GB" smtClean="0"/>
-              <a:t>11/05/2017</a:t>
+              <a:t>01/06/17</a:t>
             </a:fld>
             <a:endParaRPr lang="en-GB"/>
           </a:p>
@@ -1763,7 +1758,7 @@
           <a:p>
             <a:fld id="{600ECC33-1222-43C5-8E04-3BFC7E19C945}" type="slidenum">
               <a:rPr lang="en-GB" smtClean="0"/>
-              <a:t>‹#›</a:t>
+              <a:t>‹nr.›</a:t>
             </a:fld>
             <a:endParaRPr lang="en-GB"/>
           </a:p>
@@ -2143,7 +2138,7 @@
           <a:p>
             <a:fld id="{F8E175C4-104F-4A64-AAD9-44AB60AB2F3F}" type="datetimeFigureOut">
               <a:rPr lang="en-GB" smtClean="0"/>
-              <a:t>11/05/2017</a:t>
+              <a:t>01/06/17</a:t>
             </a:fld>
             <a:endParaRPr lang="en-GB"/>
           </a:p>
@@ -2185,7 +2180,7 @@
           <a:p>
             <a:fld id="{600ECC33-1222-43C5-8E04-3BFC7E19C945}" type="slidenum">
               <a:rPr lang="en-GB" smtClean="0"/>
-              <a:t>‹#›</a:t>
+              <a:t>‹nr.›</a:t>
             </a:fld>
             <a:endParaRPr lang="en-GB"/>
           </a:p>
@@ -2261,7 +2256,7 @@
           <a:p>
             <a:fld id="{F8E175C4-104F-4A64-AAD9-44AB60AB2F3F}" type="datetimeFigureOut">
               <a:rPr lang="en-GB" smtClean="0"/>
-              <a:t>11/05/2017</a:t>
+              <a:t>01/06/17</a:t>
             </a:fld>
             <a:endParaRPr lang="en-GB"/>
           </a:p>
@@ -2303,7 +2298,7 @@
           <a:p>
             <a:fld id="{600ECC33-1222-43C5-8E04-3BFC7E19C945}" type="slidenum">
               <a:rPr lang="en-GB" smtClean="0"/>
-              <a:t>‹#›</a:t>
+              <a:t>‹nr.›</a:t>
             </a:fld>
             <a:endParaRPr lang="en-GB"/>
           </a:p>
@@ -2356,7 +2351,7 @@
           <a:p>
             <a:fld id="{F8E175C4-104F-4A64-AAD9-44AB60AB2F3F}" type="datetimeFigureOut">
               <a:rPr lang="en-GB" smtClean="0"/>
-              <a:t>11/05/2017</a:t>
+              <a:t>01/06/17</a:t>
             </a:fld>
             <a:endParaRPr lang="en-GB"/>
           </a:p>
@@ -2398,7 +2393,7 @@
           <a:p>
             <a:fld id="{600ECC33-1222-43C5-8E04-3BFC7E19C945}" type="slidenum">
               <a:rPr lang="en-GB" smtClean="0"/>
-              <a:t>‹#›</a:t>
+              <a:t>‹nr.›</a:t>
             </a:fld>
             <a:endParaRPr lang="en-GB"/>
           </a:p>
@@ -2633,7 +2628,7 @@
           <a:p>
             <a:fld id="{F8E175C4-104F-4A64-AAD9-44AB60AB2F3F}" type="datetimeFigureOut">
               <a:rPr lang="en-GB" smtClean="0"/>
-              <a:t>11/05/2017</a:t>
+              <a:t>01/06/17</a:t>
             </a:fld>
             <a:endParaRPr lang="en-GB"/>
           </a:p>
@@ -2675,7 +2670,7 @@
           <a:p>
             <a:fld id="{600ECC33-1222-43C5-8E04-3BFC7E19C945}" type="slidenum">
               <a:rPr lang="en-GB" smtClean="0"/>
-              <a:t>‹#›</a:t>
+              <a:t>‹nr.›</a:t>
             </a:fld>
             <a:endParaRPr lang="en-GB"/>
           </a:p>
@@ -2886,7 +2881,7 @@
           <a:p>
             <a:fld id="{F8E175C4-104F-4A64-AAD9-44AB60AB2F3F}" type="datetimeFigureOut">
               <a:rPr lang="en-GB" smtClean="0"/>
-              <a:t>11/05/2017</a:t>
+              <a:t>01/06/17</a:t>
             </a:fld>
             <a:endParaRPr lang="en-GB"/>
           </a:p>
@@ -2928,7 +2923,7 @@
           <a:p>
             <a:fld id="{600ECC33-1222-43C5-8E04-3BFC7E19C945}" type="slidenum">
               <a:rPr lang="en-GB" smtClean="0"/>
-              <a:t>‹#›</a:t>
+              <a:t>‹nr.›</a:t>
             </a:fld>
             <a:endParaRPr lang="en-GB"/>
           </a:p>
@@ -3099,7 +3094,7 @@
           <a:p>
             <a:fld id="{F8E175C4-104F-4A64-AAD9-44AB60AB2F3F}" type="datetimeFigureOut">
               <a:rPr lang="en-GB" smtClean="0"/>
-              <a:t>11/05/2017</a:t>
+              <a:t>01/06/17</a:t>
             </a:fld>
             <a:endParaRPr lang="en-GB"/>
           </a:p>
@@ -3177,7 +3172,7 @@
           <a:p>
             <a:fld id="{600ECC33-1222-43C5-8E04-3BFC7E19C945}" type="slidenum">
               <a:rPr lang="en-GB" smtClean="0"/>
-              <a:t>‹#›</a:t>
+              <a:t>‹nr.›</a:t>
             </a:fld>
             <a:endParaRPr lang="en-GB"/>
           </a:p>
@@ -3476,12 +3471,12 @@
       </p:grpSpPr>
       <p:sp>
         <p:nvSpPr>
-          <p:cNvPr id="2" name="Titel 1"/>
+          <p:cNvPr id="2" name="Title 1"/>
           <p:cNvSpPr>
             <a:spLocks noGrp="1"/>
           </p:cNvSpPr>
           <p:nvPr>
-            <p:ph type="ctrTitle"/>
+            <p:ph type="title"/>
           </p:nvPr>
         </p:nvSpPr>
         <p:spPr/>
@@ -3489,80 +3484,916 @@
           <a:bodyPr/>
           <a:lstStyle/>
           <a:p>
-            <a:endParaRPr lang="en-GB"/>
+            <a:r>
+              <a:rPr lang="en-US" b="1" dirty="0" err="1" smtClean="0"/>
+              <a:t>Onderdeel</a:t>
+            </a:r>
+            <a:r>
+              <a:rPr lang="en-US" b="1" dirty="0" smtClean="0"/>
+              <a:t> D</a:t>
+            </a:r>
+            <a:endParaRPr lang="en-US" b="1" dirty="0"/>
           </a:p>
         </p:txBody>
       </p:sp>
       <p:sp>
         <p:nvSpPr>
-          <p:cNvPr id="3" name="Ondertitel 2"/>
+          <p:cNvPr id="3" name="Content Placeholder 2"/>
           <p:cNvSpPr>
             <a:spLocks noGrp="1"/>
           </p:cNvSpPr>
           <p:nvPr>
-            <p:ph type="subTitle" idx="1"/>
+            <p:ph idx="1"/>
           </p:nvPr>
         </p:nvSpPr>
         <p:spPr/>
         <p:txBody>
-          <a:bodyPr/>
+          <a:bodyPr>
+            <a:normAutofit fontScale="85000" lnSpcReduction="20000"/>
+          </a:bodyPr>
           <a:lstStyle/>
           <a:p>
-            <a:endParaRPr lang="en-GB"/>
+            <a:pPr marL="0" indent="0">
+              <a:buNone/>
+            </a:pPr>
+            <a:r>
+              <a:rPr lang="en-US" sz="2000" dirty="0" err="1" smtClean="0"/>
+              <a:t>Nieuwe</a:t>
+            </a:r>
+            <a:r>
+              <a:rPr lang="en-US" sz="2000" dirty="0" smtClean="0"/>
+              <a:t> </a:t>
+            </a:r>
+            <a:r>
+              <a:rPr lang="en-US" sz="2000" dirty="0" err="1" smtClean="0"/>
+              <a:t>situatie</a:t>
+            </a:r>
+            <a:r>
+              <a:rPr lang="en-US" sz="2000" dirty="0" smtClean="0"/>
+              <a:t>:</a:t>
+            </a:r>
+            <a:endParaRPr lang="nl-NL" sz="2000" dirty="0" smtClean="0"/>
+          </a:p>
+          <a:p>
+            <a:pPr marL="0" indent="0">
+              <a:buNone/>
+            </a:pPr>
+            <a:r>
+              <a:rPr lang="nl-NL" sz="1600" dirty="0" smtClean="0"/>
+              <a:t>- 4 naar 6 schepen</a:t>
+            </a:r>
+          </a:p>
+          <a:p>
+            <a:pPr marL="0" indent="0">
+              <a:buNone/>
+            </a:pPr>
+            <a:r>
+              <a:rPr lang="nl-NL" sz="1600" dirty="0" smtClean="0"/>
+              <a:t>- Transportvloot samenstellen</a:t>
+            </a:r>
+          </a:p>
+          <a:p>
+            <a:pPr marL="0" indent="0">
+              <a:buNone/>
+            </a:pPr>
+            <a:r>
+              <a:rPr lang="nl-NL" sz="1600" dirty="0" smtClean="0"/>
+              <a:t>- Extra restrictie (maximale verschil is 1)</a:t>
+            </a:r>
+          </a:p>
+          <a:p>
+            <a:endParaRPr lang="nl-NL" sz="2000" dirty="0" smtClean="0"/>
+          </a:p>
+          <a:p>
+            <a:pPr marL="0" indent="0">
+              <a:buNone/>
+            </a:pPr>
+            <a:r>
+              <a:rPr lang="nl-NL" sz="2000" dirty="0" err="1" smtClean="0"/>
+              <a:t>Scorenfunctie</a:t>
+            </a:r>
+            <a:r>
+              <a:rPr lang="nl-NL" sz="2000" dirty="0" smtClean="0"/>
+              <a:t>:</a:t>
+            </a:r>
+          </a:p>
+          <a:p>
+            <a:pPr marL="0" indent="0">
+              <a:buNone/>
+            </a:pPr>
+            <a:r>
+              <a:rPr lang="nl-NL" sz="1600" dirty="0" smtClean="0"/>
+              <a:t>- Percentage gevuld</a:t>
+            </a:r>
+          </a:p>
+          <a:p>
+            <a:pPr marL="0" indent="0">
+              <a:buNone/>
+            </a:pPr>
+            <a:endParaRPr lang="nl-NL" sz="2000" dirty="0" smtClean="0"/>
+          </a:p>
+          <a:p>
+            <a:pPr marL="0" indent="0">
+              <a:buNone/>
+            </a:pPr>
+            <a:r>
+              <a:rPr lang="nl-NL" sz="2000" dirty="0" smtClean="0"/>
+              <a:t>Startconfiguratie:</a:t>
+            </a:r>
+          </a:p>
+          <a:p>
+            <a:pPr marL="0" indent="0">
+              <a:buNone/>
+            </a:pPr>
+            <a:r>
+              <a:rPr lang="nl-NL" sz="1700" dirty="0" smtClean="0"/>
+              <a:t>- </a:t>
+            </a:r>
+            <a:r>
+              <a:rPr lang="nl-NL" sz="1700" dirty="0" err="1" smtClean="0"/>
+              <a:t>Cygnus</a:t>
+            </a:r>
+            <a:r>
+              <a:rPr lang="nl-NL" sz="1700" dirty="0" smtClean="0"/>
+              <a:t> en Dragon</a:t>
+            </a:r>
+          </a:p>
+          <a:p>
+            <a:pPr marL="0" indent="0">
+              <a:buNone/>
+            </a:pPr>
+            <a:r>
+              <a:rPr lang="nl-NL" sz="1700" dirty="0" smtClean="0"/>
+              <a:t>- Alleen </a:t>
+            </a:r>
+            <a:r>
+              <a:rPr lang="nl-NL" sz="1700" dirty="0" err="1" smtClean="0"/>
+              <a:t>Cygnus</a:t>
+            </a:r>
+            <a:endParaRPr lang="nl-NL" sz="1700" dirty="0" smtClean="0"/>
+          </a:p>
+          <a:p>
+            <a:pPr marL="0" indent="0">
+              <a:buNone/>
+            </a:pPr>
+            <a:r>
+              <a:rPr lang="nl-NL" sz="1700" dirty="0" smtClean="0"/>
+              <a:t>- Alleen Dragon</a:t>
+            </a:r>
+            <a:endParaRPr lang="nl-NL" sz="1700" dirty="0"/>
+          </a:p>
+          <a:p>
+            <a:pPr marL="0" indent="0">
+              <a:buNone/>
+            </a:pPr>
+            <a:endParaRPr lang="nl-NL" sz="2000" dirty="0" smtClean="0"/>
+          </a:p>
+          <a:p>
+            <a:pPr marL="0" indent="0">
+              <a:buNone/>
+            </a:pPr>
+            <a:r>
+              <a:rPr lang="nl-NL" sz="2000" dirty="0" smtClean="0"/>
+              <a:t>Algoritme:</a:t>
+            </a:r>
+          </a:p>
+          <a:p>
+            <a:pPr marL="0" indent="0">
+              <a:buNone/>
+            </a:pPr>
+            <a:r>
+              <a:rPr lang="nl-NL" sz="1600" dirty="0" smtClean="0"/>
+              <a:t>- </a:t>
+            </a:r>
+            <a:r>
+              <a:rPr lang="nl-NL" sz="1600" dirty="0" err="1" smtClean="0"/>
+              <a:t>Greedy</a:t>
+            </a:r>
+            <a:r>
+              <a:rPr lang="nl-NL" sz="1600" dirty="0" smtClean="0"/>
+              <a:t> &amp; </a:t>
+            </a:r>
+            <a:r>
+              <a:rPr lang="nl-NL" sz="1600" dirty="0" err="1" smtClean="0"/>
+              <a:t>Hillclimbing</a:t>
+            </a:r>
+            <a:endParaRPr lang="nl-NL" sz="1600" dirty="0" smtClean="0"/>
+          </a:p>
+          <a:p>
+            <a:pPr marL="0" indent="0">
+              <a:buNone/>
+            </a:pPr>
+            <a:r>
+              <a:rPr lang="nl-NL" sz="1600" dirty="0" smtClean="0"/>
+              <a:t>- </a:t>
+            </a:r>
+            <a:r>
+              <a:rPr lang="nl-NL" sz="1600" dirty="0" err="1" smtClean="0"/>
+              <a:t>Greedy</a:t>
+            </a:r>
+            <a:r>
+              <a:rPr lang="nl-NL" sz="1600" dirty="0" smtClean="0"/>
+              <a:t> &amp; </a:t>
+            </a:r>
+            <a:r>
+              <a:rPr lang="nl-NL" sz="1600" dirty="0" err="1" smtClean="0"/>
+              <a:t>Annealing</a:t>
+            </a:r>
+            <a:endParaRPr lang="nl-NL" sz="1600" dirty="0"/>
+          </a:p>
+          <a:p>
+            <a:pPr marL="0" indent="0">
+              <a:buNone/>
+            </a:pPr>
+            <a:endParaRPr lang="nl-NL" sz="1600" dirty="0" smtClean="0"/>
+          </a:p>
+          <a:p>
+            <a:pPr marL="0" indent="0">
+              <a:buNone/>
+            </a:pPr>
+            <a:r>
+              <a:rPr lang="nl-NL" sz="1600" dirty="0" smtClean="0"/>
+              <a:t>Extra </a:t>
+            </a:r>
+            <a:r>
+              <a:rPr lang="nl-NL" sz="1600" dirty="0" err="1" smtClean="0"/>
+              <a:t>Greedy</a:t>
+            </a:r>
+            <a:endParaRPr lang="nl-NL" sz="1600" dirty="0" smtClean="0"/>
           </a:p>
         </p:txBody>
       </p:sp>
-      <p:pic>
-        <p:nvPicPr>
-          <p:cNvPr id="1026" name="Picture 2" descr="America&amp;#39;s Space Futures: Defining Goals for Space Exploration"/>
-          <p:cNvPicPr>
-            <a:picLocks noChangeAspect="1" noChangeArrowheads="1"/>
-          </p:cNvPicPr>
-          <p:nvPr/>
-        </p:nvPicPr>
-        <p:blipFill>
-          <a:blip r:embed="rId2">
-            <a:extLst>
-              <a:ext uri="{28A0092B-C50C-407E-A947-70E740481C1C}">
-                <a14:useLocalDpi xmlns:a14="http://schemas.microsoft.com/office/drawing/2010/main" val="0"/>
-              </a:ext>
-            </a:extLst>
-          </a:blip>
-          <a:srcRect/>
-          <a:stretch>
-            <a:fillRect/>
-          </a:stretch>
-        </p:blipFill>
-        <p:spPr bwMode="auto">
-          <a:xfrm>
-            <a:off x="52387" y="1412776"/>
-            <a:ext cx="9039225" cy="5086350"/>
-          </a:xfrm>
-          <a:prstGeom prst="rect">
-            <a:avLst/>
-          </a:prstGeom>
-          <a:noFill/>
-          <a:extLst>
-            <a:ext uri="{909E8E84-426E-40DD-AFC4-6F175D3DCCD1}">
-              <a14:hiddenFill xmlns:a14="http://schemas.microsoft.com/office/drawing/2010/main">
-                <a:solidFill>
-                  <a:srgbClr val="FFFFFF"/>
-                </a:solidFill>
-              </a14:hiddenFill>
-            </a:ext>
-          </a:extLst>
-        </p:spPr>
-      </p:pic>
+      <p:graphicFrame>
+        <p:nvGraphicFramePr>
+          <p:cNvPr id="8" name="Tabel 7"/>
+          <p:cNvGraphicFramePr>
+            <a:graphicFrameLocks noGrp="1"/>
+          </p:cNvGraphicFramePr>
+          <p:nvPr>
+            <p:extLst>
+              <p:ext uri="{D42A27DB-BD31-4B8C-83A1-F6EECF244321}">
+                <p14:modId xmlns:p14="http://schemas.microsoft.com/office/powerpoint/2010/main" val="1815990212"/>
+              </p:ext>
+            </p:extLst>
+          </p:nvPr>
+        </p:nvGraphicFramePr>
+        <p:xfrm>
+          <a:off x="2915816" y="3068960"/>
+          <a:ext cx="5688632" cy="1296143"/>
+        </p:xfrm>
+        <a:graphic>
+          <a:graphicData uri="http://schemas.openxmlformats.org/drawingml/2006/table">
+            <a:tbl>
+              <a:tblPr>
+                <a:tableStyleId>{5C22544A-7EE6-4342-B048-85BDC9FD1C3A}</a:tableStyleId>
+              </a:tblPr>
+              <a:tblGrid>
+                <a:gridCol w="1580163"/>
+                <a:gridCol w="1083542"/>
+                <a:gridCol w="1431791"/>
+                <a:gridCol w="1593136"/>
+              </a:tblGrid>
+              <a:tr h="369331">
+                <a:tc>
+                  <a:txBody>
+                    <a:bodyPr/>
+                    <a:lstStyle/>
+                    <a:p>
+                      <a:pPr algn="ctr" fontAlgn="ctr"/>
+                      <a:r>
+                        <a:rPr lang="en-GB" sz="1200" b="1" u="none" strike="noStrike" dirty="0">
+                          <a:effectLst/>
+                        </a:rPr>
+                        <a:t>Spacecraft</a:t>
+                      </a:r>
+                      <a:endParaRPr lang="en-GB" sz="1200" b="1" i="0" u="none" strike="noStrike" dirty="0">
+                        <a:solidFill>
+                          <a:srgbClr val="000000"/>
+                        </a:solidFill>
+                        <a:effectLst/>
+                        <a:latin typeface="Arial"/>
+                      </a:endParaRPr>
+                    </a:p>
+                  </a:txBody>
+                  <a:tcPr marL="6350" marR="6350" marT="6350" marB="0" anchor="ctr">
+                    <a:solidFill>
+                      <a:schemeClr val="accent1">
+                        <a:lumMod val="60000"/>
+                        <a:lumOff val="40000"/>
+                      </a:schemeClr>
+                    </a:solidFill>
+                  </a:tcPr>
+                </a:tc>
+                <a:tc>
+                  <a:txBody>
+                    <a:bodyPr/>
+                    <a:lstStyle/>
+                    <a:p>
+                      <a:pPr algn="ctr" fontAlgn="ctr"/>
+                      <a:r>
+                        <a:rPr lang="en-GB" sz="1200" b="1" u="none" strike="noStrike" dirty="0">
+                          <a:effectLst/>
+                        </a:rPr>
+                        <a:t>Land</a:t>
+                      </a:r>
+                      <a:endParaRPr lang="en-GB" sz="1200" b="1" i="0" u="none" strike="noStrike" dirty="0">
+                        <a:solidFill>
+                          <a:srgbClr val="000000"/>
+                        </a:solidFill>
+                        <a:effectLst/>
+                        <a:latin typeface="Arial"/>
+                      </a:endParaRPr>
+                    </a:p>
+                  </a:txBody>
+                  <a:tcPr marL="6350" marR="6350" marT="6350" marB="0" anchor="ctr">
+                    <a:solidFill>
+                      <a:schemeClr val="accent1">
+                        <a:lumMod val="60000"/>
+                        <a:lumOff val="40000"/>
+                      </a:schemeClr>
+                    </a:solidFill>
+                  </a:tcPr>
+                </a:tc>
+                <a:tc>
+                  <a:txBody>
+                    <a:bodyPr/>
+                    <a:lstStyle/>
+                    <a:p>
+                      <a:pPr algn="ctr" fontAlgn="ctr"/>
+                      <a:r>
+                        <a:rPr lang="en-GB" sz="1200" b="1" u="none" strike="noStrike" dirty="0" err="1" smtClean="0">
+                          <a:effectLst/>
+                        </a:rPr>
+                        <a:t>Gewicht</a:t>
+                      </a:r>
+                      <a:r>
+                        <a:rPr lang="en-GB" sz="1200" b="1" u="none" strike="noStrike" dirty="0" smtClean="0">
+                          <a:effectLst/>
+                        </a:rPr>
+                        <a:t> (kg)</a:t>
+                      </a:r>
+                      <a:endParaRPr lang="en-GB" sz="1200" b="1" i="0" u="none" strike="noStrike" dirty="0">
+                        <a:solidFill>
+                          <a:srgbClr val="000000"/>
+                        </a:solidFill>
+                        <a:effectLst/>
+                        <a:latin typeface="Arial"/>
+                      </a:endParaRPr>
+                    </a:p>
+                  </a:txBody>
+                  <a:tcPr marL="6350" marR="6350" marT="6350" marB="0" anchor="ctr">
+                    <a:solidFill>
+                      <a:schemeClr val="accent1">
+                        <a:lumMod val="60000"/>
+                        <a:lumOff val="40000"/>
+                      </a:schemeClr>
+                    </a:solidFill>
+                  </a:tcPr>
+                </a:tc>
+                <a:tc>
+                  <a:txBody>
+                    <a:bodyPr/>
+                    <a:lstStyle/>
+                    <a:p>
+                      <a:pPr algn="ctr" fontAlgn="ctr"/>
+                      <a:r>
+                        <a:rPr lang="en-GB" sz="1200" b="1" u="none" strike="noStrike" dirty="0" err="1" smtClean="0">
+                          <a:effectLst/>
+                        </a:rPr>
+                        <a:t>Omvang</a:t>
+                      </a:r>
+                      <a:r>
+                        <a:rPr lang="en-GB" sz="1200" b="1" u="none" strike="noStrike" dirty="0" smtClean="0">
+                          <a:effectLst/>
+                        </a:rPr>
+                        <a:t> (m</a:t>
+                      </a:r>
+                      <a:r>
+                        <a:rPr lang="en-GB" sz="1200" b="1" u="none" strike="noStrike" baseline="30000" dirty="0" smtClean="0">
+                          <a:effectLst/>
+                        </a:rPr>
+                        <a:t>3</a:t>
+                      </a:r>
+                      <a:r>
+                        <a:rPr lang="en-GB" sz="1200" b="1" u="none" strike="noStrike" dirty="0">
+                          <a:effectLst/>
+                        </a:rPr>
+                        <a:t>)</a:t>
+                      </a:r>
+                      <a:endParaRPr lang="en-GB" sz="1200" b="1" i="0" u="none" strike="noStrike" dirty="0">
+                        <a:solidFill>
+                          <a:srgbClr val="000000"/>
+                        </a:solidFill>
+                        <a:effectLst/>
+                        <a:latin typeface="Arial"/>
+                      </a:endParaRPr>
+                    </a:p>
+                  </a:txBody>
+                  <a:tcPr marL="6350" marR="6350" marT="6350" marB="0" anchor="ctr">
+                    <a:solidFill>
+                      <a:schemeClr val="accent1">
+                        <a:lumMod val="60000"/>
+                        <a:lumOff val="40000"/>
+                      </a:schemeClr>
+                    </a:solidFill>
+                  </a:tcPr>
+                </a:tc>
+              </a:tr>
+              <a:tr h="213314">
+                <a:tc>
+                  <a:txBody>
+                    <a:bodyPr/>
+                    <a:lstStyle/>
+                    <a:p>
+                      <a:pPr algn="ctr" fontAlgn="ctr"/>
+                      <a:r>
+                        <a:rPr lang="en-GB" sz="1200" u="none" strike="noStrike" dirty="0">
+                          <a:effectLst/>
+                        </a:rPr>
+                        <a:t>Cygnus</a:t>
+                      </a:r>
+                      <a:endParaRPr lang="en-GB" sz="1200" b="0" i="0" u="none" strike="noStrike" dirty="0">
+                        <a:solidFill>
+                          <a:srgbClr val="000000"/>
+                        </a:solidFill>
+                        <a:effectLst/>
+                        <a:latin typeface="Arial"/>
+                      </a:endParaRPr>
+                    </a:p>
+                  </a:txBody>
+                  <a:tcPr marL="6350" marR="6350" marT="6350" marB="0" anchor="ctr">
+                    <a:solidFill>
+                      <a:schemeClr val="accent1">
+                        <a:lumMod val="40000"/>
+                        <a:lumOff val="60000"/>
+                      </a:schemeClr>
+                    </a:solidFill>
+                  </a:tcPr>
+                </a:tc>
+                <a:tc>
+                  <a:txBody>
+                    <a:bodyPr/>
+                    <a:lstStyle/>
+                    <a:p>
+                      <a:pPr algn="ctr" fontAlgn="ctr"/>
+                      <a:r>
+                        <a:rPr lang="en-GB" sz="1200" u="none" strike="noStrike" dirty="0">
+                          <a:effectLst/>
+                        </a:rPr>
+                        <a:t>USA</a:t>
+                      </a:r>
+                      <a:endParaRPr lang="en-GB" sz="1200" b="0" i="0" u="none" strike="noStrike" dirty="0">
+                        <a:solidFill>
+                          <a:srgbClr val="000000"/>
+                        </a:solidFill>
+                        <a:effectLst/>
+                        <a:latin typeface="Arial"/>
+                      </a:endParaRPr>
+                    </a:p>
+                  </a:txBody>
+                  <a:tcPr marL="6350" marR="6350" marT="6350" marB="0" anchor="ctr">
+                    <a:solidFill>
+                      <a:schemeClr val="accent1">
+                        <a:lumMod val="40000"/>
+                        <a:lumOff val="60000"/>
+                      </a:schemeClr>
+                    </a:solidFill>
+                  </a:tcPr>
+                </a:tc>
+                <a:tc>
+                  <a:txBody>
+                    <a:bodyPr/>
+                    <a:lstStyle/>
+                    <a:p>
+                      <a:pPr algn="ctr" fontAlgn="ctr"/>
+                      <a:r>
+                        <a:rPr lang="en-GB" sz="1200" u="none" strike="noStrike" dirty="0">
+                          <a:effectLst/>
+                        </a:rPr>
+                        <a:t>2000</a:t>
+                      </a:r>
+                      <a:endParaRPr lang="en-GB" sz="1200" b="0" i="0" u="none" strike="noStrike" dirty="0">
+                        <a:solidFill>
+                          <a:srgbClr val="000000"/>
+                        </a:solidFill>
+                        <a:effectLst/>
+                        <a:latin typeface="Arial"/>
+                      </a:endParaRPr>
+                    </a:p>
+                  </a:txBody>
+                  <a:tcPr marL="6350" marR="6350" marT="6350" marB="0" anchor="ctr">
+                    <a:solidFill>
+                      <a:schemeClr val="accent1">
+                        <a:lumMod val="40000"/>
+                        <a:lumOff val="60000"/>
+                      </a:schemeClr>
+                    </a:solidFill>
+                  </a:tcPr>
+                </a:tc>
+                <a:tc>
+                  <a:txBody>
+                    <a:bodyPr/>
+                    <a:lstStyle/>
+                    <a:p>
+                      <a:pPr algn="ctr" fontAlgn="ctr"/>
+                      <a:r>
+                        <a:rPr lang="en-GB" sz="1200" u="none" strike="noStrike" dirty="0">
+                          <a:effectLst/>
+                        </a:rPr>
+                        <a:t>18,9</a:t>
+                      </a:r>
+                      <a:endParaRPr lang="en-GB" sz="1200" b="0" i="0" u="none" strike="noStrike" dirty="0">
+                        <a:solidFill>
+                          <a:srgbClr val="000000"/>
+                        </a:solidFill>
+                        <a:effectLst/>
+                        <a:latin typeface="Arial"/>
+                      </a:endParaRPr>
+                    </a:p>
+                  </a:txBody>
+                  <a:tcPr marL="6350" marR="6350" marT="6350" marB="0" anchor="ctr">
+                    <a:solidFill>
+                      <a:schemeClr val="accent1">
+                        <a:lumMod val="40000"/>
+                        <a:lumOff val="60000"/>
+                      </a:schemeClr>
+                    </a:solidFill>
+                  </a:tcPr>
+                </a:tc>
+              </a:tr>
+              <a:tr h="235381">
+                <a:tc>
+                  <a:txBody>
+                    <a:bodyPr/>
+                    <a:lstStyle/>
+                    <a:p>
+                      <a:pPr algn="ctr" fontAlgn="ctr"/>
+                      <a:r>
+                        <a:rPr lang="en-GB" sz="1200" u="none" strike="noStrike">
+                          <a:effectLst/>
+                        </a:rPr>
+                        <a:t>Verne ATV</a:t>
+                      </a:r>
+                      <a:endParaRPr lang="en-GB" sz="1200" b="0" i="0" u="none" strike="noStrike">
+                        <a:solidFill>
+                          <a:srgbClr val="000000"/>
+                        </a:solidFill>
+                        <a:effectLst/>
+                        <a:latin typeface="Arial"/>
+                      </a:endParaRPr>
+                    </a:p>
+                  </a:txBody>
+                  <a:tcPr marL="6350" marR="6350" marT="6350" marB="0" anchor="ctr">
+                    <a:solidFill>
+                      <a:schemeClr val="accent1">
+                        <a:lumMod val="40000"/>
+                        <a:lumOff val="60000"/>
+                      </a:schemeClr>
+                    </a:solidFill>
+                  </a:tcPr>
+                </a:tc>
+                <a:tc>
+                  <a:txBody>
+                    <a:bodyPr/>
+                    <a:lstStyle/>
+                    <a:p>
+                      <a:pPr algn="ctr" fontAlgn="ctr"/>
+                      <a:r>
+                        <a:rPr lang="en-GB" sz="1200" u="none" strike="noStrike">
+                          <a:effectLst/>
+                        </a:rPr>
+                        <a:t>Europe</a:t>
+                      </a:r>
+                      <a:endParaRPr lang="en-GB" sz="1200" b="0" i="0" u="none" strike="noStrike">
+                        <a:solidFill>
+                          <a:srgbClr val="000000"/>
+                        </a:solidFill>
+                        <a:effectLst/>
+                        <a:latin typeface="Arial"/>
+                      </a:endParaRPr>
+                    </a:p>
+                  </a:txBody>
+                  <a:tcPr marL="6350" marR="6350" marT="6350" marB="0" anchor="ctr">
+                    <a:solidFill>
+                      <a:schemeClr val="accent1">
+                        <a:lumMod val="40000"/>
+                        <a:lumOff val="60000"/>
+                      </a:schemeClr>
+                    </a:solidFill>
+                  </a:tcPr>
+                </a:tc>
+                <a:tc>
+                  <a:txBody>
+                    <a:bodyPr/>
+                    <a:lstStyle/>
+                    <a:p>
+                      <a:pPr algn="ctr" fontAlgn="ctr"/>
+                      <a:r>
+                        <a:rPr lang="en-GB" sz="1200" u="none" strike="noStrike" dirty="0">
+                          <a:effectLst/>
+                        </a:rPr>
+                        <a:t>2300</a:t>
+                      </a:r>
+                      <a:endParaRPr lang="en-GB" sz="1200" b="0" i="0" u="none" strike="noStrike" dirty="0">
+                        <a:solidFill>
+                          <a:srgbClr val="000000"/>
+                        </a:solidFill>
+                        <a:effectLst/>
+                        <a:latin typeface="Arial"/>
+                      </a:endParaRPr>
+                    </a:p>
+                  </a:txBody>
+                  <a:tcPr marL="6350" marR="6350" marT="6350" marB="0" anchor="ctr">
+                    <a:solidFill>
+                      <a:schemeClr val="accent1">
+                        <a:lumMod val="40000"/>
+                        <a:lumOff val="60000"/>
+                      </a:schemeClr>
+                    </a:solidFill>
+                  </a:tcPr>
+                </a:tc>
+                <a:tc>
+                  <a:txBody>
+                    <a:bodyPr/>
+                    <a:lstStyle/>
+                    <a:p>
+                      <a:pPr algn="ctr" fontAlgn="ctr"/>
+                      <a:r>
+                        <a:rPr lang="en-GB" sz="1200" u="none" strike="noStrike" dirty="0">
+                          <a:effectLst/>
+                        </a:rPr>
+                        <a:t>13,1</a:t>
+                      </a:r>
+                      <a:endParaRPr lang="en-GB" sz="1200" b="0" i="0" u="none" strike="noStrike" dirty="0">
+                        <a:solidFill>
+                          <a:srgbClr val="000000"/>
+                        </a:solidFill>
+                        <a:effectLst/>
+                        <a:latin typeface="Arial"/>
+                      </a:endParaRPr>
+                    </a:p>
+                  </a:txBody>
+                  <a:tcPr marL="6350" marR="6350" marT="6350" marB="0" anchor="ctr">
+                    <a:solidFill>
+                      <a:schemeClr val="accent1">
+                        <a:lumMod val="40000"/>
+                        <a:lumOff val="60000"/>
+                      </a:schemeClr>
+                    </a:solidFill>
+                  </a:tcPr>
+                </a:tc>
+              </a:tr>
+              <a:tr h="228025">
+                <a:tc>
+                  <a:txBody>
+                    <a:bodyPr/>
+                    <a:lstStyle/>
+                    <a:p>
+                      <a:pPr algn="ctr" fontAlgn="ctr"/>
+                      <a:r>
+                        <a:rPr lang="en-GB" sz="1200" u="none" strike="noStrike" dirty="0">
+                          <a:effectLst/>
+                        </a:rPr>
+                        <a:t>Progress</a:t>
+                      </a:r>
+                      <a:endParaRPr lang="en-GB" sz="1200" b="0" i="0" u="none" strike="noStrike" dirty="0">
+                        <a:solidFill>
+                          <a:srgbClr val="000000"/>
+                        </a:solidFill>
+                        <a:effectLst/>
+                        <a:latin typeface="Arial"/>
+                      </a:endParaRPr>
+                    </a:p>
+                  </a:txBody>
+                  <a:tcPr marL="6350" marR="6350" marT="6350" marB="0" anchor="ctr">
+                    <a:solidFill>
+                      <a:schemeClr val="accent1">
+                        <a:lumMod val="40000"/>
+                        <a:lumOff val="60000"/>
+                      </a:schemeClr>
+                    </a:solidFill>
+                  </a:tcPr>
+                </a:tc>
+                <a:tc>
+                  <a:txBody>
+                    <a:bodyPr/>
+                    <a:lstStyle/>
+                    <a:p>
+                      <a:pPr algn="ctr" fontAlgn="ctr"/>
+                      <a:r>
+                        <a:rPr lang="en-GB" sz="1200" u="none" strike="noStrike">
+                          <a:effectLst/>
+                        </a:rPr>
+                        <a:t>Russia</a:t>
+                      </a:r>
+                      <a:endParaRPr lang="en-GB" sz="1200" b="0" i="0" u="none" strike="noStrike">
+                        <a:solidFill>
+                          <a:srgbClr val="000000"/>
+                        </a:solidFill>
+                        <a:effectLst/>
+                        <a:latin typeface="Arial"/>
+                      </a:endParaRPr>
+                    </a:p>
+                  </a:txBody>
+                  <a:tcPr marL="6350" marR="6350" marT="6350" marB="0" anchor="ctr">
+                    <a:solidFill>
+                      <a:schemeClr val="accent1">
+                        <a:lumMod val="40000"/>
+                        <a:lumOff val="60000"/>
+                      </a:schemeClr>
+                    </a:solidFill>
+                  </a:tcPr>
+                </a:tc>
+                <a:tc>
+                  <a:txBody>
+                    <a:bodyPr/>
+                    <a:lstStyle/>
+                    <a:p>
+                      <a:pPr algn="ctr" fontAlgn="ctr"/>
+                      <a:r>
+                        <a:rPr lang="en-GB" sz="1200" u="none" strike="noStrike" dirty="0">
+                          <a:effectLst/>
+                        </a:rPr>
+                        <a:t>2400</a:t>
+                      </a:r>
+                      <a:endParaRPr lang="en-GB" sz="1200" b="0" i="0" u="none" strike="noStrike" dirty="0">
+                        <a:solidFill>
+                          <a:srgbClr val="000000"/>
+                        </a:solidFill>
+                        <a:effectLst/>
+                        <a:latin typeface="Arial"/>
+                      </a:endParaRPr>
+                    </a:p>
+                  </a:txBody>
+                  <a:tcPr marL="6350" marR="6350" marT="6350" marB="0" anchor="ctr">
+                    <a:solidFill>
+                      <a:schemeClr val="accent1">
+                        <a:lumMod val="40000"/>
+                        <a:lumOff val="60000"/>
+                      </a:schemeClr>
+                    </a:solidFill>
+                  </a:tcPr>
+                </a:tc>
+                <a:tc>
+                  <a:txBody>
+                    <a:bodyPr/>
+                    <a:lstStyle/>
+                    <a:p>
+                      <a:pPr algn="ctr" fontAlgn="ctr"/>
+                      <a:r>
+                        <a:rPr lang="en-GB" sz="1200" u="none" strike="noStrike" dirty="0">
+                          <a:effectLst/>
+                        </a:rPr>
+                        <a:t>7,6</a:t>
+                      </a:r>
+                      <a:endParaRPr lang="en-GB" sz="1200" b="0" i="0" u="none" strike="noStrike" dirty="0">
+                        <a:solidFill>
+                          <a:srgbClr val="000000"/>
+                        </a:solidFill>
+                        <a:effectLst/>
+                        <a:latin typeface="Arial"/>
+                      </a:endParaRPr>
+                    </a:p>
+                  </a:txBody>
+                  <a:tcPr marL="6350" marR="6350" marT="6350" marB="0" anchor="ctr">
+                    <a:solidFill>
+                      <a:schemeClr val="accent1">
+                        <a:lumMod val="40000"/>
+                        <a:lumOff val="60000"/>
+                      </a:schemeClr>
+                    </a:solidFill>
+                  </a:tcPr>
+                </a:tc>
+              </a:tr>
+              <a:tr h="250092">
+                <a:tc>
+                  <a:txBody>
+                    <a:bodyPr/>
+                    <a:lstStyle/>
+                    <a:p>
+                      <a:pPr algn="ctr" fontAlgn="ctr"/>
+                      <a:r>
+                        <a:rPr lang="en-GB" sz="1200" u="none" strike="noStrike" dirty="0" err="1">
+                          <a:effectLst/>
+                        </a:rPr>
+                        <a:t>Kounotori</a:t>
+                      </a:r>
+                      <a:endParaRPr lang="en-GB" sz="1200" b="0" i="0" u="none" strike="noStrike" dirty="0">
+                        <a:solidFill>
+                          <a:srgbClr val="000000"/>
+                        </a:solidFill>
+                        <a:effectLst/>
+                        <a:latin typeface="Arial"/>
+                      </a:endParaRPr>
+                    </a:p>
+                  </a:txBody>
+                  <a:tcPr marL="6350" marR="6350" marT="6350" marB="0" anchor="ctr">
+                    <a:solidFill>
+                      <a:schemeClr val="accent1">
+                        <a:lumMod val="40000"/>
+                        <a:lumOff val="60000"/>
+                      </a:schemeClr>
+                    </a:solidFill>
+                  </a:tcPr>
+                </a:tc>
+                <a:tc>
+                  <a:txBody>
+                    <a:bodyPr/>
+                    <a:lstStyle/>
+                    <a:p>
+                      <a:pPr algn="ctr" fontAlgn="ctr"/>
+                      <a:r>
+                        <a:rPr lang="en-GB" sz="1200" u="none" strike="noStrike" dirty="0" smtClean="0">
+                          <a:effectLst/>
+                        </a:rPr>
+                        <a:t>Japan</a:t>
+                      </a:r>
+                    </a:p>
+                  </a:txBody>
+                  <a:tcPr marL="6350" marR="6350" marT="6350" marB="0" anchor="ctr">
+                    <a:solidFill>
+                      <a:schemeClr val="accent1">
+                        <a:lumMod val="40000"/>
+                        <a:lumOff val="60000"/>
+                      </a:schemeClr>
+                    </a:solidFill>
+                  </a:tcPr>
+                </a:tc>
+                <a:tc>
+                  <a:txBody>
+                    <a:bodyPr/>
+                    <a:lstStyle/>
+                    <a:p>
+                      <a:pPr algn="ctr" fontAlgn="ctr"/>
+                      <a:r>
+                        <a:rPr lang="en-GB" sz="1200" u="none" strike="noStrike" dirty="0">
+                          <a:effectLst/>
+                        </a:rPr>
+                        <a:t>5200</a:t>
+                      </a:r>
+                      <a:endParaRPr lang="en-GB" sz="1200" b="0" i="0" u="none" strike="noStrike" dirty="0">
+                        <a:solidFill>
+                          <a:srgbClr val="000000"/>
+                        </a:solidFill>
+                        <a:effectLst/>
+                        <a:latin typeface="Arial"/>
+                      </a:endParaRPr>
+                    </a:p>
+                  </a:txBody>
+                  <a:tcPr marL="6350" marR="6350" marT="6350" marB="0" anchor="ctr">
+                    <a:solidFill>
+                      <a:schemeClr val="accent1">
+                        <a:lumMod val="40000"/>
+                        <a:lumOff val="60000"/>
+                      </a:schemeClr>
+                    </a:solidFill>
+                  </a:tcPr>
+                </a:tc>
+                <a:tc>
+                  <a:txBody>
+                    <a:bodyPr/>
+                    <a:lstStyle/>
+                    <a:p>
+                      <a:pPr algn="ctr" fontAlgn="ctr"/>
+                      <a:r>
+                        <a:rPr lang="en-GB" sz="1200" u="none" strike="noStrike" dirty="0">
+                          <a:effectLst/>
+                        </a:rPr>
+                        <a:t>14</a:t>
+                      </a:r>
+                      <a:endParaRPr lang="en-GB" sz="1200" b="0" i="0" u="none" strike="noStrike" dirty="0">
+                        <a:solidFill>
+                          <a:srgbClr val="000000"/>
+                        </a:solidFill>
+                        <a:effectLst/>
+                        <a:latin typeface="Arial"/>
+                      </a:endParaRPr>
+                    </a:p>
+                  </a:txBody>
+                  <a:tcPr marL="6350" marR="6350" marT="6350" marB="0" anchor="ctr">
+                    <a:solidFill>
+                      <a:schemeClr val="accent1">
+                        <a:lumMod val="40000"/>
+                        <a:lumOff val="60000"/>
+                      </a:schemeClr>
+                    </a:solidFill>
+                  </a:tcPr>
+                </a:tc>
+              </a:tr>
+            </a:tbl>
+          </a:graphicData>
+        </a:graphic>
+      </p:graphicFrame>
       <p:sp>
         <p:nvSpPr>
-          <p:cNvPr id="4" name="Tekstvak 3"/>
+          <p:cNvPr id="9" name="Tekstvak 8"/>
           <p:cNvSpPr txBox="1"/>
           <p:nvPr/>
         </p:nvSpPr>
         <p:spPr>
           <a:xfrm>
-            <a:off x="611560" y="332656"/>
-            <a:ext cx="7920880" cy="954107"/>
+            <a:off x="3661653" y="4755510"/>
+            <a:ext cx="184666" cy="369332"/>
           </a:xfrm>
           <a:prstGeom prst="rect">
             <a:avLst/>
@@ -3570,31 +4401,325 @@
           <a:noFill/>
         </p:spPr>
         <p:txBody>
-          <a:bodyPr wrap="square" rtlCol="0">
+          <a:bodyPr wrap="none" rtlCol="0">
             <a:spAutoFit/>
           </a:bodyPr>
           <a:lstStyle/>
           <a:p>
-            <a:pPr algn="ctr"/>
-            <a:r>
-              <a:rPr lang="nl-NL" sz="3600" b="1" dirty="0" smtClean="0"/>
-              <a:t>SPACE FREIGHT</a:t>
-            </a:r>
-          </a:p>
-          <a:p>
-            <a:pPr algn="ctr"/>
-            <a:r>
-              <a:rPr lang="nl-NL" sz="2000" b="1" dirty="0" smtClean="0"/>
-              <a:t>Nik, Lennert en Joosje</a:t>
-            </a:r>
-            <a:endParaRPr lang="en-GB" sz="2000" b="1" dirty="0"/>
+            <a:endParaRPr lang="nl-NL" dirty="0"/>
           </a:p>
         </p:txBody>
       </p:sp>
+      <p:graphicFrame>
+        <p:nvGraphicFramePr>
+          <p:cNvPr id="10" name="Tabel 9"/>
+          <p:cNvGraphicFramePr>
+            <a:graphicFrameLocks noGrp="1"/>
+          </p:cNvGraphicFramePr>
+          <p:nvPr>
+            <p:extLst>
+              <p:ext uri="{D42A27DB-BD31-4B8C-83A1-F6EECF244321}">
+                <p14:modId xmlns:p14="http://schemas.microsoft.com/office/powerpoint/2010/main" val="3335650789"/>
+              </p:ext>
+            </p:extLst>
+          </p:nvPr>
+        </p:nvGraphicFramePr>
+        <p:xfrm>
+          <a:off x="2915816" y="4581128"/>
+          <a:ext cx="5688632" cy="463406"/>
+        </p:xfrm>
+        <a:graphic>
+          <a:graphicData uri="http://schemas.openxmlformats.org/drawingml/2006/table">
+            <a:tbl>
+              <a:tblPr>
+                <a:tableStyleId>{5C22544A-7EE6-4342-B048-85BDC9FD1C3A}</a:tableStyleId>
+              </a:tblPr>
+              <a:tblGrid>
+                <a:gridCol w="1580163"/>
+                <a:gridCol w="1083542"/>
+                <a:gridCol w="1431791"/>
+                <a:gridCol w="1593136"/>
+              </a:tblGrid>
+              <a:tr h="213314">
+                <a:tc>
+                  <a:txBody>
+                    <a:bodyPr/>
+                    <a:lstStyle/>
+                    <a:p>
+                      <a:pPr algn="ctr" fontAlgn="ctr"/>
+                      <a:r>
+                        <a:rPr lang="en-GB" sz="1200" b="0" i="0" u="none" strike="noStrike" dirty="0" err="1" smtClean="0">
+                          <a:solidFill>
+                            <a:schemeClr val="dk1"/>
+                          </a:solidFill>
+                          <a:effectLst/>
+                          <a:latin typeface="+mn-lt"/>
+                        </a:rPr>
+                        <a:t>TianZhou</a:t>
+                      </a:r>
+                      <a:endParaRPr lang="en-GB" sz="1200" b="0" i="0" u="none" strike="noStrike" dirty="0">
+                        <a:solidFill>
+                          <a:srgbClr val="000000"/>
+                        </a:solidFill>
+                        <a:effectLst/>
+                        <a:latin typeface="Arial"/>
+                      </a:endParaRPr>
+                    </a:p>
+                  </a:txBody>
+                  <a:tcPr marL="6350" marR="6350" marT="6350" marB="0" anchor="ctr">
+                    <a:solidFill>
+                      <a:schemeClr val="accent1">
+                        <a:lumMod val="40000"/>
+                        <a:lumOff val="60000"/>
+                      </a:schemeClr>
+                    </a:solidFill>
+                  </a:tcPr>
+                </a:tc>
+                <a:tc>
+                  <a:txBody>
+                    <a:bodyPr/>
+                    <a:lstStyle/>
+                    <a:p>
+                      <a:pPr algn="ctr" fontAlgn="ctr"/>
+                      <a:r>
+                        <a:rPr lang="en-GB" sz="1200" b="0" i="0" u="none" strike="noStrike" dirty="0" smtClean="0">
+                          <a:solidFill>
+                            <a:schemeClr val="dk1"/>
+                          </a:solidFill>
+                          <a:effectLst/>
+                          <a:latin typeface="+mn-lt"/>
+                        </a:rPr>
+                        <a:t>China</a:t>
+                      </a:r>
+                      <a:endParaRPr lang="en-GB" sz="1200" b="0" i="0" u="none" strike="noStrike" dirty="0">
+                        <a:solidFill>
+                          <a:srgbClr val="000000"/>
+                        </a:solidFill>
+                        <a:effectLst/>
+                        <a:latin typeface="Arial"/>
+                      </a:endParaRPr>
+                    </a:p>
+                  </a:txBody>
+                  <a:tcPr marL="6350" marR="6350" marT="6350" marB="0" anchor="ctr">
+                    <a:solidFill>
+                      <a:schemeClr val="accent1">
+                        <a:lumMod val="40000"/>
+                        <a:lumOff val="60000"/>
+                      </a:schemeClr>
+                    </a:solidFill>
+                  </a:tcPr>
+                </a:tc>
+                <a:tc>
+                  <a:txBody>
+                    <a:bodyPr/>
+                    <a:lstStyle/>
+                    <a:p>
+                      <a:pPr algn="ctr" fontAlgn="ctr"/>
+                      <a:r>
+                        <a:rPr lang="en-GB" sz="1200" b="0" i="0" u="none" strike="noStrike" dirty="0" smtClean="0">
+                          <a:solidFill>
+                            <a:schemeClr val="dk1"/>
+                          </a:solidFill>
+                          <a:effectLst/>
+                          <a:latin typeface="+mn-lt"/>
+                        </a:rPr>
+                        <a:t>6500</a:t>
+                      </a:r>
+                      <a:endParaRPr lang="en-GB" sz="1200" b="0" i="0" u="none" strike="noStrike" dirty="0">
+                        <a:solidFill>
+                          <a:srgbClr val="000000"/>
+                        </a:solidFill>
+                        <a:effectLst/>
+                        <a:latin typeface="Arial"/>
+                      </a:endParaRPr>
+                    </a:p>
+                  </a:txBody>
+                  <a:tcPr marL="6350" marR="6350" marT="6350" marB="0" anchor="ctr">
+                    <a:solidFill>
+                      <a:schemeClr val="accent1">
+                        <a:lumMod val="40000"/>
+                        <a:lumOff val="60000"/>
+                      </a:schemeClr>
+                    </a:solidFill>
+                  </a:tcPr>
+                </a:tc>
+                <a:tc>
+                  <a:txBody>
+                    <a:bodyPr/>
+                    <a:lstStyle/>
+                    <a:p>
+                      <a:pPr algn="ctr" fontAlgn="ctr"/>
+                      <a:r>
+                        <a:rPr lang="en-GB" sz="1200" b="0" i="0" u="none" strike="noStrike" dirty="0" smtClean="0">
+                          <a:solidFill>
+                            <a:schemeClr val="dk1"/>
+                          </a:solidFill>
+                          <a:effectLst/>
+                          <a:latin typeface="+mn-lt"/>
+                        </a:rPr>
+                        <a:t>15</a:t>
+                      </a:r>
+                      <a:endParaRPr lang="en-GB" sz="1200" b="0" i="0" u="none" strike="noStrike" dirty="0">
+                        <a:solidFill>
+                          <a:srgbClr val="000000"/>
+                        </a:solidFill>
+                        <a:effectLst/>
+                        <a:latin typeface="Arial"/>
+                      </a:endParaRPr>
+                    </a:p>
+                  </a:txBody>
+                  <a:tcPr marL="6350" marR="6350" marT="6350" marB="0" anchor="ctr">
+                    <a:solidFill>
+                      <a:schemeClr val="accent1">
+                        <a:lumMod val="40000"/>
+                        <a:lumOff val="60000"/>
+                      </a:schemeClr>
+                    </a:solidFill>
+                  </a:tcPr>
+                </a:tc>
+              </a:tr>
+              <a:tr h="250092">
+                <a:tc>
+                  <a:txBody>
+                    <a:bodyPr/>
+                    <a:lstStyle/>
+                    <a:p>
+                      <a:pPr algn="ctr" fontAlgn="ctr"/>
+                      <a:r>
+                        <a:rPr lang="en-GB" sz="1200" u="none" strike="noStrike" dirty="0" err="1">
+                          <a:effectLst/>
+                        </a:rPr>
+                        <a:t>Kounotori</a:t>
+                      </a:r>
+                      <a:endParaRPr lang="en-GB" sz="1200" b="0" i="0" u="none" strike="noStrike" dirty="0">
+                        <a:solidFill>
+                          <a:srgbClr val="000000"/>
+                        </a:solidFill>
+                        <a:effectLst/>
+                        <a:latin typeface="Arial"/>
+                      </a:endParaRPr>
+                    </a:p>
+                  </a:txBody>
+                  <a:tcPr marL="6350" marR="6350" marT="6350" marB="0" anchor="ctr">
+                    <a:solidFill>
+                      <a:schemeClr val="accent1">
+                        <a:lumMod val="40000"/>
+                        <a:lumOff val="60000"/>
+                      </a:schemeClr>
+                    </a:solidFill>
+                  </a:tcPr>
+                </a:tc>
+                <a:tc>
+                  <a:txBody>
+                    <a:bodyPr/>
+                    <a:lstStyle/>
+                    <a:p>
+                      <a:pPr algn="ctr" fontAlgn="ctr"/>
+                      <a:r>
+                        <a:rPr lang="en-GB" sz="1200" b="0" i="0" u="none" strike="noStrike" dirty="0" smtClean="0">
+                          <a:solidFill>
+                            <a:schemeClr val="dk1"/>
+                          </a:solidFill>
+                          <a:effectLst/>
+                          <a:latin typeface="+mn-lt"/>
+                        </a:rPr>
+                        <a:t>USA</a:t>
+                      </a:r>
+                      <a:endParaRPr lang="en-GB" sz="1200" b="0" i="0" u="none" strike="noStrike" dirty="0">
+                        <a:solidFill>
+                          <a:srgbClr val="000000"/>
+                        </a:solidFill>
+                        <a:effectLst/>
+                        <a:latin typeface="Arial"/>
+                      </a:endParaRPr>
+                    </a:p>
+                  </a:txBody>
+                  <a:tcPr marL="6350" marR="6350" marT="6350" marB="0" anchor="ctr">
+                    <a:solidFill>
+                      <a:schemeClr val="accent1">
+                        <a:lumMod val="40000"/>
+                        <a:lumOff val="60000"/>
+                      </a:schemeClr>
+                    </a:solidFill>
+                  </a:tcPr>
+                </a:tc>
+                <a:tc>
+                  <a:txBody>
+                    <a:bodyPr/>
+                    <a:lstStyle/>
+                    <a:p>
+                      <a:pPr algn="ctr" fontAlgn="ctr"/>
+                      <a:r>
+                        <a:rPr lang="en-GB" sz="1200" b="0" i="0" u="none" strike="noStrike" dirty="0" smtClean="0">
+                          <a:solidFill>
+                            <a:schemeClr val="dk1"/>
+                          </a:solidFill>
+                          <a:effectLst/>
+                          <a:latin typeface="+mn-lt"/>
+                        </a:rPr>
+                        <a:t>3400</a:t>
+                      </a:r>
+                      <a:endParaRPr lang="en-GB" sz="1200" b="0" i="0" u="none" strike="noStrike" dirty="0">
+                        <a:solidFill>
+                          <a:srgbClr val="000000"/>
+                        </a:solidFill>
+                        <a:effectLst/>
+                        <a:latin typeface="Arial"/>
+                      </a:endParaRPr>
+                    </a:p>
+                  </a:txBody>
+                  <a:tcPr marL="6350" marR="6350" marT="6350" marB="0" anchor="ctr">
+                    <a:solidFill>
+                      <a:schemeClr val="accent1">
+                        <a:lumMod val="40000"/>
+                        <a:lumOff val="60000"/>
+                      </a:schemeClr>
+                    </a:solidFill>
+                  </a:tcPr>
+                </a:tc>
+                <a:tc>
+                  <a:txBody>
+                    <a:bodyPr/>
+                    <a:lstStyle/>
+                    <a:p>
+                      <a:pPr algn="ctr" fontAlgn="ctr"/>
+                      <a:r>
+                        <a:rPr lang="en-GB" sz="1200" b="0" i="0" u="none" strike="noStrike" dirty="0" smtClean="0">
+                          <a:solidFill>
+                            <a:schemeClr val="dk1"/>
+                          </a:solidFill>
+                          <a:effectLst/>
+                          <a:latin typeface="+mn-lt"/>
+                        </a:rPr>
+                        <a:t>42</a:t>
+                      </a:r>
+                      <a:endParaRPr lang="en-GB" sz="1200" b="0" i="0" u="none" strike="noStrike" dirty="0">
+                        <a:solidFill>
+                          <a:srgbClr val="000000"/>
+                        </a:solidFill>
+                        <a:effectLst/>
+                        <a:latin typeface="Arial"/>
+                      </a:endParaRPr>
+                    </a:p>
+                  </a:txBody>
+                  <a:tcPr marL="6350" marR="6350" marT="6350" marB="0" anchor="ctr">
+                    <a:solidFill>
+                      <a:schemeClr val="accent1">
+                        <a:lumMod val="40000"/>
+                        <a:lumOff val="60000"/>
+                      </a:schemeClr>
+                    </a:solidFill>
+                  </a:tcPr>
+                </a:tc>
+              </a:tr>
+            </a:tbl>
+          </a:graphicData>
+        </a:graphic>
+      </p:graphicFrame>
     </p:spTree>
     <p:extLst>
       <p:ext uri="{BB962C8B-B14F-4D97-AF65-F5344CB8AC3E}">
-        <p14:creationId xmlns:p14="http://schemas.microsoft.com/office/powerpoint/2010/main" val="3679033225"/>
+        <p14:creationId xmlns:p14="http://schemas.microsoft.com/office/powerpoint/2010/main" val="2102964055"/>
       </p:ext>
     </p:extLst>
   </p:cSld>
@@ -3604,14 +4729,401 @@
   <p:timing>
     <p:tnLst>
       <p:par>
-        <p:cTn id="1" dur="indefinite" restart="never" nodeType="tmRoot"/>
+        <p:cTn xmlns:p14="http://schemas.microsoft.com/office/powerpoint/2010/main" id="1" dur="indefinite" restart="never" nodeType="tmRoot">
+          <p:childTnLst>
+            <p:seq concurrent="1" nextAc="seek">
+              <p:cTn id="2" dur="indefinite" nodeType="mainSeq">
+                <p:childTnLst>
+                  <p:par>
+                    <p:cTn id="3" fill="hold">
+                      <p:stCondLst>
+                        <p:cond delay="indefinite"/>
+                      </p:stCondLst>
+                      <p:childTnLst>
+                        <p:par>
+                          <p:cTn id="4" fill="hold">
+                            <p:stCondLst>
+                              <p:cond delay="0"/>
+                            </p:stCondLst>
+                            <p:childTnLst>
+                              <p:par>
+                                <p:cTn id="5" presetID="1" presetClass="entr" presetSubtype="0" fill="hold" nodeType="clickEffect">
+                                  <p:stCondLst>
+                                    <p:cond delay="0"/>
+                                  </p:stCondLst>
+                                  <p:childTnLst>
+                                    <p:set>
+                                      <p:cBhvr>
+                                        <p:cTn id="6" dur="1" fill="hold">
+                                          <p:stCondLst>
+                                            <p:cond delay="0"/>
+                                          </p:stCondLst>
+                                        </p:cTn>
+                                        <p:tgtEl>
+                                          <p:spTgt spid="3">
+                                            <p:txEl>
+                                              <p:pRg st="5" end="5"/>
+                                            </p:txEl>
+                                          </p:spTgt>
+                                        </p:tgtEl>
+                                        <p:attrNameLst>
+                                          <p:attrName>style.visibility</p:attrName>
+                                        </p:attrNameLst>
+                                      </p:cBhvr>
+                                      <p:to>
+                                        <p:strVal val="visible"/>
+                                      </p:to>
+                                    </p:set>
+                                  </p:childTnLst>
+                                </p:cTn>
+                              </p:par>
+                              <p:par>
+                                <p:cTn id="7" presetID="1" presetClass="entr" presetSubtype="0" fill="hold" nodeType="withEffect">
+                                  <p:stCondLst>
+                                    <p:cond delay="0"/>
+                                  </p:stCondLst>
+                                  <p:childTnLst>
+                                    <p:set>
+                                      <p:cBhvr>
+                                        <p:cTn id="8" dur="1" fill="hold">
+                                          <p:stCondLst>
+                                            <p:cond delay="0"/>
+                                          </p:stCondLst>
+                                        </p:cTn>
+                                        <p:tgtEl>
+                                          <p:spTgt spid="3">
+                                            <p:txEl>
+                                              <p:pRg st="6" end="6"/>
+                                            </p:txEl>
+                                          </p:spTgt>
+                                        </p:tgtEl>
+                                        <p:attrNameLst>
+                                          <p:attrName>style.visibility</p:attrName>
+                                        </p:attrNameLst>
+                                      </p:cBhvr>
+                                      <p:to>
+                                        <p:strVal val="visible"/>
+                                      </p:to>
+                                    </p:set>
+                                  </p:childTnLst>
+                                </p:cTn>
+                              </p:par>
+                            </p:childTnLst>
+                          </p:cTn>
+                        </p:par>
+                      </p:childTnLst>
+                    </p:cTn>
+                  </p:par>
+                  <p:par>
+                    <p:cTn id="9" fill="hold">
+                      <p:stCondLst>
+                        <p:cond delay="indefinite"/>
+                      </p:stCondLst>
+                      <p:childTnLst>
+                        <p:par>
+                          <p:cTn id="10" fill="hold">
+                            <p:stCondLst>
+                              <p:cond delay="0"/>
+                            </p:stCondLst>
+                            <p:childTnLst>
+                              <p:par>
+                                <p:cTn id="11" presetID="1" presetClass="entr" presetSubtype="0" fill="hold" nodeType="clickEffect">
+                                  <p:stCondLst>
+                                    <p:cond delay="0"/>
+                                  </p:stCondLst>
+                                  <p:childTnLst>
+                                    <p:set>
+                                      <p:cBhvr>
+                                        <p:cTn id="12" dur="1" fill="hold">
+                                          <p:stCondLst>
+                                            <p:cond delay="0"/>
+                                          </p:stCondLst>
+                                        </p:cTn>
+                                        <p:tgtEl>
+                                          <p:spTgt spid="3">
+                                            <p:txEl>
+                                              <p:pRg st="8" end="8"/>
+                                            </p:txEl>
+                                          </p:spTgt>
+                                        </p:tgtEl>
+                                        <p:attrNameLst>
+                                          <p:attrName>style.visibility</p:attrName>
+                                        </p:attrNameLst>
+                                      </p:cBhvr>
+                                      <p:to>
+                                        <p:strVal val="visible"/>
+                                      </p:to>
+                                    </p:set>
+                                  </p:childTnLst>
+                                </p:cTn>
+                              </p:par>
+                              <p:par>
+                                <p:cTn id="13" presetID="1" presetClass="entr" presetSubtype="0" fill="hold" nodeType="withEffect">
+                                  <p:stCondLst>
+                                    <p:cond delay="0"/>
+                                  </p:stCondLst>
+                                  <p:childTnLst>
+                                    <p:set>
+                                      <p:cBhvr>
+                                        <p:cTn id="14" dur="1" fill="hold">
+                                          <p:stCondLst>
+                                            <p:cond delay="0"/>
+                                          </p:stCondLst>
+                                        </p:cTn>
+                                        <p:tgtEl>
+                                          <p:spTgt spid="3">
+                                            <p:txEl>
+                                              <p:pRg st="9" end="9"/>
+                                            </p:txEl>
+                                          </p:spTgt>
+                                        </p:tgtEl>
+                                        <p:attrNameLst>
+                                          <p:attrName>style.visibility</p:attrName>
+                                        </p:attrNameLst>
+                                      </p:cBhvr>
+                                      <p:to>
+                                        <p:strVal val="visible"/>
+                                      </p:to>
+                                    </p:set>
+                                  </p:childTnLst>
+                                </p:cTn>
+                              </p:par>
+                              <p:par>
+                                <p:cTn id="15" presetID="1" presetClass="entr" presetSubtype="0" fill="hold" nodeType="withEffect">
+                                  <p:stCondLst>
+                                    <p:cond delay="0"/>
+                                  </p:stCondLst>
+                                  <p:childTnLst>
+                                    <p:set>
+                                      <p:cBhvr>
+                                        <p:cTn id="16" dur="1" fill="hold">
+                                          <p:stCondLst>
+                                            <p:cond delay="0"/>
+                                          </p:stCondLst>
+                                        </p:cTn>
+                                        <p:tgtEl>
+                                          <p:spTgt spid="3">
+                                            <p:txEl>
+                                              <p:pRg st="10" end="10"/>
+                                            </p:txEl>
+                                          </p:spTgt>
+                                        </p:tgtEl>
+                                        <p:attrNameLst>
+                                          <p:attrName>style.visibility</p:attrName>
+                                        </p:attrNameLst>
+                                      </p:cBhvr>
+                                      <p:to>
+                                        <p:strVal val="visible"/>
+                                      </p:to>
+                                    </p:set>
+                                  </p:childTnLst>
+                                </p:cTn>
+                              </p:par>
+                              <p:par>
+                                <p:cTn id="17" presetID="1" presetClass="entr" presetSubtype="0" fill="hold" nodeType="withEffect">
+                                  <p:stCondLst>
+                                    <p:cond delay="0"/>
+                                  </p:stCondLst>
+                                  <p:childTnLst>
+                                    <p:set>
+                                      <p:cBhvr>
+                                        <p:cTn id="18" dur="1" fill="hold">
+                                          <p:stCondLst>
+                                            <p:cond delay="0"/>
+                                          </p:stCondLst>
+                                        </p:cTn>
+                                        <p:tgtEl>
+                                          <p:spTgt spid="3">
+                                            <p:txEl>
+                                              <p:pRg st="11" end="11"/>
+                                            </p:txEl>
+                                          </p:spTgt>
+                                        </p:tgtEl>
+                                        <p:attrNameLst>
+                                          <p:attrName>style.visibility</p:attrName>
+                                        </p:attrNameLst>
+                                      </p:cBhvr>
+                                      <p:to>
+                                        <p:strVal val="visible"/>
+                                      </p:to>
+                                    </p:set>
+                                  </p:childTnLst>
+                                </p:cTn>
+                              </p:par>
+                            </p:childTnLst>
+                          </p:cTn>
+                        </p:par>
+                      </p:childTnLst>
+                    </p:cTn>
+                  </p:par>
+                  <p:par>
+                    <p:cTn id="19" fill="hold">
+                      <p:stCondLst>
+                        <p:cond delay="indefinite"/>
+                      </p:stCondLst>
+                      <p:childTnLst>
+                        <p:par>
+                          <p:cTn id="20" fill="hold">
+                            <p:stCondLst>
+                              <p:cond delay="0"/>
+                            </p:stCondLst>
+                            <p:childTnLst>
+                              <p:par>
+                                <p:cTn id="21" presetID="1" presetClass="entr" presetSubtype="0" fill="hold" nodeType="clickEffect">
+                                  <p:stCondLst>
+                                    <p:cond delay="0"/>
+                                  </p:stCondLst>
+                                  <p:childTnLst>
+                                    <p:set>
+                                      <p:cBhvr>
+                                        <p:cTn id="22" dur="1" fill="hold">
+                                          <p:stCondLst>
+                                            <p:cond delay="0"/>
+                                          </p:stCondLst>
+                                        </p:cTn>
+                                        <p:tgtEl>
+                                          <p:spTgt spid="3">
+                                            <p:txEl>
+                                              <p:pRg st="13" end="13"/>
+                                            </p:txEl>
+                                          </p:spTgt>
+                                        </p:tgtEl>
+                                        <p:attrNameLst>
+                                          <p:attrName>style.visibility</p:attrName>
+                                        </p:attrNameLst>
+                                      </p:cBhvr>
+                                      <p:to>
+                                        <p:strVal val="visible"/>
+                                      </p:to>
+                                    </p:set>
+                                  </p:childTnLst>
+                                </p:cTn>
+                              </p:par>
+                              <p:par>
+                                <p:cTn id="23" presetID="1" presetClass="entr" presetSubtype="0" fill="hold" nodeType="withEffect">
+                                  <p:stCondLst>
+                                    <p:cond delay="0"/>
+                                  </p:stCondLst>
+                                  <p:childTnLst>
+                                    <p:set>
+                                      <p:cBhvr>
+                                        <p:cTn id="24" dur="1" fill="hold">
+                                          <p:stCondLst>
+                                            <p:cond delay="0"/>
+                                          </p:stCondLst>
+                                        </p:cTn>
+                                        <p:tgtEl>
+                                          <p:spTgt spid="3">
+                                            <p:txEl>
+                                              <p:pRg st="14" end="14"/>
+                                            </p:txEl>
+                                          </p:spTgt>
+                                        </p:tgtEl>
+                                        <p:attrNameLst>
+                                          <p:attrName>style.visibility</p:attrName>
+                                        </p:attrNameLst>
+                                      </p:cBhvr>
+                                      <p:to>
+                                        <p:strVal val="visible"/>
+                                      </p:to>
+                                    </p:set>
+                                  </p:childTnLst>
+                                </p:cTn>
+                              </p:par>
+                              <p:par>
+                                <p:cTn id="25" presetID="1" presetClass="entr" presetSubtype="0" fill="hold" nodeType="withEffect">
+                                  <p:stCondLst>
+                                    <p:cond delay="0"/>
+                                  </p:stCondLst>
+                                  <p:childTnLst>
+                                    <p:set>
+                                      <p:cBhvr>
+                                        <p:cTn id="26" dur="1" fill="hold">
+                                          <p:stCondLst>
+                                            <p:cond delay="0"/>
+                                          </p:stCondLst>
+                                        </p:cTn>
+                                        <p:tgtEl>
+                                          <p:spTgt spid="3">
+                                            <p:txEl>
+                                              <p:pRg st="15" end="15"/>
+                                            </p:txEl>
+                                          </p:spTgt>
+                                        </p:tgtEl>
+                                        <p:attrNameLst>
+                                          <p:attrName>style.visibility</p:attrName>
+                                        </p:attrNameLst>
+                                      </p:cBhvr>
+                                      <p:to>
+                                        <p:strVal val="visible"/>
+                                      </p:to>
+                                    </p:set>
+                                  </p:childTnLst>
+                                </p:cTn>
+                              </p:par>
+                              <p:par>
+                                <p:cTn id="27" presetID="1" presetClass="entr" presetSubtype="0" fill="hold" nodeType="withEffect">
+                                  <p:stCondLst>
+                                    <p:cond delay="0"/>
+                                  </p:stCondLst>
+                                  <p:childTnLst>
+                                    <p:set>
+                                      <p:cBhvr>
+                                        <p:cTn id="28" dur="1" fill="hold">
+                                          <p:stCondLst>
+                                            <p:cond delay="0"/>
+                                          </p:stCondLst>
+                                        </p:cTn>
+                                        <p:tgtEl>
+                                          <p:spTgt spid="3">
+                                            <p:txEl>
+                                              <p:pRg st="17" end="17"/>
+                                            </p:txEl>
+                                          </p:spTgt>
+                                        </p:tgtEl>
+                                        <p:attrNameLst>
+                                          <p:attrName>style.visibility</p:attrName>
+                                        </p:attrNameLst>
+                                      </p:cBhvr>
+                                      <p:to>
+                                        <p:strVal val="visible"/>
+                                      </p:to>
+                                    </p:set>
+                                  </p:childTnLst>
+                                </p:cTn>
+                              </p:par>
+                            </p:childTnLst>
+                          </p:cTn>
+                        </p:par>
+                      </p:childTnLst>
+                    </p:cTn>
+                  </p:par>
+                </p:childTnLst>
+              </p:cTn>
+              <p:prevCondLst>
+                <p:cond evt="onPrev" delay="0">
+                  <p:tgtEl>
+                    <p:sldTgt/>
+                  </p:tgtEl>
+                </p:cond>
+              </p:prevCondLst>
+              <p:nextCondLst>
+                <p:cond evt="onNext" delay="0">
+                  <p:tgtEl>
+                    <p:sldTgt/>
+                  </p:tgtEl>
+                </p:cond>
+              </p:nextCondLst>
+            </p:seq>
+          </p:childTnLst>
+        </p:cTn>
       </p:par>
     </p:tnLst>
   </p:timing>
 </p:sld>
 </file>
 
-<file path=ppt/slides/slide10.xml><?xml version="1.0" encoding="utf-8"?>
+<file path=ppt/slides/slide2.xml><?xml version="1.0" encoding="utf-8"?>
 <p:sld xmlns:a="http://schemas.openxmlformats.org/drawingml/2006/main" xmlns:r="http://schemas.openxmlformats.org/officeDocument/2006/relationships" xmlns:p="http://schemas.openxmlformats.org/presentationml/2006/main">
   <p:cSld>
     <p:spTree>
@@ -3630,7 +5142,7 @@
       </p:grpSpPr>
       <p:sp>
         <p:nvSpPr>
-          <p:cNvPr id="2" name="Title 1"/>
+          <p:cNvPr id="2" name="Titel 1"/>
           <p:cNvSpPr>
             <a:spLocks noGrp="1"/>
           </p:cNvSpPr>
@@ -3644,20 +5156,16 @@
           <a:lstStyle/>
           <a:p>
             <a:r>
-              <a:rPr lang="en-US" b="1" dirty="0" err="1" smtClean="0"/>
-              <a:t>Onderdeel</a:t>
-            </a:r>
-            <a:r>
-              <a:rPr lang="en-US" b="1" dirty="0" smtClean="0"/>
-              <a:t> D</a:t>
-            </a:r>
-            <a:endParaRPr lang="en-US" b="1" dirty="0"/>
+              <a:rPr lang="nl-NL" b="1" dirty="0" smtClean="0"/>
+              <a:t>Resultaat D</a:t>
+            </a:r>
+            <a:endParaRPr lang="nl-NL" b="1" dirty="0"/>
           </a:p>
         </p:txBody>
       </p:sp>
       <p:sp>
         <p:nvSpPr>
-          <p:cNvPr id="3" name="Content Placeholder 2"/>
+          <p:cNvPr id="3" name="Tijdelijke aanduiding voor inhoud 2"/>
           <p:cNvSpPr>
             <a:spLocks noGrp="1"/>
           </p:cNvSpPr>
@@ -3667,260 +5175,624 @@
         </p:nvSpPr>
         <p:spPr/>
         <p:txBody>
-          <a:bodyPr>
-            <a:normAutofit/>
-          </a:bodyPr>
+          <a:bodyPr/>
           <a:lstStyle/>
           <a:p>
-            <a:pPr marL="0" indent="0">
-              <a:buNone/>
-            </a:pPr>
-            <a:r>
-              <a:rPr lang="en-US" sz="2000" dirty="0" err="1" smtClean="0"/>
-              <a:t>Nieuwe</a:t>
-            </a:r>
-            <a:r>
-              <a:rPr lang="en-US" sz="2000" dirty="0" smtClean="0"/>
-              <a:t> </a:t>
-            </a:r>
-            <a:r>
-              <a:rPr lang="en-US" sz="2000" dirty="0" err="1" smtClean="0"/>
-              <a:t>situatie</a:t>
-            </a:r>
-            <a:r>
-              <a:rPr lang="en-US" sz="2000" dirty="0" smtClean="0"/>
-              <a:t>:</a:t>
-            </a:r>
-          </a:p>
-          <a:p>
-            <a:pPr marL="0" indent="0">
-              <a:buNone/>
-            </a:pPr>
-            <a:r>
-              <a:rPr lang="en-US" sz="1600" dirty="0" smtClean="0"/>
-              <a:t>- 4 </a:t>
-            </a:r>
-            <a:r>
-              <a:rPr lang="en-US" sz="1600" dirty="0" err="1" smtClean="0"/>
-              <a:t>naar</a:t>
-            </a:r>
-            <a:r>
-              <a:rPr lang="en-US" sz="1600" dirty="0" smtClean="0"/>
-              <a:t> 6 </a:t>
-            </a:r>
-            <a:r>
-              <a:rPr lang="en-US" sz="1600" dirty="0" err="1" smtClean="0"/>
-              <a:t>schepen</a:t>
-            </a:r>
-            <a:endParaRPr lang="en-US" sz="1600" dirty="0" smtClean="0"/>
-          </a:p>
-          <a:p>
-            <a:pPr marL="0" indent="0">
-              <a:buNone/>
-            </a:pPr>
-            <a:r>
-              <a:rPr lang="en-US" sz="1600" dirty="0" smtClean="0"/>
-              <a:t>- </a:t>
-            </a:r>
-            <a:r>
-              <a:rPr lang="en-US" sz="1600" dirty="0" err="1" smtClean="0"/>
-              <a:t>Transportvloot</a:t>
-            </a:r>
-            <a:r>
-              <a:rPr lang="en-US" sz="1600" dirty="0" smtClean="0"/>
-              <a:t> </a:t>
-            </a:r>
-            <a:r>
-              <a:rPr lang="en-US" sz="1600" dirty="0" err="1" smtClean="0"/>
-              <a:t>samenstellen</a:t>
-            </a:r>
-            <a:endParaRPr lang="en-US" sz="1600" dirty="0"/>
-          </a:p>
-          <a:p>
-            <a:pPr marL="0" indent="0">
-              <a:buNone/>
-            </a:pPr>
-            <a:r>
-              <a:rPr lang="en-US" sz="1600" dirty="0" smtClean="0"/>
-              <a:t>- Extra </a:t>
-            </a:r>
-            <a:r>
-              <a:rPr lang="en-US" sz="1600" dirty="0" err="1" smtClean="0"/>
-              <a:t>restrictie</a:t>
-            </a:r>
-            <a:r>
-              <a:rPr lang="en-US" sz="1600" dirty="0" smtClean="0"/>
-              <a:t> (</a:t>
-            </a:r>
-            <a:r>
-              <a:rPr lang="en-US" sz="1600" dirty="0" err="1" smtClean="0"/>
-              <a:t>maximale</a:t>
-            </a:r>
-            <a:r>
-              <a:rPr lang="en-US" sz="1600" dirty="0" smtClean="0"/>
-              <a:t> </a:t>
-            </a:r>
-            <a:r>
-              <a:rPr lang="en-US" sz="1600" dirty="0" err="1" smtClean="0"/>
-              <a:t>verschil</a:t>
-            </a:r>
-            <a:r>
-              <a:rPr lang="en-US" sz="1600" dirty="0" smtClean="0"/>
-              <a:t> is 1)</a:t>
-            </a:r>
-          </a:p>
-          <a:p>
-            <a:endParaRPr lang="en-US" sz="2000" dirty="0" smtClean="0"/>
-          </a:p>
-          <a:p>
-            <a:pPr marL="0" indent="0">
-              <a:buNone/>
-            </a:pPr>
-            <a:r>
-              <a:rPr lang="en-US" sz="2000" dirty="0" err="1" smtClean="0"/>
-              <a:t>Scorenfunctie</a:t>
-            </a:r>
-            <a:r>
-              <a:rPr lang="en-US" sz="2000" dirty="0" smtClean="0"/>
-              <a:t>:</a:t>
-            </a:r>
-          </a:p>
-          <a:p>
-            <a:pPr marL="0" indent="0">
-              <a:buNone/>
-            </a:pPr>
-            <a:r>
-              <a:rPr lang="en-US" sz="1600" dirty="0" smtClean="0"/>
-              <a:t>- </a:t>
-            </a:r>
-            <a:r>
-              <a:rPr lang="en-US" sz="1600" dirty="0" err="1" smtClean="0"/>
-              <a:t>O</a:t>
-            </a:r>
-            <a:r>
-              <a:rPr lang="en-US" sz="1600" dirty="0" err="1" smtClean="0"/>
-              <a:t>vergebleven</a:t>
-            </a:r>
-            <a:r>
-              <a:rPr lang="en-US" sz="1600" dirty="0" smtClean="0"/>
-              <a:t> </a:t>
-            </a:r>
-            <a:r>
-              <a:rPr lang="en-US" sz="1600" dirty="0" err="1" smtClean="0"/>
-              <a:t>ruimte</a:t>
-            </a:r>
-            <a:endParaRPr lang="en-US" sz="1600" dirty="0" smtClean="0"/>
-          </a:p>
-          <a:p>
-            <a:pPr marL="0" indent="0">
-              <a:buNone/>
-            </a:pPr>
-            <a:r>
-              <a:rPr lang="en-US" sz="1600" dirty="0" smtClean="0"/>
-              <a:t>- </a:t>
-            </a:r>
-            <a:r>
-              <a:rPr lang="en-US" sz="1600" dirty="0" err="1" smtClean="0"/>
-              <a:t>Overgebleven</a:t>
-            </a:r>
-            <a:r>
-              <a:rPr lang="en-US" sz="1600" dirty="0" smtClean="0"/>
-              <a:t> </a:t>
-            </a:r>
-            <a:r>
-              <a:rPr lang="en-US" sz="1600" dirty="0" err="1" smtClean="0"/>
-              <a:t>aantal</a:t>
-            </a:r>
-            <a:r>
-              <a:rPr lang="en-US" sz="1600" dirty="0" smtClean="0"/>
-              <a:t> kg</a:t>
-            </a:r>
-            <a:endParaRPr lang="en-US" sz="1600" dirty="0"/>
-          </a:p>
-          <a:p>
-            <a:pPr marL="0" indent="0">
-              <a:buNone/>
-            </a:pPr>
-            <a:endParaRPr lang="en-US" sz="2000" dirty="0" smtClean="0"/>
-          </a:p>
-          <a:p>
-            <a:pPr marL="0" indent="0">
-              <a:buNone/>
-            </a:pPr>
-            <a:r>
-              <a:rPr lang="en-US" sz="2000" dirty="0" err="1" smtClean="0"/>
-              <a:t>Algoritme</a:t>
-            </a:r>
-            <a:r>
-              <a:rPr lang="en-US" sz="2000" dirty="0" smtClean="0"/>
-              <a:t>:</a:t>
-            </a:r>
-          </a:p>
-          <a:p>
-            <a:pPr marL="0" indent="0">
-              <a:buNone/>
-            </a:pPr>
-            <a:r>
-              <a:rPr lang="en-US" sz="1600" dirty="0" smtClean="0"/>
-              <a:t>- Greedy</a:t>
-            </a:r>
-          </a:p>
-          <a:p>
-            <a:pPr>
-              <a:buFontTx/>
-              <a:buChar char="-"/>
-            </a:pPr>
-            <a:endParaRPr lang="en-US" sz="2000" dirty="0"/>
-          </a:p>
-          <a:p>
-            <a:pPr marL="0" indent="0">
-              <a:buNone/>
-            </a:pPr>
-            <a:r>
-              <a:rPr lang="en-US" sz="2000" dirty="0" err="1" smtClean="0"/>
-              <a:t>Vervolg</a:t>
-            </a:r>
-            <a:r>
-              <a:rPr lang="en-US" sz="2000" dirty="0" smtClean="0"/>
-              <a:t>?</a:t>
-            </a:r>
+            <a:r>
+              <a:rPr lang="nl-NL" dirty="0" smtClean="0"/>
+              <a:t>Dragon</a:t>
+            </a:r>
+          </a:p>
+          <a:p>
+            <a:endParaRPr lang="nl-NL" dirty="0"/>
+          </a:p>
+          <a:p>
+            <a:endParaRPr lang="nl-NL" dirty="0" smtClean="0"/>
+          </a:p>
+          <a:p>
+            <a:endParaRPr lang="nl-NL" dirty="0"/>
+          </a:p>
+          <a:p>
+            <a:r>
+              <a:rPr lang="nl-NL" dirty="0" err="1" smtClean="0"/>
+              <a:t>Cygnus</a:t>
+            </a:r>
+            <a:endParaRPr lang="nl-NL" dirty="0"/>
           </a:p>
         </p:txBody>
       </p:sp>
-      <p:pic>
-        <p:nvPicPr>
-          <p:cNvPr id="4" name="Afbeelding 3" descr="1341624161875170703.png"/>
-          <p:cNvPicPr>
-            <a:picLocks noChangeAspect="1"/>
-          </p:cNvPicPr>
-          <p:nvPr/>
-        </p:nvPicPr>
-        <p:blipFill>
-          <a:blip r:embed="rId2">
-            <a:extLst>
-              <a:ext uri="{28A0092B-C50C-407E-A947-70E740481C1C}">
-                <a14:useLocalDpi xmlns:a14="http://schemas.microsoft.com/office/drawing/2010/main" val="0"/>
-              </a:ext>
-            </a:extLst>
-          </a:blip>
-          <a:stretch>
-            <a:fillRect/>
-          </a:stretch>
-        </p:blipFill>
-        <p:spPr>
-          <a:xfrm>
-            <a:off x="3131840" y="3429000"/>
-            <a:ext cx="5818853" cy="2726444"/>
-          </a:xfrm>
-          <a:prstGeom prst="rect">
-            <a:avLst/>
-          </a:prstGeom>
-        </p:spPr>
-      </p:pic>
+      <p:graphicFrame>
+        <p:nvGraphicFramePr>
+          <p:cNvPr id="7" name="Tabel 6"/>
+          <p:cNvGraphicFramePr>
+            <a:graphicFrameLocks noGrp="1"/>
+          </p:cNvGraphicFramePr>
+          <p:nvPr>
+            <p:extLst>
+              <p:ext uri="{D42A27DB-BD31-4B8C-83A1-F6EECF244321}">
+                <p14:modId xmlns:p14="http://schemas.microsoft.com/office/powerpoint/2010/main" val="1749667019"/>
+              </p:ext>
+            </p:extLst>
+          </p:nvPr>
+        </p:nvGraphicFramePr>
+        <p:xfrm>
+          <a:off x="1187624" y="2204864"/>
+          <a:ext cx="6408712" cy="1483588"/>
+        </p:xfrm>
+        <a:graphic>
+          <a:graphicData uri="http://schemas.openxmlformats.org/drawingml/2006/table">
+            <a:tbl>
+              <a:tblPr>
+                <a:tableStyleId>{5C22544A-7EE6-4342-B048-85BDC9FD1C3A}</a:tableStyleId>
+              </a:tblPr>
+              <a:tblGrid>
+                <a:gridCol w="3204356"/>
+                <a:gridCol w="3204356"/>
+              </a:tblGrid>
+              <a:tr h="660739">
+                <a:tc gridSpan="2">
+                  <a:txBody>
+                    <a:bodyPr/>
+                    <a:lstStyle/>
+                    <a:p>
+                      <a:pPr algn="ctr" fontAlgn="ctr"/>
+                      <a:r>
+                        <a:rPr lang="en-GB" sz="1200" b="1" i="0" u="none" strike="noStrike" dirty="0" err="1" smtClean="0">
+                          <a:solidFill>
+                            <a:srgbClr val="000000"/>
+                          </a:solidFill>
+                          <a:effectLst/>
+                          <a:latin typeface="Arial"/>
+                        </a:rPr>
+                        <a:t>Configuratie</a:t>
+                      </a:r>
+                      <a:r>
+                        <a:rPr lang="en-GB" sz="1200" b="1" i="0" u="none" strike="noStrike" dirty="0" smtClean="0">
+                          <a:solidFill>
+                            <a:srgbClr val="000000"/>
+                          </a:solidFill>
+                          <a:effectLst/>
+                          <a:latin typeface="Arial"/>
+                        </a:rPr>
+                        <a:t>:</a:t>
+                      </a:r>
+                      <a:r>
+                        <a:rPr lang="en-GB" sz="1200" b="1" i="0" u="none" strike="noStrike" baseline="0" dirty="0" smtClean="0">
+                          <a:solidFill>
+                            <a:srgbClr val="000000"/>
+                          </a:solidFill>
+                          <a:effectLst/>
+                          <a:latin typeface="Arial"/>
+                        </a:rPr>
+                        <a:t> Cargo=m3, Spacecraft=m3, </a:t>
+                      </a:r>
+                      <a:r>
+                        <a:rPr lang="en-GB" sz="1200" b="1" i="0" u="none" strike="noStrike" baseline="0" dirty="0" err="1" smtClean="0">
+                          <a:solidFill>
+                            <a:srgbClr val="000000"/>
+                          </a:solidFill>
+                          <a:effectLst/>
+                          <a:latin typeface="Arial"/>
+                        </a:rPr>
+                        <a:t>Algoritme</a:t>
+                      </a:r>
+                      <a:r>
+                        <a:rPr lang="en-GB" sz="1200" b="1" i="0" u="none" strike="noStrike" baseline="0" dirty="0" smtClean="0">
+                          <a:solidFill>
+                            <a:srgbClr val="000000"/>
+                          </a:solidFill>
+                          <a:effectLst/>
+                          <a:latin typeface="Arial"/>
+                        </a:rPr>
+                        <a:t>=greedy-</a:t>
+                      </a:r>
+                      <a:r>
+                        <a:rPr lang="en-GB" sz="1200" b="1" i="0" u="none" strike="noStrike" baseline="0" dirty="0" err="1" smtClean="0">
+                          <a:solidFill>
+                            <a:srgbClr val="000000"/>
+                          </a:solidFill>
+                          <a:effectLst/>
+                          <a:latin typeface="Arial"/>
+                        </a:rPr>
+                        <a:t>Hillclimbing</a:t>
+                      </a:r>
+                      <a:r>
+                        <a:rPr lang="en-GB" sz="1200" b="1" i="0" u="none" strike="noStrike" baseline="0" dirty="0" smtClean="0">
+                          <a:solidFill>
+                            <a:srgbClr val="000000"/>
+                          </a:solidFill>
+                          <a:effectLst/>
+                          <a:latin typeface="Arial"/>
+                        </a:rPr>
+                        <a:t>, leftover=4</a:t>
+                      </a:r>
+                      <a:endParaRPr lang="en-GB" sz="1200" b="1" i="0" u="none" strike="noStrike" dirty="0">
+                        <a:solidFill>
+                          <a:srgbClr val="000000"/>
+                        </a:solidFill>
+                        <a:effectLst/>
+                        <a:latin typeface="Arial"/>
+                      </a:endParaRPr>
+                    </a:p>
+                  </a:txBody>
+                  <a:tcPr marL="6350" marR="6350" marT="6350" marB="0" anchor="ctr">
+                    <a:solidFill>
+                      <a:schemeClr val="accent1">
+                        <a:lumMod val="60000"/>
+                        <a:lumOff val="40000"/>
+                      </a:schemeClr>
+                    </a:solidFill>
+                  </a:tcPr>
+                </a:tc>
+                <a:tc hMerge="1">
+                  <a:txBody>
+                    <a:bodyPr/>
+                    <a:lstStyle/>
+                    <a:p>
+                      <a:pPr algn="ctr" fontAlgn="ctr"/>
+                      <a:endParaRPr lang="en-GB" sz="1200" b="1" i="0" u="none" strike="noStrike" dirty="0">
+                        <a:solidFill>
+                          <a:srgbClr val="000000"/>
+                        </a:solidFill>
+                        <a:effectLst/>
+                        <a:latin typeface="Arial"/>
+                      </a:endParaRPr>
+                    </a:p>
+                  </a:txBody>
+                  <a:tcPr marL="6350" marR="6350" marT="6350" marB="0" anchor="ctr">
+                    <a:solidFill>
+                      <a:schemeClr val="accent1">
+                        <a:lumMod val="60000"/>
+                        <a:lumOff val="40000"/>
+                      </a:schemeClr>
+                    </a:solidFill>
+                  </a:tcPr>
+                </a:tc>
+              </a:tr>
+              <a:tr h="378772">
+                <a:tc>
+                  <a:txBody>
+                    <a:bodyPr/>
+                    <a:lstStyle/>
+                    <a:p>
+                      <a:pPr algn="ctr" fontAlgn="ctr"/>
+                      <a:r>
+                        <a:rPr lang="en-GB" sz="1200" u="none" strike="noStrike" dirty="0" smtClean="0">
+                          <a:effectLst/>
+                        </a:rPr>
+                        <a:t>Percentage kg:</a:t>
+                      </a:r>
+                      <a:endParaRPr lang="en-GB" sz="1200" b="0" i="0" u="none" strike="noStrike" dirty="0">
+                        <a:solidFill>
+                          <a:srgbClr val="000000"/>
+                        </a:solidFill>
+                        <a:effectLst/>
+                        <a:latin typeface="Arial"/>
+                      </a:endParaRPr>
+                    </a:p>
+                  </a:txBody>
+                  <a:tcPr marL="6350" marR="6350" marT="6350" marB="0" anchor="ctr">
+                    <a:solidFill>
+                      <a:schemeClr val="accent1">
+                        <a:lumMod val="40000"/>
+                        <a:lumOff val="60000"/>
+                      </a:schemeClr>
+                    </a:solidFill>
+                  </a:tcPr>
+                </a:tc>
+                <a:tc>
+                  <a:txBody>
+                    <a:bodyPr/>
+                    <a:lstStyle/>
+                    <a:p>
+                      <a:pPr algn="ctr" fontAlgn="ctr"/>
+                      <a:r>
+                        <a:rPr lang="en-GB" sz="1200" b="0" i="0" u="none" strike="noStrike" dirty="0" smtClean="0">
+                          <a:solidFill>
+                            <a:srgbClr val="000000"/>
+                          </a:solidFill>
+                          <a:effectLst/>
+                          <a:latin typeface="Arial"/>
+                        </a:rPr>
+                        <a:t>0.799757798165 %</a:t>
+                      </a:r>
+                      <a:endParaRPr lang="en-GB" sz="1200" b="0" i="0" u="none" strike="noStrike" dirty="0">
+                        <a:solidFill>
+                          <a:srgbClr val="000000"/>
+                        </a:solidFill>
+                        <a:effectLst/>
+                        <a:latin typeface="Arial"/>
+                      </a:endParaRPr>
+                    </a:p>
+                  </a:txBody>
+                  <a:tcPr marL="6350" marR="6350" marT="6350" marB="0" anchor="ctr">
+                    <a:solidFill>
+                      <a:schemeClr val="accent1">
+                        <a:lumMod val="40000"/>
+                        <a:lumOff val="60000"/>
+                      </a:schemeClr>
+                    </a:solidFill>
+                  </a:tcPr>
+                </a:tc>
+              </a:tr>
+              <a:tr h="444077">
+                <a:tc>
+                  <a:txBody>
+                    <a:bodyPr/>
+                    <a:lstStyle/>
+                    <a:p>
+                      <a:pPr algn="ctr" fontAlgn="ctr"/>
+                      <a:r>
+                        <a:rPr lang="en-GB" sz="1200" u="none" strike="noStrike" dirty="0" smtClean="0">
+                          <a:effectLst/>
+                        </a:rPr>
+                        <a:t>Percentage</a:t>
+                      </a:r>
+                      <a:r>
+                        <a:rPr lang="en-GB" sz="1200" u="none" strike="noStrike" baseline="0" dirty="0" smtClean="0">
+                          <a:effectLst/>
+                        </a:rPr>
+                        <a:t> </a:t>
+                      </a:r>
+                      <a:r>
+                        <a:rPr lang="en-GB" sz="1200" u="none" strike="noStrike" baseline="0" dirty="0" err="1" smtClean="0">
+                          <a:effectLst/>
+                        </a:rPr>
+                        <a:t>kubieke</a:t>
+                      </a:r>
+                      <a:r>
+                        <a:rPr lang="en-GB" sz="1200" u="none" strike="noStrike" baseline="0" dirty="0" smtClean="0">
+                          <a:effectLst/>
+                        </a:rPr>
+                        <a:t> meter:</a:t>
+                      </a:r>
+                      <a:endParaRPr lang="en-GB" sz="1200" u="none" strike="noStrike" dirty="0" smtClean="0">
+                        <a:effectLst/>
+                      </a:endParaRPr>
+                    </a:p>
+                  </a:txBody>
+                  <a:tcPr marL="6350" marR="6350" marT="6350" marB="0" anchor="ctr">
+                    <a:solidFill>
+                      <a:schemeClr val="accent1">
+                        <a:lumMod val="40000"/>
+                        <a:lumOff val="60000"/>
+                      </a:schemeClr>
+                    </a:solidFill>
+                  </a:tcPr>
+                </a:tc>
+                <a:tc>
+                  <a:txBody>
+                    <a:bodyPr/>
+                    <a:lstStyle/>
+                    <a:p>
+                      <a:pPr algn="ctr" fontAlgn="ctr"/>
+                      <a:r>
+                        <a:rPr lang="en-GB" sz="1200" u="none" strike="noStrike" dirty="0" smtClean="0">
+                          <a:effectLst/>
+                        </a:rPr>
+                        <a:t>0.87030559734 %</a:t>
+                      </a:r>
+                      <a:endParaRPr lang="en-GB" sz="1200" b="0" i="0" u="none" strike="noStrike" dirty="0">
+                        <a:solidFill>
+                          <a:srgbClr val="000000"/>
+                        </a:solidFill>
+                        <a:effectLst/>
+                        <a:latin typeface="Arial"/>
+                      </a:endParaRPr>
+                    </a:p>
+                  </a:txBody>
+                  <a:tcPr marL="6350" marR="6350" marT="6350" marB="0" anchor="ctr">
+                    <a:solidFill>
+                      <a:schemeClr val="accent1">
+                        <a:lumMod val="40000"/>
+                        <a:lumOff val="60000"/>
+                      </a:schemeClr>
+                    </a:solidFill>
+                  </a:tcPr>
+                </a:tc>
+              </a:tr>
+            </a:tbl>
+          </a:graphicData>
+        </a:graphic>
+      </p:graphicFrame>
+      <p:graphicFrame>
+        <p:nvGraphicFramePr>
+          <p:cNvPr id="8" name="Tabel 7"/>
+          <p:cNvGraphicFramePr>
+            <a:graphicFrameLocks noGrp="1"/>
+          </p:cNvGraphicFramePr>
+          <p:nvPr>
+            <p:extLst>
+              <p:ext uri="{D42A27DB-BD31-4B8C-83A1-F6EECF244321}">
+                <p14:modId xmlns:p14="http://schemas.microsoft.com/office/powerpoint/2010/main" val="1332310890"/>
+              </p:ext>
+            </p:extLst>
+          </p:nvPr>
+        </p:nvGraphicFramePr>
+        <p:xfrm>
+          <a:off x="1187624" y="4653136"/>
+          <a:ext cx="6408712" cy="1483588"/>
+        </p:xfrm>
+        <a:graphic>
+          <a:graphicData uri="http://schemas.openxmlformats.org/drawingml/2006/table">
+            <a:tbl>
+              <a:tblPr>
+                <a:tableStyleId>{5C22544A-7EE6-4342-B048-85BDC9FD1C3A}</a:tableStyleId>
+              </a:tblPr>
+              <a:tblGrid>
+                <a:gridCol w="3204356"/>
+                <a:gridCol w="3204356"/>
+              </a:tblGrid>
+              <a:tr h="660739">
+                <a:tc gridSpan="2">
+                  <a:txBody>
+                    <a:bodyPr/>
+                    <a:lstStyle/>
+                    <a:p>
+                      <a:pPr algn="ctr" fontAlgn="ctr"/>
+                      <a:r>
+                        <a:rPr lang="en-GB" sz="1200" b="1" i="0" u="none" strike="noStrike" dirty="0" err="1" smtClean="0">
+                          <a:solidFill>
+                            <a:srgbClr val="000000"/>
+                          </a:solidFill>
+                          <a:effectLst/>
+                          <a:latin typeface="Arial"/>
+                        </a:rPr>
+                        <a:t>Configuratie</a:t>
+                      </a:r>
+                      <a:r>
+                        <a:rPr lang="en-GB" sz="1200" b="1" i="0" u="none" strike="noStrike" dirty="0" smtClean="0">
+                          <a:solidFill>
+                            <a:srgbClr val="000000"/>
+                          </a:solidFill>
+                          <a:effectLst/>
+                          <a:latin typeface="Arial"/>
+                        </a:rPr>
+                        <a:t>:</a:t>
+                      </a:r>
+                      <a:r>
+                        <a:rPr lang="en-GB" sz="1200" b="1" i="0" u="none" strike="noStrike" baseline="0" dirty="0" smtClean="0">
+                          <a:solidFill>
+                            <a:srgbClr val="000000"/>
+                          </a:solidFill>
+                          <a:effectLst/>
+                          <a:latin typeface="Arial"/>
+                        </a:rPr>
+                        <a:t> Cargo=kg, Spacecraft=m3, </a:t>
+                      </a:r>
+                      <a:r>
+                        <a:rPr lang="en-GB" sz="1200" b="1" i="0" u="none" strike="noStrike" baseline="0" dirty="0" err="1" smtClean="0">
+                          <a:solidFill>
+                            <a:srgbClr val="000000"/>
+                          </a:solidFill>
+                          <a:effectLst/>
+                          <a:latin typeface="Arial"/>
+                        </a:rPr>
+                        <a:t>Algoritme</a:t>
+                      </a:r>
+                      <a:r>
+                        <a:rPr lang="en-GB" sz="1200" b="1" i="0" u="none" strike="noStrike" baseline="0" dirty="0" smtClean="0">
+                          <a:solidFill>
+                            <a:srgbClr val="000000"/>
+                          </a:solidFill>
+                          <a:effectLst/>
+                          <a:latin typeface="Arial"/>
+                        </a:rPr>
+                        <a:t>=greedy-</a:t>
+                      </a:r>
+                      <a:r>
+                        <a:rPr lang="en-GB" sz="1200" b="1" i="0" u="none" strike="noStrike" baseline="0" dirty="0" err="1" smtClean="0">
+                          <a:solidFill>
+                            <a:srgbClr val="000000"/>
+                          </a:solidFill>
+                          <a:effectLst/>
+                          <a:latin typeface="Arial"/>
+                        </a:rPr>
+                        <a:t>Hillclimbing</a:t>
+                      </a:r>
+                      <a:r>
+                        <a:rPr lang="en-GB" sz="1200" b="1" i="0" u="none" strike="noStrike" baseline="0" dirty="0" smtClean="0">
+                          <a:solidFill>
+                            <a:srgbClr val="000000"/>
+                          </a:solidFill>
+                          <a:effectLst/>
+                          <a:latin typeface="Arial"/>
+                        </a:rPr>
+                        <a:t>/annealing, leftover=4/5</a:t>
+                      </a:r>
+                      <a:endParaRPr lang="en-GB" sz="1200" b="1" i="0" u="none" strike="noStrike" dirty="0">
+                        <a:solidFill>
+                          <a:srgbClr val="000000"/>
+                        </a:solidFill>
+                        <a:effectLst/>
+                        <a:latin typeface="Arial"/>
+                      </a:endParaRPr>
+                    </a:p>
+                  </a:txBody>
+                  <a:tcPr marL="6350" marR="6350" marT="6350" marB="0" anchor="ctr">
+                    <a:solidFill>
+                      <a:schemeClr val="accent1">
+                        <a:lumMod val="60000"/>
+                        <a:lumOff val="40000"/>
+                      </a:schemeClr>
+                    </a:solidFill>
+                  </a:tcPr>
+                </a:tc>
+                <a:tc hMerge="1">
+                  <a:txBody>
+                    <a:bodyPr/>
+                    <a:lstStyle/>
+                    <a:p>
+                      <a:pPr algn="ctr" fontAlgn="ctr"/>
+                      <a:endParaRPr lang="en-GB" sz="1200" b="1" i="0" u="none" strike="noStrike" dirty="0">
+                        <a:solidFill>
+                          <a:srgbClr val="000000"/>
+                        </a:solidFill>
+                        <a:effectLst/>
+                        <a:latin typeface="Arial"/>
+                      </a:endParaRPr>
+                    </a:p>
+                  </a:txBody>
+                  <a:tcPr marL="6350" marR="6350" marT="6350" marB="0" anchor="ctr">
+                    <a:solidFill>
+                      <a:schemeClr val="accent1">
+                        <a:lumMod val="60000"/>
+                        <a:lumOff val="40000"/>
+                      </a:schemeClr>
+                    </a:solidFill>
+                  </a:tcPr>
+                </a:tc>
+              </a:tr>
+              <a:tr h="378772">
+                <a:tc>
+                  <a:txBody>
+                    <a:bodyPr/>
+                    <a:lstStyle/>
+                    <a:p>
+                      <a:pPr algn="ctr" fontAlgn="ctr"/>
+                      <a:r>
+                        <a:rPr lang="en-GB" sz="1200" u="none" strike="noStrike" dirty="0" smtClean="0">
+                          <a:effectLst/>
+                        </a:rPr>
+                        <a:t>Percentage kg:</a:t>
+                      </a:r>
+                      <a:endParaRPr lang="en-GB" sz="1200" b="0" i="0" u="none" strike="noStrike" dirty="0">
+                        <a:solidFill>
+                          <a:srgbClr val="000000"/>
+                        </a:solidFill>
+                        <a:effectLst/>
+                        <a:latin typeface="Arial"/>
+                      </a:endParaRPr>
+                    </a:p>
+                  </a:txBody>
+                  <a:tcPr marL="6350" marR="6350" marT="6350" marB="0" anchor="ctr">
+                    <a:solidFill>
+                      <a:schemeClr val="accent1">
+                        <a:lumMod val="40000"/>
+                        <a:lumOff val="60000"/>
+                      </a:schemeClr>
+                    </a:solidFill>
+                  </a:tcPr>
+                </a:tc>
+                <a:tc>
+                  <a:txBody>
+                    <a:bodyPr/>
+                    <a:lstStyle/>
+                    <a:p>
+                      <a:pPr algn="ctr" fontAlgn="ctr"/>
+                      <a:r>
+                        <a:rPr lang="en-GB" sz="1200" b="0" i="0" u="none" strike="noStrike" dirty="0" smtClean="0">
+                          <a:solidFill>
+                            <a:srgbClr val="000000"/>
+                          </a:solidFill>
+                          <a:effectLst/>
+                          <a:latin typeface="Arial"/>
+                        </a:rPr>
+                        <a:t>0.735269905533 %</a:t>
+                      </a:r>
+                      <a:endParaRPr lang="en-GB" sz="1200" b="0" i="0" u="none" strike="noStrike" dirty="0">
+                        <a:solidFill>
+                          <a:srgbClr val="000000"/>
+                        </a:solidFill>
+                        <a:effectLst/>
+                        <a:latin typeface="Arial"/>
+                      </a:endParaRPr>
+                    </a:p>
+                  </a:txBody>
+                  <a:tcPr marL="6350" marR="6350" marT="6350" marB="0" anchor="ctr">
+                    <a:solidFill>
+                      <a:schemeClr val="accent1">
+                        <a:lumMod val="40000"/>
+                        <a:lumOff val="60000"/>
+                      </a:schemeClr>
+                    </a:solidFill>
+                  </a:tcPr>
+                </a:tc>
+              </a:tr>
+              <a:tr h="444077">
+                <a:tc>
+                  <a:txBody>
+                    <a:bodyPr/>
+                    <a:lstStyle/>
+                    <a:p>
+                      <a:pPr algn="ctr" fontAlgn="ctr"/>
+                      <a:r>
+                        <a:rPr lang="en-GB" sz="1200" u="none" strike="noStrike" dirty="0" smtClean="0">
+                          <a:effectLst/>
+                        </a:rPr>
+                        <a:t>Percentage</a:t>
+                      </a:r>
+                      <a:r>
+                        <a:rPr lang="en-GB" sz="1200" u="none" strike="noStrike" baseline="0" dirty="0" smtClean="0">
+                          <a:effectLst/>
+                        </a:rPr>
+                        <a:t> </a:t>
+                      </a:r>
+                      <a:r>
+                        <a:rPr lang="en-GB" sz="1200" u="none" strike="noStrike" baseline="0" dirty="0" err="1" smtClean="0">
+                          <a:effectLst/>
+                        </a:rPr>
+                        <a:t>kubieke</a:t>
+                      </a:r>
+                      <a:r>
+                        <a:rPr lang="en-GB" sz="1200" u="none" strike="noStrike" baseline="0" dirty="0" smtClean="0">
+                          <a:effectLst/>
+                        </a:rPr>
+                        <a:t> meter:</a:t>
+                      </a:r>
+                      <a:endParaRPr lang="en-GB" sz="1200" u="none" strike="noStrike" dirty="0" smtClean="0">
+                        <a:effectLst/>
+                      </a:endParaRPr>
+                    </a:p>
+                  </a:txBody>
+                  <a:tcPr marL="6350" marR="6350" marT="6350" marB="0" anchor="ctr">
+                    <a:solidFill>
+                      <a:schemeClr val="accent1">
+                        <a:lumMod val="40000"/>
+                        <a:lumOff val="60000"/>
+                      </a:schemeClr>
+                    </a:solidFill>
+                  </a:tcPr>
+                </a:tc>
+                <a:tc>
+                  <a:txBody>
+                    <a:bodyPr/>
+                    <a:lstStyle/>
+                    <a:p>
+                      <a:pPr algn="ctr" fontAlgn="ctr"/>
+                      <a:r>
+                        <a:rPr lang="en-GB" sz="1200" u="none" strike="noStrike" dirty="0" smtClean="0">
+                          <a:effectLst/>
+                        </a:rPr>
+                        <a:t>0.984579489476 %</a:t>
+                      </a:r>
+                      <a:endParaRPr lang="en-GB" sz="1200" b="0" i="0" u="none" strike="noStrike" dirty="0">
+                        <a:solidFill>
+                          <a:srgbClr val="000000"/>
+                        </a:solidFill>
+                        <a:effectLst/>
+                        <a:latin typeface="Arial"/>
+                      </a:endParaRPr>
+                    </a:p>
+                  </a:txBody>
+                  <a:tcPr marL="6350" marR="6350" marT="6350" marB="0" anchor="ctr">
+                    <a:solidFill>
+                      <a:schemeClr val="accent1">
+                        <a:lumMod val="40000"/>
+                        <a:lumOff val="60000"/>
+                      </a:schemeClr>
+                    </a:solidFill>
+                  </a:tcPr>
+                </a:tc>
+              </a:tr>
+            </a:tbl>
+          </a:graphicData>
+        </a:graphic>
+      </p:graphicFrame>
     </p:spTree>
     <p:extLst>
       <p:ext uri="{BB962C8B-B14F-4D97-AF65-F5344CB8AC3E}">
-        <p14:creationId xmlns:p14="http://schemas.microsoft.com/office/powerpoint/2010/main" val="2102964055"/>
+        <p14:creationId xmlns:p14="http://schemas.microsoft.com/office/powerpoint/2010/main" val="1185207701"/>
       </p:ext>
     </p:extLst>
   </p:cSld>
@@ -3930,14 +5802,1701 @@
   <p:timing>
     <p:tnLst>
       <p:par>
-        <p:cTn id="1" dur="indefinite" restart="never" nodeType="tmRoot"/>
+        <p:cTn xmlns:p14="http://schemas.microsoft.com/office/powerpoint/2010/main" id="1" dur="indefinite" restart="never" nodeType="tmRoot"/>
       </p:par>
     </p:tnLst>
   </p:timing>
 </p:sld>
 </file>
 
-<file path=ppt/slides/slide11.xml><?xml version="1.0" encoding="utf-8"?>
+<file path=ppt/slides/slide3.xml><?xml version="1.0" encoding="utf-8"?>
+<p:sld xmlns:a="http://schemas.openxmlformats.org/drawingml/2006/main" xmlns:r="http://schemas.openxmlformats.org/officeDocument/2006/relationships" xmlns:p="http://schemas.openxmlformats.org/presentationml/2006/main">
+  <p:cSld>
+    <p:spTree>
+      <p:nvGrpSpPr>
+        <p:cNvPr id="1" name=""/>
+        <p:cNvGrpSpPr/>
+        <p:nvPr/>
+      </p:nvGrpSpPr>
+      <p:grpSpPr>
+        <a:xfrm>
+          <a:off x="0" y="0"/>
+          <a:ext cx="0" cy="0"/>
+          <a:chOff x="0" y="0"/>
+          <a:chExt cx="0" cy="0"/>
+        </a:xfrm>
+      </p:grpSpPr>
+      <p:sp>
+        <p:nvSpPr>
+          <p:cNvPr id="2" name="Titel 1"/>
+          <p:cNvSpPr>
+            <a:spLocks noGrp="1"/>
+          </p:cNvSpPr>
+          <p:nvPr>
+            <p:ph type="title"/>
+          </p:nvPr>
+        </p:nvSpPr>
+        <p:spPr/>
+        <p:txBody>
+          <a:bodyPr/>
+          <a:lstStyle/>
+          <a:p>
+            <a:r>
+              <a:rPr lang="nl-NL" b="1" dirty="0" smtClean="0"/>
+              <a:t>Onderdeel E</a:t>
+            </a:r>
+            <a:endParaRPr lang="nl-NL" b="1" dirty="0"/>
+          </a:p>
+        </p:txBody>
+      </p:sp>
+      <p:sp>
+        <p:nvSpPr>
+          <p:cNvPr id="3" name="Tijdelijke aanduiding voor inhoud 2"/>
+          <p:cNvSpPr>
+            <a:spLocks noGrp="1"/>
+          </p:cNvSpPr>
+          <p:nvPr>
+            <p:ph idx="1"/>
+          </p:nvPr>
+        </p:nvSpPr>
+        <p:spPr/>
+        <p:txBody>
+          <a:bodyPr>
+            <a:normAutofit/>
+          </a:bodyPr>
+          <a:lstStyle/>
+          <a:p>
+            <a:pPr marL="0" indent="0">
+              <a:buNone/>
+            </a:pPr>
+            <a:r>
+              <a:rPr lang="en-US" sz="2000" dirty="0" err="1"/>
+              <a:t>Nieuwe</a:t>
+            </a:r>
+            <a:r>
+              <a:rPr lang="en-US" sz="2000" dirty="0"/>
+              <a:t> </a:t>
+            </a:r>
+            <a:r>
+              <a:rPr lang="en-US" sz="2000" dirty="0" err="1"/>
+              <a:t>situatie</a:t>
+            </a:r>
+            <a:r>
+              <a:rPr lang="en-US" sz="2000" dirty="0"/>
+              <a:t>:</a:t>
+            </a:r>
+            <a:endParaRPr lang="nl-NL" sz="2000" dirty="0"/>
+          </a:p>
+          <a:p>
+            <a:pPr marL="0" indent="0">
+              <a:buNone/>
+            </a:pPr>
+            <a:r>
+              <a:rPr lang="nl-NL" sz="1600" dirty="0" smtClean="0"/>
+              <a:t>- Zonder de restrictie</a:t>
+            </a:r>
+          </a:p>
+          <a:p>
+            <a:pPr marL="0" indent="0">
+              <a:buNone/>
+            </a:pPr>
+            <a:r>
+              <a:rPr lang="nl-NL" sz="1600" dirty="0" smtClean="0"/>
+              <a:t>- Rest hetzelfde als D</a:t>
+            </a:r>
+          </a:p>
+          <a:p>
+            <a:pPr marL="0" indent="0">
+              <a:buNone/>
+            </a:pPr>
+            <a:endParaRPr lang="nl-NL" sz="1600" dirty="0"/>
+          </a:p>
+          <a:p>
+            <a:pPr marL="0" indent="0">
+              <a:buNone/>
+            </a:pPr>
+            <a:r>
+              <a:rPr lang="nl-NL" sz="2000" dirty="0" smtClean="0"/>
+              <a:t>Startconfiguratie:</a:t>
+            </a:r>
+            <a:endParaRPr lang="nl-NL" sz="2000" dirty="0"/>
+          </a:p>
+          <a:p>
+            <a:pPr marL="0" indent="0">
+              <a:buNone/>
+            </a:pPr>
+            <a:r>
+              <a:rPr lang="nl-NL" sz="1600" dirty="0" smtClean="0"/>
+              <a:t>- 6 keer 1 schip</a:t>
+            </a:r>
+          </a:p>
+          <a:p>
+            <a:pPr marL="0" indent="0">
+              <a:buNone/>
+            </a:pPr>
+            <a:r>
+              <a:rPr lang="nl-NL" sz="1600" dirty="0" smtClean="0"/>
+              <a:t>- 1 keer meest gevulde schip</a:t>
+            </a:r>
+          </a:p>
+          <a:p>
+            <a:pPr marL="0" indent="0">
+              <a:buNone/>
+            </a:pPr>
+            <a:endParaRPr lang="nl-NL" sz="1600" dirty="0"/>
+          </a:p>
+          <a:p>
+            <a:pPr marL="0" indent="0">
+              <a:buNone/>
+            </a:pPr>
+            <a:r>
+              <a:rPr lang="nl-NL" sz="2000" dirty="0"/>
+              <a:t>Algoritme:</a:t>
+            </a:r>
+          </a:p>
+          <a:p>
+            <a:pPr marL="0" indent="0">
+              <a:buNone/>
+            </a:pPr>
+            <a:r>
+              <a:rPr lang="nl-NL" sz="1600" dirty="0"/>
+              <a:t>- </a:t>
+            </a:r>
+            <a:r>
+              <a:rPr lang="nl-NL" sz="1600" dirty="0" err="1"/>
+              <a:t>Greedy</a:t>
+            </a:r>
+            <a:r>
+              <a:rPr lang="nl-NL" sz="1600" dirty="0"/>
+              <a:t> &amp; </a:t>
+            </a:r>
+            <a:r>
+              <a:rPr lang="nl-NL" sz="1600" dirty="0" err="1" smtClean="0"/>
+              <a:t>Hillclimbing</a:t>
+            </a:r>
+            <a:r>
+              <a:rPr lang="nl-NL" sz="1600" dirty="0" smtClean="0"/>
+              <a:t> &amp; </a:t>
+            </a:r>
+            <a:r>
+              <a:rPr lang="nl-NL" sz="1600" dirty="0" err="1" smtClean="0"/>
+              <a:t>Greedy</a:t>
+            </a:r>
+            <a:endParaRPr lang="nl-NL" sz="1600" dirty="0"/>
+          </a:p>
+          <a:p>
+            <a:pPr marL="0" indent="0">
+              <a:buNone/>
+            </a:pPr>
+            <a:r>
+              <a:rPr lang="nl-NL" sz="1600" dirty="0"/>
+              <a:t>- </a:t>
+            </a:r>
+            <a:r>
+              <a:rPr lang="nl-NL" sz="1600" dirty="0" err="1"/>
+              <a:t>Greedy</a:t>
+            </a:r>
+            <a:r>
+              <a:rPr lang="nl-NL" sz="1600" dirty="0"/>
+              <a:t> &amp; </a:t>
+            </a:r>
+            <a:r>
+              <a:rPr lang="nl-NL" sz="1600" dirty="0" err="1" smtClean="0"/>
+              <a:t>Annealing</a:t>
+            </a:r>
+            <a:r>
+              <a:rPr lang="nl-NL" sz="1600" dirty="0" smtClean="0"/>
+              <a:t> &amp; </a:t>
+            </a:r>
+            <a:r>
+              <a:rPr lang="nl-NL" sz="1600" dirty="0" err="1" smtClean="0"/>
+              <a:t>Greedy</a:t>
+            </a:r>
+            <a:endParaRPr lang="nl-NL" sz="1600" dirty="0"/>
+          </a:p>
+          <a:p>
+            <a:pPr marL="0" indent="0">
+              <a:buNone/>
+            </a:pPr>
+            <a:endParaRPr lang="nl-NL" sz="1600" dirty="0"/>
+          </a:p>
+        </p:txBody>
+      </p:sp>
+    </p:spTree>
+    <p:extLst>
+      <p:ext uri="{BB962C8B-B14F-4D97-AF65-F5344CB8AC3E}">
+        <p14:creationId xmlns:p14="http://schemas.microsoft.com/office/powerpoint/2010/main" val="1242241694"/>
+      </p:ext>
+    </p:extLst>
+  </p:cSld>
+  <p:clrMapOvr>
+    <a:masterClrMapping/>
+  </p:clrMapOvr>
+  <p:timing>
+    <p:tnLst>
+      <p:par>
+        <p:cTn xmlns:p14="http://schemas.microsoft.com/office/powerpoint/2010/main" id="1" dur="indefinite" restart="never" nodeType="tmRoot"/>
+      </p:par>
+    </p:tnLst>
+  </p:timing>
+</p:sld>
+</file>
+
+<file path=ppt/slides/slide4.xml><?xml version="1.0" encoding="utf-8"?>
+<p:sld xmlns:a="http://schemas.openxmlformats.org/drawingml/2006/main" xmlns:r="http://schemas.openxmlformats.org/officeDocument/2006/relationships" xmlns:p="http://schemas.openxmlformats.org/presentationml/2006/main">
+  <p:cSld>
+    <p:spTree>
+      <p:nvGrpSpPr>
+        <p:cNvPr id="1" name=""/>
+        <p:cNvGrpSpPr/>
+        <p:nvPr/>
+      </p:nvGrpSpPr>
+      <p:grpSpPr>
+        <a:xfrm>
+          <a:off x="0" y="0"/>
+          <a:ext cx="0" cy="0"/>
+          <a:chOff x="0" y="0"/>
+          <a:chExt cx="0" cy="0"/>
+        </a:xfrm>
+      </p:grpSpPr>
+      <p:sp>
+        <p:nvSpPr>
+          <p:cNvPr id="2" name="Titel 1"/>
+          <p:cNvSpPr>
+            <a:spLocks noGrp="1"/>
+          </p:cNvSpPr>
+          <p:nvPr>
+            <p:ph type="title"/>
+          </p:nvPr>
+        </p:nvSpPr>
+        <p:spPr/>
+        <p:txBody>
+          <a:bodyPr/>
+          <a:lstStyle/>
+          <a:p>
+            <a:r>
+              <a:rPr lang="nl-NL" b="1" dirty="0" smtClean="0"/>
+              <a:t>Resultaat E</a:t>
+            </a:r>
+            <a:endParaRPr lang="nl-NL" b="1" dirty="0"/>
+          </a:p>
+        </p:txBody>
+      </p:sp>
+      <p:sp>
+        <p:nvSpPr>
+          <p:cNvPr id="3" name="Tijdelijke aanduiding voor inhoud 2"/>
+          <p:cNvSpPr>
+            <a:spLocks noGrp="1"/>
+          </p:cNvSpPr>
+          <p:nvPr>
+            <p:ph idx="1"/>
+          </p:nvPr>
+        </p:nvSpPr>
+        <p:spPr/>
+        <p:txBody>
+          <a:bodyPr/>
+          <a:lstStyle/>
+          <a:p>
+            <a:r>
+              <a:rPr lang="nl-NL" dirty="0" err="1" smtClean="0"/>
+              <a:t>Cygnus</a:t>
+            </a:r>
+            <a:r>
+              <a:rPr lang="nl-NL" dirty="0" smtClean="0"/>
+              <a:t> (D)</a:t>
+            </a:r>
+          </a:p>
+          <a:p>
+            <a:endParaRPr lang="nl-NL" dirty="0"/>
+          </a:p>
+          <a:p>
+            <a:endParaRPr lang="nl-NL" dirty="0" smtClean="0"/>
+          </a:p>
+          <a:p>
+            <a:endParaRPr lang="nl-NL" dirty="0"/>
+          </a:p>
+          <a:p>
+            <a:r>
+              <a:rPr lang="nl-NL" dirty="0" smtClean="0"/>
+              <a:t>Verne</a:t>
+            </a:r>
+            <a:endParaRPr lang="nl-NL" dirty="0"/>
+          </a:p>
+        </p:txBody>
+      </p:sp>
+      <p:graphicFrame>
+        <p:nvGraphicFramePr>
+          <p:cNvPr id="4" name="Tabel 3"/>
+          <p:cNvGraphicFramePr>
+            <a:graphicFrameLocks noGrp="1"/>
+          </p:cNvGraphicFramePr>
+          <p:nvPr>
+            <p:extLst>
+              <p:ext uri="{D42A27DB-BD31-4B8C-83A1-F6EECF244321}">
+                <p14:modId xmlns:p14="http://schemas.microsoft.com/office/powerpoint/2010/main" val="1315103305"/>
+              </p:ext>
+            </p:extLst>
+          </p:nvPr>
+        </p:nvGraphicFramePr>
+        <p:xfrm>
+          <a:off x="1187624" y="2204864"/>
+          <a:ext cx="6408712" cy="1483588"/>
+        </p:xfrm>
+        <a:graphic>
+          <a:graphicData uri="http://schemas.openxmlformats.org/drawingml/2006/table">
+            <a:tbl>
+              <a:tblPr>
+                <a:tableStyleId>{5C22544A-7EE6-4342-B048-85BDC9FD1C3A}</a:tableStyleId>
+              </a:tblPr>
+              <a:tblGrid>
+                <a:gridCol w="3204356"/>
+                <a:gridCol w="3204356"/>
+              </a:tblGrid>
+              <a:tr h="660739">
+                <a:tc gridSpan="2">
+                  <a:txBody>
+                    <a:bodyPr/>
+                    <a:lstStyle/>
+                    <a:p>
+                      <a:pPr algn="ctr" fontAlgn="ctr"/>
+                      <a:r>
+                        <a:rPr lang="en-GB" sz="1200" b="1" i="0" u="none" strike="noStrike" dirty="0" err="1" smtClean="0">
+                          <a:solidFill>
+                            <a:srgbClr val="000000"/>
+                          </a:solidFill>
+                          <a:effectLst/>
+                          <a:latin typeface="Arial"/>
+                        </a:rPr>
+                        <a:t>Configuratie</a:t>
+                      </a:r>
+                      <a:r>
+                        <a:rPr lang="en-GB" sz="1200" b="1" i="0" u="none" strike="noStrike" dirty="0" smtClean="0">
+                          <a:solidFill>
+                            <a:srgbClr val="000000"/>
+                          </a:solidFill>
+                          <a:effectLst/>
+                          <a:latin typeface="Arial"/>
+                        </a:rPr>
+                        <a:t>:</a:t>
+                      </a:r>
+                      <a:r>
+                        <a:rPr lang="en-GB" sz="1200" b="1" i="0" u="none" strike="noStrike" baseline="0" dirty="0" smtClean="0">
+                          <a:solidFill>
+                            <a:srgbClr val="000000"/>
+                          </a:solidFill>
+                          <a:effectLst/>
+                          <a:latin typeface="Arial"/>
+                        </a:rPr>
+                        <a:t> Cargo=kg, Spacecraft=m3, </a:t>
+                      </a:r>
+                      <a:r>
+                        <a:rPr lang="en-GB" sz="1200" b="1" i="0" u="none" strike="noStrike" baseline="0" dirty="0" err="1" smtClean="0">
+                          <a:solidFill>
+                            <a:srgbClr val="000000"/>
+                          </a:solidFill>
+                          <a:effectLst/>
+                          <a:latin typeface="Arial"/>
+                        </a:rPr>
+                        <a:t>Algoritme</a:t>
+                      </a:r>
+                      <a:r>
+                        <a:rPr lang="en-GB" sz="1200" b="1" i="0" u="none" strike="noStrike" baseline="0" dirty="0" smtClean="0">
+                          <a:solidFill>
+                            <a:srgbClr val="000000"/>
+                          </a:solidFill>
+                          <a:effectLst/>
+                          <a:latin typeface="Arial"/>
+                        </a:rPr>
+                        <a:t>=greedy-</a:t>
+                      </a:r>
+                      <a:r>
+                        <a:rPr lang="en-GB" sz="1200" b="1" i="0" u="none" strike="noStrike" baseline="0" dirty="0" err="1" smtClean="0">
+                          <a:solidFill>
+                            <a:srgbClr val="000000"/>
+                          </a:solidFill>
+                          <a:effectLst/>
+                          <a:latin typeface="Arial"/>
+                        </a:rPr>
+                        <a:t>Hillclimbing</a:t>
+                      </a:r>
+                      <a:r>
+                        <a:rPr lang="en-GB" sz="1200" b="1" i="0" u="none" strike="noStrike" baseline="0" dirty="0" smtClean="0">
+                          <a:solidFill>
+                            <a:srgbClr val="000000"/>
+                          </a:solidFill>
+                          <a:effectLst/>
+                          <a:latin typeface="Arial"/>
+                        </a:rPr>
+                        <a:t>/annealing, leftover=4/5</a:t>
+                      </a:r>
+                      <a:endParaRPr lang="en-GB" sz="1200" b="1" i="0" u="none" strike="noStrike" dirty="0">
+                        <a:solidFill>
+                          <a:srgbClr val="000000"/>
+                        </a:solidFill>
+                        <a:effectLst/>
+                        <a:latin typeface="Arial"/>
+                      </a:endParaRPr>
+                    </a:p>
+                  </a:txBody>
+                  <a:tcPr marL="6350" marR="6350" marT="6350" marB="0" anchor="ctr">
+                    <a:solidFill>
+                      <a:schemeClr val="accent1">
+                        <a:lumMod val="60000"/>
+                        <a:lumOff val="40000"/>
+                      </a:schemeClr>
+                    </a:solidFill>
+                  </a:tcPr>
+                </a:tc>
+                <a:tc hMerge="1">
+                  <a:txBody>
+                    <a:bodyPr/>
+                    <a:lstStyle/>
+                    <a:p>
+                      <a:pPr algn="ctr" fontAlgn="ctr"/>
+                      <a:endParaRPr lang="en-GB" sz="1200" b="1" i="0" u="none" strike="noStrike" dirty="0">
+                        <a:solidFill>
+                          <a:srgbClr val="000000"/>
+                        </a:solidFill>
+                        <a:effectLst/>
+                        <a:latin typeface="Arial"/>
+                      </a:endParaRPr>
+                    </a:p>
+                  </a:txBody>
+                  <a:tcPr marL="6350" marR="6350" marT="6350" marB="0" anchor="ctr">
+                    <a:solidFill>
+                      <a:schemeClr val="accent1">
+                        <a:lumMod val="60000"/>
+                        <a:lumOff val="40000"/>
+                      </a:schemeClr>
+                    </a:solidFill>
+                  </a:tcPr>
+                </a:tc>
+              </a:tr>
+              <a:tr h="378772">
+                <a:tc>
+                  <a:txBody>
+                    <a:bodyPr/>
+                    <a:lstStyle/>
+                    <a:p>
+                      <a:pPr algn="ctr" fontAlgn="ctr"/>
+                      <a:r>
+                        <a:rPr lang="en-GB" sz="1200" u="none" strike="noStrike" dirty="0" smtClean="0">
+                          <a:effectLst/>
+                        </a:rPr>
+                        <a:t>Percentage kg:</a:t>
+                      </a:r>
+                      <a:endParaRPr lang="en-GB" sz="1200" b="0" i="0" u="none" strike="noStrike" dirty="0">
+                        <a:solidFill>
+                          <a:srgbClr val="000000"/>
+                        </a:solidFill>
+                        <a:effectLst/>
+                        <a:latin typeface="Arial"/>
+                      </a:endParaRPr>
+                    </a:p>
+                  </a:txBody>
+                  <a:tcPr marL="6350" marR="6350" marT="6350" marB="0" anchor="ctr">
+                    <a:solidFill>
+                      <a:schemeClr val="accent1">
+                        <a:lumMod val="40000"/>
+                        <a:lumOff val="60000"/>
+                      </a:schemeClr>
+                    </a:solidFill>
+                  </a:tcPr>
+                </a:tc>
+                <a:tc>
+                  <a:txBody>
+                    <a:bodyPr/>
+                    <a:lstStyle/>
+                    <a:p>
+                      <a:pPr algn="ctr" fontAlgn="ctr"/>
+                      <a:r>
+                        <a:rPr lang="en-GB" sz="1200" b="0" i="0" u="none" strike="noStrike" dirty="0" smtClean="0">
+                          <a:solidFill>
+                            <a:srgbClr val="000000"/>
+                          </a:solidFill>
+                          <a:effectLst/>
+                          <a:latin typeface="Arial"/>
+                        </a:rPr>
+                        <a:t>0.735269905533 %</a:t>
+                      </a:r>
+                      <a:endParaRPr lang="en-GB" sz="1200" b="0" i="0" u="none" strike="noStrike" dirty="0">
+                        <a:solidFill>
+                          <a:srgbClr val="000000"/>
+                        </a:solidFill>
+                        <a:effectLst/>
+                        <a:latin typeface="Arial"/>
+                      </a:endParaRPr>
+                    </a:p>
+                  </a:txBody>
+                  <a:tcPr marL="6350" marR="6350" marT="6350" marB="0" anchor="ctr">
+                    <a:solidFill>
+                      <a:schemeClr val="accent1">
+                        <a:lumMod val="40000"/>
+                        <a:lumOff val="60000"/>
+                      </a:schemeClr>
+                    </a:solidFill>
+                  </a:tcPr>
+                </a:tc>
+              </a:tr>
+              <a:tr h="444077">
+                <a:tc>
+                  <a:txBody>
+                    <a:bodyPr/>
+                    <a:lstStyle/>
+                    <a:p>
+                      <a:pPr algn="ctr" fontAlgn="ctr"/>
+                      <a:r>
+                        <a:rPr lang="en-GB" sz="1200" u="none" strike="noStrike" dirty="0" smtClean="0">
+                          <a:effectLst/>
+                        </a:rPr>
+                        <a:t>Percentage</a:t>
+                      </a:r>
+                      <a:r>
+                        <a:rPr lang="en-GB" sz="1200" u="none" strike="noStrike" baseline="0" dirty="0" smtClean="0">
+                          <a:effectLst/>
+                        </a:rPr>
+                        <a:t> </a:t>
+                      </a:r>
+                      <a:r>
+                        <a:rPr lang="en-GB" sz="1200" u="none" strike="noStrike" baseline="0" dirty="0" err="1" smtClean="0">
+                          <a:effectLst/>
+                        </a:rPr>
+                        <a:t>kubieke</a:t>
+                      </a:r>
+                      <a:r>
+                        <a:rPr lang="en-GB" sz="1200" u="none" strike="noStrike" baseline="0" dirty="0" smtClean="0">
+                          <a:effectLst/>
+                        </a:rPr>
+                        <a:t> meter:</a:t>
+                      </a:r>
+                      <a:endParaRPr lang="en-GB" sz="1200" u="none" strike="noStrike" dirty="0" smtClean="0">
+                        <a:effectLst/>
+                      </a:endParaRPr>
+                    </a:p>
+                  </a:txBody>
+                  <a:tcPr marL="6350" marR="6350" marT="6350" marB="0" anchor="ctr">
+                    <a:solidFill>
+                      <a:schemeClr val="accent1">
+                        <a:lumMod val="40000"/>
+                        <a:lumOff val="60000"/>
+                      </a:schemeClr>
+                    </a:solidFill>
+                  </a:tcPr>
+                </a:tc>
+                <a:tc>
+                  <a:txBody>
+                    <a:bodyPr/>
+                    <a:lstStyle/>
+                    <a:p>
+                      <a:pPr algn="ctr" fontAlgn="ctr"/>
+                      <a:r>
+                        <a:rPr lang="en-GB" sz="1200" u="none" strike="noStrike" dirty="0" smtClean="0">
+                          <a:effectLst/>
+                        </a:rPr>
+                        <a:t>0.984579489476 %</a:t>
+                      </a:r>
+                      <a:endParaRPr lang="en-GB" sz="1200" b="0" i="0" u="none" strike="noStrike" dirty="0">
+                        <a:solidFill>
+                          <a:srgbClr val="000000"/>
+                        </a:solidFill>
+                        <a:effectLst/>
+                        <a:latin typeface="Arial"/>
+                      </a:endParaRPr>
+                    </a:p>
+                  </a:txBody>
+                  <a:tcPr marL="6350" marR="6350" marT="6350" marB="0" anchor="ctr">
+                    <a:solidFill>
+                      <a:schemeClr val="accent1">
+                        <a:lumMod val="40000"/>
+                        <a:lumOff val="60000"/>
+                      </a:schemeClr>
+                    </a:solidFill>
+                  </a:tcPr>
+                </a:tc>
+              </a:tr>
+            </a:tbl>
+          </a:graphicData>
+        </a:graphic>
+      </p:graphicFrame>
+      <p:graphicFrame>
+        <p:nvGraphicFramePr>
+          <p:cNvPr id="5" name="Tabel 4"/>
+          <p:cNvGraphicFramePr>
+            <a:graphicFrameLocks noGrp="1"/>
+          </p:cNvGraphicFramePr>
+          <p:nvPr>
+            <p:extLst>
+              <p:ext uri="{D42A27DB-BD31-4B8C-83A1-F6EECF244321}">
+                <p14:modId xmlns:p14="http://schemas.microsoft.com/office/powerpoint/2010/main" val="698477787"/>
+              </p:ext>
+            </p:extLst>
+          </p:nvPr>
+        </p:nvGraphicFramePr>
+        <p:xfrm>
+          <a:off x="1187624" y="4509120"/>
+          <a:ext cx="6408712" cy="1483588"/>
+        </p:xfrm>
+        <a:graphic>
+          <a:graphicData uri="http://schemas.openxmlformats.org/drawingml/2006/table">
+            <a:tbl>
+              <a:tblPr>
+                <a:tableStyleId>{5C22544A-7EE6-4342-B048-85BDC9FD1C3A}</a:tableStyleId>
+              </a:tblPr>
+              <a:tblGrid>
+                <a:gridCol w="3204356"/>
+                <a:gridCol w="3204356"/>
+              </a:tblGrid>
+              <a:tr h="660739">
+                <a:tc gridSpan="2">
+                  <a:txBody>
+                    <a:bodyPr/>
+                    <a:lstStyle/>
+                    <a:p>
+                      <a:pPr algn="ctr" fontAlgn="ctr"/>
+                      <a:r>
+                        <a:rPr lang="en-GB" sz="1200" b="1" i="0" u="none" strike="noStrike" dirty="0" err="1" smtClean="0">
+                          <a:solidFill>
+                            <a:srgbClr val="000000"/>
+                          </a:solidFill>
+                          <a:effectLst/>
+                          <a:latin typeface="Arial"/>
+                        </a:rPr>
+                        <a:t>Configuratie</a:t>
+                      </a:r>
+                      <a:r>
+                        <a:rPr lang="en-GB" sz="1200" b="1" i="0" u="none" strike="noStrike" dirty="0" smtClean="0">
+                          <a:solidFill>
+                            <a:srgbClr val="000000"/>
+                          </a:solidFill>
+                          <a:effectLst/>
+                          <a:latin typeface="Arial"/>
+                        </a:rPr>
+                        <a:t>:</a:t>
+                      </a:r>
+                      <a:r>
+                        <a:rPr lang="en-GB" sz="1200" b="1" i="0" u="none" strike="noStrike" baseline="0" dirty="0" smtClean="0">
+                          <a:solidFill>
+                            <a:srgbClr val="000000"/>
+                          </a:solidFill>
+                          <a:effectLst/>
+                          <a:latin typeface="Arial"/>
+                        </a:rPr>
+                        <a:t> Cargo=</a:t>
+                      </a:r>
+                      <a:r>
+                        <a:rPr lang="en-GB" sz="1200" b="1" i="0" u="none" strike="noStrike" baseline="0" dirty="0" smtClean="0">
+                          <a:solidFill>
+                            <a:srgbClr val="000000"/>
+                          </a:solidFill>
+                          <a:effectLst/>
+                          <a:latin typeface="Arial"/>
+                        </a:rPr>
+                        <a:t>kg, </a:t>
+                      </a:r>
+                      <a:r>
+                        <a:rPr lang="en-GB" sz="1200" b="1" i="0" u="none" strike="noStrike" baseline="0" dirty="0" err="1" smtClean="0">
+                          <a:solidFill>
+                            <a:srgbClr val="000000"/>
+                          </a:solidFill>
+                          <a:effectLst/>
+                          <a:latin typeface="Arial"/>
+                        </a:rPr>
+                        <a:t>Algoritme</a:t>
+                      </a:r>
+                      <a:r>
+                        <a:rPr lang="en-GB" sz="1200" b="1" i="0" u="none" strike="noStrike" baseline="0" dirty="0" smtClean="0">
+                          <a:solidFill>
+                            <a:srgbClr val="000000"/>
+                          </a:solidFill>
+                          <a:effectLst/>
+                          <a:latin typeface="Arial"/>
+                        </a:rPr>
+                        <a:t>=greedy-</a:t>
+                      </a:r>
+                      <a:r>
+                        <a:rPr lang="en-GB" sz="1200" b="1" i="0" u="none" strike="noStrike" baseline="0" dirty="0" err="1" smtClean="0">
+                          <a:solidFill>
+                            <a:srgbClr val="000000"/>
+                          </a:solidFill>
+                          <a:effectLst/>
+                          <a:latin typeface="Arial"/>
+                        </a:rPr>
+                        <a:t>Hillclimbing</a:t>
+                      </a:r>
+                      <a:r>
+                        <a:rPr lang="en-GB" sz="1200" b="1" i="0" u="none" strike="noStrike" baseline="0" dirty="0" smtClean="0">
+                          <a:solidFill>
+                            <a:srgbClr val="000000"/>
+                          </a:solidFill>
+                          <a:effectLst/>
+                          <a:latin typeface="Arial"/>
+                        </a:rPr>
+                        <a:t>, </a:t>
+                      </a:r>
+                      <a:r>
+                        <a:rPr lang="en-GB" sz="1200" b="1" i="0" u="none" strike="noStrike" baseline="0" dirty="0" smtClean="0">
+                          <a:solidFill>
+                            <a:srgbClr val="000000"/>
+                          </a:solidFill>
+                          <a:effectLst/>
+                          <a:latin typeface="Arial"/>
+                        </a:rPr>
+                        <a:t>leftover=</a:t>
+                      </a:r>
+                      <a:r>
+                        <a:rPr lang="en-GB" sz="1200" b="1" i="0" u="none" strike="noStrike" baseline="0" dirty="0" smtClean="0">
+                          <a:solidFill>
+                            <a:srgbClr val="000000"/>
+                          </a:solidFill>
+                          <a:effectLst/>
+                          <a:latin typeface="Arial"/>
+                        </a:rPr>
+                        <a:t>4</a:t>
+                      </a:r>
+                      <a:endParaRPr lang="en-GB" sz="1200" b="1" i="0" u="none" strike="noStrike" dirty="0">
+                        <a:solidFill>
+                          <a:srgbClr val="000000"/>
+                        </a:solidFill>
+                        <a:effectLst/>
+                        <a:latin typeface="Arial"/>
+                      </a:endParaRPr>
+                    </a:p>
+                  </a:txBody>
+                  <a:tcPr marL="6350" marR="6350" marT="6350" marB="0" anchor="ctr">
+                    <a:solidFill>
+                      <a:schemeClr val="accent1">
+                        <a:lumMod val="60000"/>
+                        <a:lumOff val="40000"/>
+                      </a:schemeClr>
+                    </a:solidFill>
+                  </a:tcPr>
+                </a:tc>
+                <a:tc hMerge="1">
+                  <a:txBody>
+                    <a:bodyPr/>
+                    <a:lstStyle/>
+                    <a:p>
+                      <a:pPr algn="ctr" fontAlgn="ctr"/>
+                      <a:endParaRPr lang="en-GB" sz="1200" b="1" i="0" u="none" strike="noStrike" dirty="0">
+                        <a:solidFill>
+                          <a:srgbClr val="000000"/>
+                        </a:solidFill>
+                        <a:effectLst/>
+                        <a:latin typeface="Arial"/>
+                      </a:endParaRPr>
+                    </a:p>
+                  </a:txBody>
+                  <a:tcPr marL="6350" marR="6350" marT="6350" marB="0" anchor="ctr">
+                    <a:solidFill>
+                      <a:schemeClr val="accent1">
+                        <a:lumMod val="60000"/>
+                        <a:lumOff val="40000"/>
+                      </a:schemeClr>
+                    </a:solidFill>
+                  </a:tcPr>
+                </a:tc>
+              </a:tr>
+              <a:tr h="378772">
+                <a:tc>
+                  <a:txBody>
+                    <a:bodyPr/>
+                    <a:lstStyle/>
+                    <a:p>
+                      <a:pPr algn="ctr" fontAlgn="ctr"/>
+                      <a:r>
+                        <a:rPr lang="en-GB" sz="1200" u="none" strike="noStrike" dirty="0" smtClean="0">
+                          <a:effectLst/>
+                        </a:rPr>
+                        <a:t>Percentage kg:</a:t>
+                      </a:r>
+                      <a:endParaRPr lang="en-GB" sz="1200" b="0" i="0" u="none" strike="noStrike" dirty="0">
+                        <a:solidFill>
+                          <a:srgbClr val="000000"/>
+                        </a:solidFill>
+                        <a:effectLst/>
+                        <a:latin typeface="Arial"/>
+                      </a:endParaRPr>
+                    </a:p>
+                  </a:txBody>
+                  <a:tcPr marL="6350" marR="6350" marT="6350" marB="0" anchor="ctr">
+                    <a:solidFill>
+                      <a:schemeClr val="accent1">
+                        <a:lumMod val="40000"/>
+                        <a:lumOff val="60000"/>
+                      </a:schemeClr>
+                    </a:solidFill>
+                  </a:tcPr>
+                </a:tc>
+                <a:tc>
+                  <a:txBody>
+                    <a:bodyPr/>
+                    <a:lstStyle/>
+                    <a:p>
+                      <a:pPr algn="ctr"/>
+                      <a:r>
+                        <a:rPr lang="nl-NL" sz="1200" dirty="0" smtClean="0"/>
+                        <a:t> 0.957110232762 %    </a:t>
+                      </a:r>
+                      <a:endParaRPr lang="nl-NL" sz="1200" dirty="0"/>
+                    </a:p>
+                  </a:txBody>
+                  <a:tcPr marL="6350" marR="6350" marT="6350" marB="0" anchor="ctr">
+                    <a:solidFill>
+                      <a:schemeClr val="accent1">
+                        <a:lumMod val="40000"/>
+                        <a:lumOff val="60000"/>
+                      </a:schemeClr>
+                    </a:solidFill>
+                  </a:tcPr>
+                </a:tc>
+              </a:tr>
+              <a:tr h="444077">
+                <a:tc>
+                  <a:txBody>
+                    <a:bodyPr/>
+                    <a:lstStyle/>
+                    <a:p>
+                      <a:pPr algn="ctr" fontAlgn="ctr"/>
+                      <a:r>
+                        <a:rPr lang="en-GB" sz="1200" u="none" strike="noStrike" dirty="0" smtClean="0">
+                          <a:effectLst/>
+                        </a:rPr>
+                        <a:t>Percentage</a:t>
+                      </a:r>
+                      <a:r>
+                        <a:rPr lang="en-GB" sz="1200" u="none" strike="noStrike" baseline="0" dirty="0" smtClean="0">
+                          <a:effectLst/>
+                        </a:rPr>
+                        <a:t> </a:t>
+                      </a:r>
+                      <a:r>
+                        <a:rPr lang="en-GB" sz="1200" u="none" strike="noStrike" baseline="0" dirty="0" err="1" smtClean="0">
+                          <a:effectLst/>
+                        </a:rPr>
+                        <a:t>kubieke</a:t>
+                      </a:r>
+                      <a:r>
+                        <a:rPr lang="en-GB" sz="1200" u="none" strike="noStrike" baseline="0" dirty="0" smtClean="0">
+                          <a:effectLst/>
+                        </a:rPr>
+                        <a:t> meter:</a:t>
+                      </a:r>
+                      <a:endParaRPr lang="en-GB" sz="1200" u="none" strike="noStrike" dirty="0" smtClean="0">
+                        <a:effectLst/>
+                      </a:endParaRPr>
+                    </a:p>
+                  </a:txBody>
+                  <a:tcPr marL="6350" marR="6350" marT="6350" marB="0" anchor="ctr">
+                    <a:solidFill>
+                      <a:schemeClr val="accent1">
+                        <a:lumMod val="40000"/>
+                        <a:lumOff val="60000"/>
+                      </a:schemeClr>
+                    </a:solidFill>
+                  </a:tcPr>
+                </a:tc>
+                <a:tc>
+                  <a:txBody>
+                    <a:bodyPr/>
+                    <a:lstStyle/>
+                    <a:p>
+                      <a:pPr algn="ctr"/>
+                      <a:r>
+                        <a:rPr lang="nl-NL" sz="1200" smtClean="0"/>
+                        <a:t>0.847623562882 </a:t>
+                      </a:r>
+                      <a:r>
+                        <a:rPr lang="nl-NL" sz="1200" dirty="0" smtClean="0"/>
+                        <a:t>% </a:t>
+                      </a:r>
+                      <a:endParaRPr lang="nl-NL" sz="1200" dirty="0"/>
+                    </a:p>
+                  </a:txBody>
+                  <a:tcPr marL="6350" marR="6350" marT="6350" marB="0" anchor="ctr">
+                    <a:solidFill>
+                      <a:schemeClr val="accent1">
+                        <a:lumMod val="40000"/>
+                        <a:lumOff val="60000"/>
+                      </a:schemeClr>
+                    </a:solidFill>
+                  </a:tcPr>
+                </a:tc>
+              </a:tr>
+            </a:tbl>
+          </a:graphicData>
+        </a:graphic>
+      </p:graphicFrame>
+    </p:spTree>
+    <p:extLst>
+      <p:ext uri="{BB962C8B-B14F-4D97-AF65-F5344CB8AC3E}">
+        <p14:creationId xmlns:p14="http://schemas.microsoft.com/office/powerpoint/2010/main" val="1079486114"/>
+      </p:ext>
+    </p:extLst>
+  </p:cSld>
+  <p:clrMapOvr>
+    <a:masterClrMapping/>
+  </p:clrMapOvr>
+</p:sld>
+</file>
+
+<file path=ppt/slides/slide5.xml><?xml version="1.0" encoding="utf-8"?>
+<p:sld xmlns:a="http://schemas.openxmlformats.org/drawingml/2006/main" xmlns:r="http://schemas.openxmlformats.org/officeDocument/2006/relationships" xmlns:p="http://schemas.openxmlformats.org/presentationml/2006/main">
+  <p:cSld>
+    <p:spTree>
+      <p:nvGrpSpPr>
+        <p:cNvPr id="1" name=""/>
+        <p:cNvGrpSpPr/>
+        <p:nvPr/>
+      </p:nvGrpSpPr>
+      <p:grpSpPr>
+        <a:xfrm>
+          <a:off x="0" y="0"/>
+          <a:ext cx="0" cy="0"/>
+          <a:chOff x="0" y="0"/>
+          <a:chExt cx="0" cy="0"/>
+        </a:xfrm>
+      </p:grpSpPr>
+      <p:sp>
+        <p:nvSpPr>
+          <p:cNvPr id="2" name="Titel 1"/>
+          <p:cNvSpPr>
+            <a:spLocks noGrp="1"/>
+          </p:cNvSpPr>
+          <p:nvPr>
+            <p:ph type="title"/>
+          </p:nvPr>
+        </p:nvSpPr>
+        <p:spPr/>
+        <p:txBody>
+          <a:bodyPr/>
+          <a:lstStyle/>
+          <a:p>
+            <a:r>
+              <a:rPr lang="nl-NL" dirty="0" smtClean="0"/>
+              <a:t>Discussie D&amp;E</a:t>
+            </a:r>
+            <a:endParaRPr lang="nl-NL" dirty="0"/>
+          </a:p>
+        </p:txBody>
+      </p:sp>
+      <p:sp>
+        <p:nvSpPr>
+          <p:cNvPr id="3" name="Tijdelijke aanduiding voor inhoud 2"/>
+          <p:cNvSpPr>
+            <a:spLocks noGrp="1"/>
+          </p:cNvSpPr>
+          <p:nvPr>
+            <p:ph idx="1"/>
+          </p:nvPr>
+        </p:nvSpPr>
+        <p:spPr/>
+        <p:txBody>
+          <a:bodyPr/>
+          <a:lstStyle/>
+          <a:p>
+            <a:r>
+              <a:rPr lang="nl-NL" dirty="0" smtClean="0"/>
+              <a:t>Restrictie veroorzaakt minder vulling</a:t>
+            </a:r>
+          </a:p>
+          <a:p>
+            <a:endParaRPr lang="nl-NL" dirty="0" smtClean="0"/>
+          </a:p>
+          <a:p>
+            <a:r>
+              <a:rPr lang="nl-NL" dirty="0" smtClean="0"/>
+              <a:t>Verne ATV beter dan de rest</a:t>
+            </a:r>
+          </a:p>
+          <a:p>
+            <a:endParaRPr lang="nl-NL" dirty="0"/>
+          </a:p>
+          <a:p>
+            <a:r>
+              <a:rPr lang="nl-NL" dirty="0" smtClean="0"/>
+              <a:t>Dichtheid?</a:t>
+            </a:r>
+          </a:p>
+          <a:p>
+            <a:endParaRPr lang="nl-NL" dirty="0"/>
+          </a:p>
+        </p:txBody>
+      </p:sp>
+      <p:graphicFrame>
+        <p:nvGraphicFramePr>
+          <p:cNvPr id="5" name="Tabel 4"/>
+          <p:cNvGraphicFramePr>
+            <a:graphicFrameLocks noGrp="1"/>
+          </p:cNvGraphicFramePr>
+          <p:nvPr>
+            <p:extLst>
+              <p:ext uri="{D42A27DB-BD31-4B8C-83A1-F6EECF244321}">
+                <p14:modId xmlns:p14="http://schemas.microsoft.com/office/powerpoint/2010/main" val="2507122038"/>
+              </p:ext>
+            </p:extLst>
+          </p:nvPr>
+        </p:nvGraphicFramePr>
+        <p:xfrm>
+          <a:off x="1619672" y="4581128"/>
+          <a:ext cx="5976664" cy="1584175"/>
+        </p:xfrm>
+        <a:graphic>
+          <a:graphicData uri="http://schemas.openxmlformats.org/drawingml/2006/table">
+            <a:tbl>
+              <a:tblPr>
+                <a:tableStyleId>{5C22544A-7EE6-4342-B048-85BDC9FD1C3A}</a:tableStyleId>
+              </a:tblPr>
+              <a:tblGrid>
+                <a:gridCol w="1660172"/>
+                <a:gridCol w="1138405"/>
+                <a:gridCol w="1504286"/>
+                <a:gridCol w="1673801"/>
+              </a:tblGrid>
+              <a:tr h="451404">
+                <a:tc>
+                  <a:txBody>
+                    <a:bodyPr/>
+                    <a:lstStyle/>
+                    <a:p>
+                      <a:pPr algn="ctr" fontAlgn="ctr"/>
+                      <a:r>
+                        <a:rPr lang="en-GB" sz="1200" b="1" u="none" strike="noStrike" dirty="0">
+                          <a:effectLst/>
+                        </a:rPr>
+                        <a:t>Spacecraft</a:t>
+                      </a:r>
+                      <a:endParaRPr lang="en-GB" sz="1200" b="1" i="0" u="none" strike="noStrike" dirty="0">
+                        <a:solidFill>
+                          <a:srgbClr val="000000"/>
+                        </a:solidFill>
+                        <a:effectLst/>
+                        <a:latin typeface="Arial"/>
+                      </a:endParaRPr>
+                    </a:p>
+                  </a:txBody>
+                  <a:tcPr marL="6350" marR="6350" marT="6350" marB="0" anchor="ctr">
+                    <a:solidFill>
+                      <a:schemeClr val="accent1">
+                        <a:lumMod val="60000"/>
+                        <a:lumOff val="40000"/>
+                      </a:schemeClr>
+                    </a:solidFill>
+                  </a:tcPr>
+                </a:tc>
+                <a:tc>
+                  <a:txBody>
+                    <a:bodyPr/>
+                    <a:lstStyle/>
+                    <a:p>
+                      <a:pPr algn="ctr" fontAlgn="ctr"/>
+                      <a:r>
+                        <a:rPr lang="en-GB" sz="1200" b="1" u="none" strike="noStrike" dirty="0">
+                          <a:effectLst/>
+                        </a:rPr>
+                        <a:t>Land</a:t>
+                      </a:r>
+                      <a:endParaRPr lang="en-GB" sz="1200" b="1" i="0" u="none" strike="noStrike" dirty="0">
+                        <a:solidFill>
+                          <a:srgbClr val="000000"/>
+                        </a:solidFill>
+                        <a:effectLst/>
+                        <a:latin typeface="Arial"/>
+                      </a:endParaRPr>
+                    </a:p>
+                  </a:txBody>
+                  <a:tcPr marL="6350" marR="6350" marT="6350" marB="0" anchor="ctr">
+                    <a:solidFill>
+                      <a:schemeClr val="accent1">
+                        <a:lumMod val="60000"/>
+                        <a:lumOff val="40000"/>
+                      </a:schemeClr>
+                    </a:solidFill>
+                  </a:tcPr>
+                </a:tc>
+                <a:tc>
+                  <a:txBody>
+                    <a:bodyPr/>
+                    <a:lstStyle/>
+                    <a:p>
+                      <a:pPr algn="ctr" fontAlgn="ctr"/>
+                      <a:r>
+                        <a:rPr lang="en-GB" sz="1200" b="1" u="none" strike="noStrike" dirty="0" err="1" smtClean="0">
+                          <a:effectLst/>
+                        </a:rPr>
+                        <a:t>Gewicht</a:t>
+                      </a:r>
+                      <a:r>
+                        <a:rPr lang="en-GB" sz="1200" b="1" u="none" strike="noStrike" dirty="0" smtClean="0">
+                          <a:effectLst/>
+                        </a:rPr>
+                        <a:t> (kg)</a:t>
+                      </a:r>
+                      <a:endParaRPr lang="en-GB" sz="1200" b="1" i="0" u="none" strike="noStrike" dirty="0">
+                        <a:solidFill>
+                          <a:srgbClr val="000000"/>
+                        </a:solidFill>
+                        <a:effectLst/>
+                        <a:latin typeface="Arial"/>
+                      </a:endParaRPr>
+                    </a:p>
+                  </a:txBody>
+                  <a:tcPr marL="6350" marR="6350" marT="6350" marB="0" anchor="ctr">
+                    <a:solidFill>
+                      <a:schemeClr val="accent1">
+                        <a:lumMod val="60000"/>
+                        <a:lumOff val="40000"/>
+                      </a:schemeClr>
+                    </a:solidFill>
+                  </a:tcPr>
+                </a:tc>
+                <a:tc>
+                  <a:txBody>
+                    <a:bodyPr/>
+                    <a:lstStyle/>
+                    <a:p>
+                      <a:pPr algn="ctr" fontAlgn="ctr"/>
+                      <a:r>
+                        <a:rPr lang="en-GB" sz="1200" b="1" u="none" strike="noStrike" dirty="0" err="1" smtClean="0">
+                          <a:effectLst/>
+                        </a:rPr>
+                        <a:t>Omvang</a:t>
+                      </a:r>
+                      <a:r>
+                        <a:rPr lang="en-GB" sz="1200" b="1" u="none" strike="noStrike" dirty="0" smtClean="0">
+                          <a:effectLst/>
+                        </a:rPr>
+                        <a:t> (m</a:t>
+                      </a:r>
+                      <a:r>
+                        <a:rPr lang="en-GB" sz="1200" b="1" u="none" strike="noStrike" baseline="30000" dirty="0" smtClean="0">
+                          <a:effectLst/>
+                        </a:rPr>
+                        <a:t>3</a:t>
+                      </a:r>
+                      <a:r>
+                        <a:rPr lang="en-GB" sz="1200" b="1" u="none" strike="noStrike" dirty="0">
+                          <a:effectLst/>
+                        </a:rPr>
+                        <a:t>)</a:t>
+                      </a:r>
+                      <a:endParaRPr lang="en-GB" sz="1200" b="1" i="0" u="none" strike="noStrike" dirty="0">
+                        <a:solidFill>
+                          <a:srgbClr val="000000"/>
+                        </a:solidFill>
+                        <a:effectLst/>
+                        <a:latin typeface="Arial"/>
+                      </a:endParaRPr>
+                    </a:p>
+                  </a:txBody>
+                  <a:tcPr marL="6350" marR="6350" marT="6350" marB="0" anchor="ctr">
+                    <a:solidFill>
+                      <a:schemeClr val="accent1">
+                        <a:lumMod val="60000"/>
+                        <a:lumOff val="40000"/>
+                      </a:schemeClr>
+                    </a:solidFill>
+                  </a:tcPr>
+                </a:tc>
+              </a:tr>
+              <a:tr h="260717">
+                <a:tc>
+                  <a:txBody>
+                    <a:bodyPr/>
+                    <a:lstStyle/>
+                    <a:p>
+                      <a:pPr algn="ctr" fontAlgn="ctr"/>
+                      <a:r>
+                        <a:rPr lang="en-GB" sz="1200" u="none" strike="noStrike" dirty="0">
+                          <a:effectLst/>
+                        </a:rPr>
+                        <a:t>Cygnus</a:t>
+                      </a:r>
+                      <a:endParaRPr lang="en-GB" sz="1200" b="0" i="0" u="none" strike="noStrike" dirty="0">
+                        <a:solidFill>
+                          <a:srgbClr val="000000"/>
+                        </a:solidFill>
+                        <a:effectLst/>
+                        <a:latin typeface="Arial"/>
+                      </a:endParaRPr>
+                    </a:p>
+                  </a:txBody>
+                  <a:tcPr marL="6350" marR="6350" marT="6350" marB="0" anchor="ctr">
+                    <a:solidFill>
+                      <a:schemeClr val="accent1">
+                        <a:lumMod val="40000"/>
+                        <a:lumOff val="60000"/>
+                      </a:schemeClr>
+                    </a:solidFill>
+                  </a:tcPr>
+                </a:tc>
+                <a:tc>
+                  <a:txBody>
+                    <a:bodyPr/>
+                    <a:lstStyle/>
+                    <a:p>
+                      <a:pPr algn="ctr" fontAlgn="ctr"/>
+                      <a:r>
+                        <a:rPr lang="en-GB" sz="1200" u="none" strike="noStrike" dirty="0">
+                          <a:effectLst/>
+                        </a:rPr>
+                        <a:t>USA</a:t>
+                      </a:r>
+                      <a:endParaRPr lang="en-GB" sz="1200" b="0" i="0" u="none" strike="noStrike" dirty="0">
+                        <a:solidFill>
+                          <a:srgbClr val="000000"/>
+                        </a:solidFill>
+                        <a:effectLst/>
+                        <a:latin typeface="Arial"/>
+                      </a:endParaRPr>
+                    </a:p>
+                  </a:txBody>
+                  <a:tcPr marL="6350" marR="6350" marT="6350" marB="0" anchor="ctr">
+                    <a:solidFill>
+                      <a:schemeClr val="accent1">
+                        <a:lumMod val="40000"/>
+                        <a:lumOff val="60000"/>
+                      </a:schemeClr>
+                    </a:solidFill>
+                  </a:tcPr>
+                </a:tc>
+                <a:tc>
+                  <a:txBody>
+                    <a:bodyPr/>
+                    <a:lstStyle/>
+                    <a:p>
+                      <a:pPr algn="ctr" fontAlgn="ctr"/>
+                      <a:r>
+                        <a:rPr lang="en-GB" sz="1200" u="none" strike="noStrike" dirty="0">
+                          <a:effectLst/>
+                        </a:rPr>
+                        <a:t>2000</a:t>
+                      </a:r>
+                      <a:endParaRPr lang="en-GB" sz="1200" b="0" i="0" u="none" strike="noStrike" dirty="0">
+                        <a:solidFill>
+                          <a:srgbClr val="000000"/>
+                        </a:solidFill>
+                        <a:effectLst/>
+                        <a:latin typeface="Arial"/>
+                      </a:endParaRPr>
+                    </a:p>
+                  </a:txBody>
+                  <a:tcPr marL="6350" marR="6350" marT="6350" marB="0" anchor="ctr">
+                    <a:solidFill>
+                      <a:schemeClr val="accent1">
+                        <a:lumMod val="40000"/>
+                        <a:lumOff val="60000"/>
+                      </a:schemeClr>
+                    </a:solidFill>
+                  </a:tcPr>
+                </a:tc>
+                <a:tc>
+                  <a:txBody>
+                    <a:bodyPr/>
+                    <a:lstStyle/>
+                    <a:p>
+                      <a:pPr algn="ctr" fontAlgn="ctr"/>
+                      <a:r>
+                        <a:rPr lang="en-GB" sz="1200" u="none" strike="noStrike" dirty="0">
+                          <a:effectLst/>
+                        </a:rPr>
+                        <a:t>18,9</a:t>
+                      </a:r>
+                      <a:endParaRPr lang="en-GB" sz="1200" b="0" i="0" u="none" strike="noStrike" dirty="0">
+                        <a:solidFill>
+                          <a:srgbClr val="000000"/>
+                        </a:solidFill>
+                        <a:effectLst/>
+                        <a:latin typeface="Arial"/>
+                      </a:endParaRPr>
+                    </a:p>
+                  </a:txBody>
+                  <a:tcPr marL="6350" marR="6350" marT="6350" marB="0" anchor="ctr">
+                    <a:solidFill>
+                      <a:schemeClr val="accent1">
+                        <a:lumMod val="40000"/>
+                        <a:lumOff val="60000"/>
+                      </a:schemeClr>
+                    </a:solidFill>
+                  </a:tcPr>
+                </a:tc>
+              </a:tr>
+              <a:tr h="287688">
+                <a:tc>
+                  <a:txBody>
+                    <a:bodyPr/>
+                    <a:lstStyle/>
+                    <a:p>
+                      <a:pPr algn="ctr" fontAlgn="ctr"/>
+                      <a:r>
+                        <a:rPr lang="en-GB" sz="1200" u="none" strike="noStrike">
+                          <a:effectLst/>
+                        </a:rPr>
+                        <a:t>Verne ATV</a:t>
+                      </a:r>
+                      <a:endParaRPr lang="en-GB" sz="1200" b="0" i="0" u="none" strike="noStrike">
+                        <a:solidFill>
+                          <a:srgbClr val="000000"/>
+                        </a:solidFill>
+                        <a:effectLst/>
+                        <a:latin typeface="Arial"/>
+                      </a:endParaRPr>
+                    </a:p>
+                  </a:txBody>
+                  <a:tcPr marL="6350" marR="6350" marT="6350" marB="0" anchor="ctr">
+                    <a:solidFill>
+                      <a:schemeClr val="accent1">
+                        <a:lumMod val="40000"/>
+                        <a:lumOff val="60000"/>
+                      </a:schemeClr>
+                    </a:solidFill>
+                  </a:tcPr>
+                </a:tc>
+                <a:tc>
+                  <a:txBody>
+                    <a:bodyPr/>
+                    <a:lstStyle/>
+                    <a:p>
+                      <a:pPr algn="ctr" fontAlgn="ctr"/>
+                      <a:r>
+                        <a:rPr lang="en-GB" sz="1200" u="none" strike="noStrike">
+                          <a:effectLst/>
+                        </a:rPr>
+                        <a:t>Europe</a:t>
+                      </a:r>
+                      <a:endParaRPr lang="en-GB" sz="1200" b="0" i="0" u="none" strike="noStrike">
+                        <a:solidFill>
+                          <a:srgbClr val="000000"/>
+                        </a:solidFill>
+                        <a:effectLst/>
+                        <a:latin typeface="Arial"/>
+                      </a:endParaRPr>
+                    </a:p>
+                  </a:txBody>
+                  <a:tcPr marL="6350" marR="6350" marT="6350" marB="0" anchor="ctr">
+                    <a:solidFill>
+                      <a:schemeClr val="accent1">
+                        <a:lumMod val="40000"/>
+                        <a:lumOff val="60000"/>
+                      </a:schemeClr>
+                    </a:solidFill>
+                  </a:tcPr>
+                </a:tc>
+                <a:tc>
+                  <a:txBody>
+                    <a:bodyPr/>
+                    <a:lstStyle/>
+                    <a:p>
+                      <a:pPr algn="ctr" fontAlgn="ctr"/>
+                      <a:r>
+                        <a:rPr lang="en-GB" sz="1200" u="none" strike="noStrike" dirty="0">
+                          <a:effectLst/>
+                        </a:rPr>
+                        <a:t>2300</a:t>
+                      </a:r>
+                      <a:endParaRPr lang="en-GB" sz="1200" b="0" i="0" u="none" strike="noStrike" dirty="0">
+                        <a:solidFill>
+                          <a:srgbClr val="000000"/>
+                        </a:solidFill>
+                        <a:effectLst/>
+                        <a:latin typeface="Arial"/>
+                      </a:endParaRPr>
+                    </a:p>
+                  </a:txBody>
+                  <a:tcPr marL="6350" marR="6350" marT="6350" marB="0" anchor="ctr">
+                    <a:solidFill>
+                      <a:schemeClr val="accent1">
+                        <a:lumMod val="40000"/>
+                        <a:lumOff val="60000"/>
+                      </a:schemeClr>
+                    </a:solidFill>
+                  </a:tcPr>
+                </a:tc>
+                <a:tc>
+                  <a:txBody>
+                    <a:bodyPr/>
+                    <a:lstStyle/>
+                    <a:p>
+                      <a:pPr algn="ctr" fontAlgn="ctr"/>
+                      <a:r>
+                        <a:rPr lang="en-GB" sz="1200" u="none" strike="noStrike" dirty="0">
+                          <a:effectLst/>
+                        </a:rPr>
+                        <a:t>13,1</a:t>
+                      </a:r>
+                      <a:endParaRPr lang="en-GB" sz="1200" b="0" i="0" u="none" strike="noStrike" dirty="0">
+                        <a:solidFill>
+                          <a:srgbClr val="000000"/>
+                        </a:solidFill>
+                        <a:effectLst/>
+                        <a:latin typeface="Arial"/>
+                      </a:endParaRPr>
+                    </a:p>
+                  </a:txBody>
+                  <a:tcPr marL="6350" marR="6350" marT="6350" marB="0" anchor="ctr">
+                    <a:solidFill>
+                      <a:schemeClr val="accent1">
+                        <a:lumMod val="40000"/>
+                        <a:lumOff val="60000"/>
+                      </a:schemeClr>
+                    </a:solidFill>
+                  </a:tcPr>
+                </a:tc>
+              </a:tr>
+              <a:tr h="278698">
+                <a:tc>
+                  <a:txBody>
+                    <a:bodyPr/>
+                    <a:lstStyle/>
+                    <a:p>
+                      <a:pPr algn="ctr" fontAlgn="ctr"/>
+                      <a:r>
+                        <a:rPr lang="en-GB" sz="1200" u="none" strike="noStrike" dirty="0">
+                          <a:effectLst/>
+                        </a:rPr>
+                        <a:t>Progress</a:t>
+                      </a:r>
+                      <a:endParaRPr lang="en-GB" sz="1200" b="0" i="0" u="none" strike="noStrike" dirty="0">
+                        <a:solidFill>
+                          <a:srgbClr val="000000"/>
+                        </a:solidFill>
+                        <a:effectLst/>
+                        <a:latin typeface="Arial"/>
+                      </a:endParaRPr>
+                    </a:p>
+                  </a:txBody>
+                  <a:tcPr marL="6350" marR="6350" marT="6350" marB="0" anchor="ctr">
+                    <a:solidFill>
+                      <a:schemeClr val="accent1">
+                        <a:lumMod val="40000"/>
+                        <a:lumOff val="60000"/>
+                      </a:schemeClr>
+                    </a:solidFill>
+                  </a:tcPr>
+                </a:tc>
+                <a:tc>
+                  <a:txBody>
+                    <a:bodyPr/>
+                    <a:lstStyle/>
+                    <a:p>
+                      <a:pPr algn="ctr" fontAlgn="ctr"/>
+                      <a:r>
+                        <a:rPr lang="en-GB" sz="1200" u="none" strike="noStrike">
+                          <a:effectLst/>
+                        </a:rPr>
+                        <a:t>Russia</a:t>
+                      </a:r>
+                      <a:endParaRPr lang="en-GB" sz="1200" b="0" i="0" u="none" strike="noStrike">
+                        <a:solidFill>
+                          <a:srgbClr val="000000"/>
+                        </a:solidFill>
+                        <a:effectLst/>
+                        <a:latin typeface="Arial"/>
+                      </a:endParaRPr>
+                    </a:p>
+                  </a:txBody>
+                  <a:tcPr marL="6350" marR="6350" marT="6350" marB="0" anchor="ctr">
+                    <a:solidFill>
+                      <a:schemeClr val="accent1">
+                        <a:lumMod val="40000"/>
+                        <a:lumOff val="60000"/>
+                      </a:schemeClr>
+                    </a:solidFill>
+                  </a:tcPr>
+                </a:tc>
+                <a:tc>
+                  <a:txBody>
+                    <a:bodyPr/>
+                    <a:lstStyle/>
+                    <a:p>
+                      <a:pPr algn="ctr" fontAlgn="ctr"/>
+                      <a:r>
+                        <a:rPr lang="en-GB" sz="1200" u="none" strike="noStrike" dirty="0">
+                          <a:effectLst/>
+                        </a:rPr>
+                        <a:t>2400</a:t>
+                      </a:r>
+                      <a:endParaRPr lang="en-GB" sz="1200" b="0" i="0" u="none" strike="noStrike" dirty="0">
+                        <a:solidFill>
+                          <a:srgbClr val="000000"/>
+                        </a:solidFill>
+                        <a:effectLst/>
+                        <a:latin typeface="Arial"/>
+                      </a:endParaRPr>
+                    </a:p>
+                  </a:txBody>
+                  <a:tcPr marL="6350" marR="6350" marT="6350" marB="0" anchor="ctr">
+                    <a:solidFill>
+                      <a:schemeClr val="accent1">
+                        <a:lumMod val="40000"/>
+                        <a:lumOff val="60000"/>
+                      </a:schemeClr>
+                    </a:solidFill>
+                  </a:tcPr>
+                </a:tc>
+                <a:tc>
+                  <a:txBody>
+                    <a:bodyPr/>
+                    <a:lstStyle/>
+                    <a:p>
+                      <a:pPr algn="ctr" fontAlgn="ctr"/>
+                      <a:r>
+                        <a:rPr lang="en-GB" sz="1200" u="none" strike="noStrike" dirty="0">
+                          <a:effectLst/>
+                        </a:rPr>
+                        <a:t>7,6</a:t>
+                      </a:r>
+                      <a:endParaRPr lang="en-GB" sz="1200" b="0" i="0" u="none" strike="noStrike" dirty="0">
+                        <a:solidFill>
+                          <a:srgbClr val="000000"/>
+                        </a:solidFill>
+                        <a:effectLst/>
+                        <a:latin typeface="Arial"/>
+                      </a:endParaRPr>
+                    </a:p>
+                  </a:txBody>
+                  <a:tcPr marL="6350" marR="6350" marT="6350" marB="0" anchor="ctr">
+                    <a:solidFill>
+                      <a:schemeClr val="accent1">
+                        <a:lumMod val="40000"/>
+                        <a:lumOff val="60000"/>
+                      </a:schemeClr>
+                    </a:solidFill>
+                  </a:tcPr>
+                </a:tc>
+              </a:tr>
+              <a:tr h="305668">
+                <a:tc>
+                  <a:txBody>
+                    <a:bodyPr/>
+                    <a:lstStyle/>
+                    <a:p>
+                      <a:pPr algn="ctr" fontAlgn="ctr"/>
+                      <a:r>
+                        <a:rPr lang="en-GB" sz="1200" u="none" strike="noStrike" dirty="0" err="1">
+                          <a:effectLst/>
+                        </a:rPr>
+                        <a:t>Kounotori</a:t>
+                      </a:r>
+                      <a:endParaRPr lang="en-GB" sz="1200" b="0" i="0" u="none" strike="noStrike" dirty="0">
+                        <a:solidFill>
+                          <a:srgbClr val="000000"/>
+                        </a:solidFill>
+                        <a:effectLst/>
+                        <a:latin typeface="Arial"/>
+                      </a:endParaRPr>
+                    </a:p>
+                  </a:txBody>
+                  <a:tcPr marL="6350" marR="6350" marT="6350" marB="0" anchor="ctr">
+                    <a:solidFill>
+                      <a:schemeClr val="accent1">
+                        <a:lumMod val="40000"/>
+                        <a:lumOff val="60000"/>
+                      </a:schemeClr>
+                    </a:solidFill>
+                  </a:tcPr>
+                </a:tc>
+                <a:tc>
+                  <a:txBody>
+                    <a:bodyPr/>
+                    <a:lstStyle/>
+                    <a:p>
+                      <a:pPr algn="ctr" fontAlgn="ctr"/>
+                      <a:r>
+                        <a:rPr lang="en-GB" sz="1200" u="none" strike="noStrike" dirty="0" smtClean="0">
+                          <a:effectLst/>
+                        </a:rPr>
+                        <a:t>Japan</a:t>
+                      </a:r>
+                    </a:p>
+                  </a:txBody>
+                  <a:tcPr marL="6350" marR="6350" marT="6350" marB="0" anchor="ctr">
+                    <a:solidFill>
+                      <a:schemeClr val="accent1">
+                        <a:lumMod val="40000"/>
+                        <a:lumOff val="60000"/>
+                      </a:schemeClr>
+                    </a:solidFill>
+                  </a:tcPr>
+                </a:tc>
+                <a:tc>
+                  <a:txBody>
+                    <a:bodyPr/>
+                    <a:lstStyle/>
+                    <a:p>
+                      <a:pPr algn="ctr" fontAlgn="ctr"/>
+                      <a:r>
+                        <a:rPr lang="en-GB" sz="1200" u="none" strike="noStrike" dirty="0">
+                          <a:effectLst/>
+                        </a:rPr>
+                        <a:t>5200</a:t>
+                      </a:r>
+                      <a:endParaRPr lang="en-GB" sz="1200" b="0" i="0" u="none" strike="noStrike" dirty="0">
+                        <a:solidFill>
+                          <a:srgbClr val="000000"/>
+                        </a:solidFill>
+                        <a:effectLst/>
+                        <a:latin typeface="Arial"/>
+                      </a:endParaRPr>
+                    </a:p>
+                  </a:txBody>
+                  <a:tcPr marL="6350" marR="6350" marT="6350" marB="0" anchor="ctr">
+                    <a:solidFill>
+                      <a:schemeClr val="accent1">
+                        <a:lumMod val="40000"/>
+                        <a:lumOff val="60000"/>
+                      </a:schemeClr>
+                    </a:solidFill>
+                  </a:tcPr>
+                </a:tc>
+                <a:tc>
+                  <a:txBody>
+                    <a:bodyPr/>
+                    <a:lstStyle/>
+                    <a:p>
+                      <a:pPr algn="ctr" fontAlgn="ctr"/>
+                      <a:r>
+                        <a:rPr lang="en-GB" sz="1200" u="none" strike="noStrike" dirty="0">
+                          <a:effectLst/>
+                        </a:rPr>
+                        <a:t>14</a:t>
+                      </a:r>
+                      <a:endParaRPr lang="en-GB" sz="1200" b="0" i="0" u="none" strike="noStrike" dirty="0">
+                        <a:solidFill>
+                          <a:srgbClr val="000000"/>
+                        </a:solidFill>
+                        <a:effectLst/>
+                        <a:latin typeface="Arial"/>
+                      </a:endParaRPr>
+                    </a:p>
+                  </a:txBody>
+                  <a:tcPr marL="6350" marR="6350" marT="6350" marB="0" anchor="ctr">
+                    <a:solidFill>
+                      <a:schemeClr val="accent1">
+                        <a:lumMod val="40000"/>
+                        <a:lumOff val="60000"/>
+                      </a:schemeClr>
+                    </a:solidFill>
+                  </a:tcPr>
+                </a:tc>
+              </a:tr>
+            </a:tbl>
+          </a:graphicData>
+        </a:graphic>
+      </p:graphicFrame>
+    </p:spTree>
+    <p:extLst>
+      <p:ext uri="{BB962C8B-B14F-4D97-AF65-F5344CB8AC3E}">
+        <p14:creationId xmlns:p14="http://schemas.microsoft.com/office/powerpoint/2010/main" val="3548123564"/>
+      </p:ext>
+    </p:extLst>
+  </p:cSld>
+  <p:clrMapOvr>
+    <a:masterClrMapping/>
+  </p:clrMapOvr>
+</p:sld>
+</file>
+
+<file path=ppt/slides/slide6.xml><?xml version="1.0" encoding="utf-8"?>
 <p:sld xmlns:a="http://schemas.openxmlformats.org/drawingml/2006/main" xmlns:r="http://schemas.openxmlformats.org/officeDocument/2006/relationships" xmlns:p="http://schemas.openxmlformats.org/presentationml/2006/main">
   <p:cSld>
     <p:spTree>
@@ -4019,2857 +7578,7 @@
   <p:timing>
     <p:tnLst>
       <p:par>
-        <p:cTn id="1" dur="indefinite" restart="never" nodeType="tmRoot"/>
-      </p:par>
-    </p:tnLst>
-  </p:timing>
-</p:sld>
-</file>
-
-<file path=ppt/slides/slide2.xml><?xml version="1.0" encoding="utf-8"?>
-<p:sld xmlns:a="http://schemas.openxmlformats.org/drawingml/2006/main" xmlns:r="http://schemas.openxmlformats.org/officeDocument/2006/relationships" xmlns:p="http://schemas.openxmlformats.org/presentationml/2006/main">
-  <p:cSld>
-    <p:spTree>
-      <p:nvGrpSpPr>
-        <p:cNvPr id="1" name=""/>
-        <p:cNvGrpSpPr/>
-        <p:nvPr/>
-      </p:nvGrpSpPr>
-      <p:grpSpPr>
-        <a:xfrm>
-          <a:off x="0" y="0"/>
-          <a:ext cx="0" cy="0"/>
-          <a:chOff x="0" y="0"/>
-          <a:chExt cx="0" cy="0"/>
-        </a:xfrm>
-      </p:grpSpPr>
-      <p:sp>
-        <p:nvSpPr>
-          <p:cNvPr id="2" name="Titel 1"/>
-          <p:cNvSpPr>
-            <a:spLocks noGrp="1"/>
-          </p:cNvSpPr>
-          <p:nvPr>
-            <p:ph type="title"/>
-          </p:nvPr>
-        </p:nvSpPr>
-        <p:spPr/>
-        <p:txBody>
-          <a:bodyPr>
-            <a:normAutofit/>
-          </a:bodyPr>
-          <a:lstStyle/>
-          <a:p>
-            <a:r>
-              <a:rPr lang="nl-NL" sz="3600" b="1" dirty="0" smtClean="0"/>
-              <a:t>Opzet presentatie</a:t>
-            </a:r>
-            <a:endParaRPr lang="en-GB" sz="3600" b="1" dirty="0"/>
-          </a:p>
-        </p:txBody>
-      </p:sp>
-      <p:sp>
-        <p:nvSpPr>
-          <p:cNvPr id="3" name="Tijdelijke aanduiding voor inhoud 2"/>
-          <p:cNvSpPr>
-            <a:spLocks noGrp="1"/>
-          </p:cNvSpPr>
-          <p:nvPr>
-            <p:ph idx="1"/>
-          </p:nvPr>
-        </p:nvSpPr>
-        <p:spPr/>
-        <p:txBody>
-          <a:bodyPr>
-            <a:normAutofit/>
-          </a:bodyPr>
-          <a:lstStyle/>
-          <a:p>
-            <a:r>
-              <a:rPr lang="nl-NL" sz="2400" dirty="0" smtClean="0"/>
-              <a:t>Uitleg van de case</a:t>
-            </a:r>
-          </a:p>
-          <a:p>
-            <a:r>
-              <a:rPr lang="nl-NL" sz="2400" dirty="0" smtClean="0"/>
-              <a:t>Uitleg scorefunctie</a:t>
-            </a:r>
-          </a:p>
-          <a:p>
-            <a:r>
-              <a:rPr lang="nl-NL" sz="2400" dirty="0" smtClean="0"/>
-              <a:t>Gebruikte </a:t>
-            </a:r>
-            <a:r>
-              <a:rPr lang="nl-NL" sz="2400" dirty="0" smtClean="0"/>
-              <a:t>algoritmes (</a:t>
-            </a:r>
-            <a:r>
-              <a:rPr lang="nl-NL" sz="2400" dirty="0" err="1" smtClean="0"/>
-              <a:t>hillclimbing</a:t>
-            </a:r>
-            <a:r>
-              <a:rPr lang="nl-NL" sz="2400" dirty="0" smtClean="0"/>
-              <a:t> en SA)</a:t>
-            </a:r>
-          </a:p>
-          <a:p>
-            <a:r>
-              <a:rPr lang="nl-NL" sz="2400" dirty="0" smtClean="0"/>
-              <a:t>Lokaal minimum</a:t>
-            </a:r>
-            <a:endParaRPr lang="nl-NL" sz="2400" dirty="0" smtClean="0"/>
-          </a:p>
-          <a:p>
-            <a:r>
-              <a:rPr lang="nl-NL" sz="2400" dirty="0" smtClean="0"/>
-              <a:t>Onderdeel </a:t>
-            </a:r>
-            <a:r>
-              <a:rPr lang="nl-NL" sz="2400" dirty="0" smtClean="0"/>
-              <a:t>d</a:t>
-            </a:r>
-            <a:endParaRPr lang="nl-NL" sz="2400" dirty="0" smtClean="0"/>
-          </a:p>
-          <a:p>
-            <a:endParaRPr lang="nl-NL" sz="2400" dirty="0" smtClean="0"/>
-          </a:p>
-        </p:txBody>
-      </p:sp>
-      <p:pic>
-        <p:nvPicPr>
-          <p:cNvPr id="2050" name="Picture 2" descr="Afbeeldingsresultaat voor iss"/>
-          <p:cNvPicPr>
-            <a:picLocks noChangeAspect="1" noChangeArrowheads="1"/>
-          </p:cNvPicPr>
-          <p:nvPr/>
-        </p:nvPicPr>
-        <p:blipFill>
-          <a:blip r:embed="rId2">
-            <a:extLst>
-              <a:ext uri="{28A0092B-C50C-407E-A947-70E740481C1C}">
-                <a14:useLocalDpi xmlns:a14="http://schemas.microsoft.com/office/drawing/2010/main" val="0"/>
-              </a:ext>
-            </a:extLst>
-          </a:blip>
-          <a:srcRect/>
-          <a:stretch>
-            <a:fillRect/>
-          </a:stretch>
-        </p:blipFill>
-        <p:spPr bwMode="auto">
-          <a:xfrm>
-            <a:off x="3851920" y="3789040"/>
-            <a:ext cx="4593094" cy="2631460"/>
-          </a:xfrm>
-          <a:prstGeom prst="rect">
-            <a:avLst/>
-          </a:prstGeom>
-          <a:noFill/>
-          <a:extLst>
-            <a:ext uri="{909E8E84-426E-40DD-AFC4-6F175D3DCCD1}">
-              <a14:hiddenFill xmlns:a14="http://schemas.microsoft.com/office/drawing/2010/main">
-                <a:solidFill>
-                  <a:srgbClr val="FFFFFF"/>
-                </a:solidFill>
-              </a14:hiddenFill>
-            </a:ext>
-          </a:extLst>
-        </p:spPr>
-      </p:pic>
-    </p:spTree>
-    <p:extLst>
-      <p:ext uri="{BB962C8B-B14F-4D97-AF65-F5344CB8AC3E}">
-        <p14:creationId xmlns:p14="http://schemas.microsoft.com/office/powerpoint/2010/main" val="1493247762"/>
-      </p:ext>
-    </p:extLst>
-  </p:cSld>
-  <p:clrMapOvr>
-    <a:masterClrMapping/>
-  </p:clrMapOvr>
-  <p:timing>
-    <p:tnLst>
-      <p:par>
-        <p:cTn id="1" dur="indefinite" restart="never" nodeType="tmRoot"/>
-      </p:par>
-    </p:tnLst>
-  </p:timing>
-</p:sld>
-</file>
-
-<file path=ppt/slides/slide3.xml><?xml version="1.0" encoding="utf-8"?>
-<p:sld xmlns:a="http://schemas.openxmlformats.org/drawingml/2006/main" xmlns:r="http://schemas.openxmlformats.org/officeDocument/2006/relationships" xmlns:p="http://schemas.openxmlformats.org/presentationml/2006/main">
-  <p:cSld>
-    <p:spTree>
-      <p:nvGrpSpPr>
-        <p:cNvPr id="1" name=""/>
-        <p:cNvGrpSpPr/>
-        <p:nvPr/>
-      </p:nvGrpSpPr>
-      <p:grpSpPr>
-        <a:xfrm>
-          <a:off x="0" y="0"/>
-          <a:ext cx="0" cy="0"/>
-          <a:chOff x="0" y="0"/>
-          <a:chExt cx="0" cy="0"/>
-        </a:xfrm>
-      </p:grpSpPr>
-      <p:sp>
-        <p:nvSpPr>
-          <p:cNvPr id="2" name="Titel 1"/>
-          <p:cNvSpPr>
-            <a:spLocks noGrp="1"/>
-          </p:cNvSpPr>
-          <p:nvPr>
-            <p:ph type="title"/>
-          </p:nvPr>
-        </p:nvSpPr>
-        <p:spPr/>
-        <p:txBody>
-          <a:bodyPr>
-            <a:normAutofit fontScale="90000"/>
-          </a:bodyPr>
-          <a:lstStyle/>
-          <a:p>
-            <a:r>
-              <a:rPr lang="nl-NL" sz="4000" b="1" dirty="0" smtClean="0"/>
-              <a:t/>
-            </a:r>
-            <a:br>
-              <a:rPr lang="nl-NL" sz="4000" b="1" dirty="0" smtClean="0"/>
-            </a:br>
-            <a:r>
-              <a:rPr lang="nl-NL" sz="4000" b="1" dirty="0"/>
-              <a:t/>
-            </a:r>
-            <a:br>
-              <a:rPr lang="nl-NL" sz="4000" b="1" dirty="0"/>
-            </a:br>
-            <a:r>
-              <a:rPr lang="nl-NL" sz="4000" b="1" dirty="0" smtClean="0"/>
-              <a:t>Uitleg Case</a:t>
-            </a:r>
-            <a:r>
-              <a:rPr lang="nl-NL" dirty="0" smtClean="0"/>
-              <a:t/>
-            </a:r>
-            <a:br>
-              <a:rPr lang="nl-NL" dirty="0" smtClean="0"/>
-            </a:br>
-            <a:r>
-              <a:rPr lang="nl-NL" sz="2400" dirty="0" smtClean="0"/>
-              <a:t>Hoe kan de cargo optimaal verdeeld worden over de vier </a:t>
-            </a:r>
-            <a:r>
-              <a:rPr lang="nl-NL" sz="2400" dirty="0" err="1" smtClean="0"/>
-              <a:t>spacecrafts</a:t>
-            </a:r>
-            <a:r>
-              <a:rPr lang="nl-NL" sz="2400" dirty="0" smtClean="0"/>
-              <a:t>, dat wil zeggen zodat alles/ zoveel mogelijk meekan? </a:t>
-            </a:r>
-            <a:endParaRPr lang="en-GB" dirty="0"/>
-          </a:p>
-        </p:txBody>
-      </p:sp>
-      <p:pic>
-        <p:nvPicPr>
-          <p:cNvPr id="3076" name="Picture 4" descr="Afbeeldingsresultaat voor suitcase packing problem"/>
-          <p:cNvPicPr>
-            <a:picLocks noChangeAspect="1" noChangeArrowheads="1"/>
-          </p:cNvPicPr>
-          <p:nvPr/>
-        </p:nvPicPr>
-        <p:blipFill>
-          <a:blip r:embed="rId2">
-            <a:extLst>
-              <a:ext uri="{28A0092B-C50C-407E-A947-70E740481C1C}">
-                <a14:useLocalDpi xmlns:a14="http://schemas.microsoft.com/office/drawing/2010/main" val="0"/>
-              </a:ext>
-            </a:extLst>
-          </a:blip>
-          <a:srcRect/>
-          <a:stretch>
-            <a:fillRect/>
-          </a:stretch>
-        </p:blipFill>
-        <p:spPr bwMode="auto">
-          <a:xfrm>
-            <a:off x="2568635" y="3914659"/>
-            <a:ext cx="4091597" cy="2291295"/>
-          </a:xfrm>
-          <a:prstGeom prst="rect">
-            <a:avLst/>
-          </a:prstGeom>
-          <a:noFill/>
-          <a:extLst>
-            <a:ext uri="{909E8E84-426E-40DD-AFC4-6F175D3DCCD1}">
-              <a14:hiddenFill xmlns:a14="http://schemas.microsoft.com/office/drawing/2010/main">
-                <a:solidFill>
-                  <a:srgbClr val="FFFFFF"/>
-                </a:solidFill>
-              </a14:hiddenFill>
-            </a:ext>
-          </a:extLst>
-        </p:spPr>
-      </p:pic>
-      <p:sp>
-        <p:nvSpPr>
-          <p:cNvPr id="5" name="Tekstvak 4"/>
-          <p:cNvSpPr txBox="1"/>
-          <p:nvPr/>
-        </p:nvSpPr>
-        <p:spPr>
-          <a:xfrm>
-            <a:off x="2771800" y="6300028"/>
-            <a:ext cx="3672408" cy="369332"/>
-          </a:xfrm>
-          <a:prstGeom prst="rect">
-            <a:avLst/>
-          </a:prstGeom>
-          <a:noFill/>
-        </p:spPr>
-        <p:txBody>
-          <a:bodyPr wrap="square" rtlCol="0">
-            <a:spAutoFit/>
-          </a:bodyPr>
-          <a:lstStyle/>
-          <a:p>
-            <a:pPr algn="ctr"/>
-            <a:r>
-              <a:rPr lang="nl-NL" dirty="0" smtClean="0"/>
-              <a:t>Opmerking: niet alles kan mee</a:t>
-            </a:r>
-            <a:endParaRPr lang="en-GB" dirty="0"/>
-          </a:p>
-        </p:txBody>
-      </p:sp>
-      <p:graphicFrame>
-        <p:nvGraphicFramePr>
-          <p:cNvPr id="7" name="Tabel 6"/>
-          <p:cNvGraphicFramePr>
-            <a:graphicFrameLocks noGrp="1"/>
-          </p:cNvGraphicFramePr>
-          <p:nvPr>
-            <p:extLst/>
-          </p:nvPr>
-        </p:nvGraphicFramePr>
-        <p:xfrm>
-          <a:off x="2012155" y="2204864"/>
-          <a:ext cx="5080125" cy="1368151"/>
-        </p:xfrm>
-        <a:graphic>
-          <a:graphicData uri="http://schemas.openxmlformats.org/drawingml/2006/table">
-            <a:tbl>
-              <a:tblPr>
-                <a:tableStyleId>{5C22544A-7EE6-4342-B048-85BDC9FD1C3A}</a:tableStyleId>
-              </a:tblPr>
-              <a:tblGrid>
-                <a:gridCol w="928482"/>
-                <a:gridCol w="636674"/>
-                <a:gridCol w="2241621"/>
-                <a:gridCol w="636674"/>
-                <a:gridCol w="636674"/>
-              </a:tblGrid>
-              <a:tr h="441339">
-                <a:tc>
-                  <a:txBody>
-                    <a:bodyPr/>
-                    <a:lstStyle/>
-                    <a:p>
-                      <a:pPr algn="ctr" fontAlgn="ctr"/>
-                      <a:r>
-                        <a:rPr lang="en-GB" sz="1100" b="1" u="none" strike="noStrike" dirty="0">
-                          <a:effectLst/>
-                        </a:rPr>
-                        <a:t>Spacecraft</a:t>
-                      </a:r>
-                      <a:endParaRPr lang="en-GB" sz="1100" b="1" i="0" u="none" strike="noStrike" dirty="0">
-                        <a:solidFill>
-                          <a:srgbClr val="000000"/>
-                        </a:solidFill>
-                        <a:effectLst/>
-                        <a:latin typeface="Arial"/>
-                      </a:endParaRPr>
-                    </a:p>
-                  </a:txBody>
-                  <a:tcPr marL="6350" marR="6350" marT="6350" marB="0" anchor="ctr"/>
-                </a:tc>
-                <a:tc>
-                  <a:txBody>
-                    <a:bodyPr/>
-                    <a:lstStyle/>
-                    <a:p>
-                      <a:pPr algn="ctr" fontAlgn="ctr"/>
-                      <a:r>
-                        <a:rPr lang="en-GB" sz="1100" b="1" u="none" strike="noStrike" dirty="0">
-                          <a:effectLst/>
-                        </a:rPr>
-                        <a:t>Land</a:t>
-                      </a:r>
-                      <a:endParaRPr lang="en-GB" sz="1100" b="1" i="0" u="none" strike="noStrike" dirty="0">
-                        <a:solidFill>
-                          <a:srgbClr val="000000"/>
-                        </a:solidFill>
-                        <a:effectLst/>
-                        <a:latin typeface="Arial"/>
-                      </a:endParaRPr>
-                    </a:p>
-                  </a:txBody>
-                  <a:tcPr marL="6350" marR="6350" marT="6350" marB="0" anchor="ctr"/>
-                </a:tc>
-                <a:tc>
-                  <a:txBody>
-                    <a:bodyPr/>
-                    <a:lstStyle/>
-                    <a:p>
-                      <a:pPr algn="ctr" fontAlgn="ctr"/>
-                      <a:r>
-                        <a:rPr lang="en-GB" sz="1100" b="1" u="none" strike="noStrike" dirty="0" err="1">
-                          <a:effectLst/>
-                        </a:rPr>
-                        <a:t>Organisatie</a:t>
-                      </a:r>
-                      <a:endParaRPr lang="en-GB" sz="1100" b="1" i="0" u="none" strike="noStrike" dirty="0">
-                        <a:solidFill>
-                          <a:srgbClr val="000000"/>
-                        </a:solidFill>
-                        <a:effectLst/>
-                        <a:latin typeface="Arial"/>
-                      </a:endParaRPr>
-                    </a:p>
-                  </a:txBody>
-                  <a:tcPr marL="6350" marR="6350" marT="6350" marB="0" anchor="ctr"/>
-                </a:tc>
-                <a:tc>
-                  <a:txBody>
-                    <a:bodyPr/>
-                    <a:lstStyle/>
-                    <a:p>
-                      <a:pPr algn="ctr" fontAlgn="ctr"/>
-                      <a:r>
-                        <a:rPr lang="en-GB" sz="1100" b="1" u="none" strike="noStrike" dirty="0">
-                          <a:effectLst/>
-                        </a:rPr>
-                        <a:t>Payload (</a:t>
-                      </a:r>
-                      <a:r>
-                        <a:rPr lang="en-GB" sz="1100" b="1" u="none" strike="noStrike" dirty="0" err="1">
-                          <a:effectLst/>
-                        </a:rPr>
-                        <a:t>kgs</a:t>
-                      </a:r>
-                      <a:r>
-                        <a:rPr lang="en-GB" sz="1100" b="1" u="none" strike="noStrike" dirty="0">
-                          <a:effectLst/>
-                        </a:rPr>
-                        <a:t>)</a:t>
-                      </a:r>
-                      <a:endParaRPr lang="en-GB" sz="1100" b="1" i="0" u="none" strike="noStrike" dirty="0">
-                        <a:solidFill>
-                          <a:srgbClr val="000000"/>
-                        </a:solidFill>
-                        <a:effectLst/>
-                        <a:latin typeface="Arial"/>
-                      </a:endParaRPr>
-                    </a:p>
-                  </a:txBody>
-                  <a:tcPr marL="6350" marR="6350" marT="6350" marB="0" anchor="ctr"/>
-                </a:tc>
-                <a:tc>
-                  <a:txBody>
-                    <a:bodyPr/>
-                    <a:lstStyle/>
-                    <a:p>
-                      <a:pPr algn="ctr" fontAlgn="ctr"/>
-                      <a:r>
-                        <a:rPr lang="en-GB" sz="1100" b="1" u="none" strike="noStrike" dirty="0">
-                          <a:effectLst/>
-                        </a:rPr>
-                        <a:t>Payload (m</a:t>
-                      </a:r>
-                      <a:r>
-                        <a:rPr lang="en-GB" sz="1100" b="1" u="none" strike="noStrike" baseline="30000" dirty="0">
-                          <a:effectLst/>
-                        </a:rPr>
-                        <a:t>3</a:t>
-                      </a:r>
-                      <a:r>
-                        <a:rPr lang="en-GB" sz="1100" b="1" u="none" strike="noStrike" dirty="0">
-                          <a:effectLst/>
-                        </a:rPr>
-                        <a:t>)</a:t>
-                      </a:r>
-                      <a:endParaRPr lang="en-GB" sz="1100" b="1" i="0" u="none" strike="noStrike" dirty="0">
-                        <a:solidFill>
-                          <a:srgbClr val="000000"/>
-                        </a:solidFill>
-                        <a:effectLst/>
-                        <a:latin typeface="Arial"/>
-                      </a:endParaRPr>
-                    </a:p>
-                  </a:txBody>
-                  <a:tcPr marL="6350" marR="6350" marT="6350" marB="0" anchor="ctr"/>
-                </a:tc>
-              </a:tr>
-              <a:tr h="213314">
-                <a:tc>
-                  <a:txBody>
-                    <a:bodyPr/>
-                    <a:lstStyle/>
-                    <a:p>
-                      <a:pPr algn="l" fontAlgn="ctr"/>
-                      <a:r>
-                        <a:rPr lang="en-GB" sz="1100" u="none" strike="noStrike">
-                          <a:effectLst/>
-                        </a:rPr>
-                        <a:t>Cygnus</a:t>
-                      </a:r>
-                      <a:endParaRPr lang="en-GB" sz="1100" b="0" i="0" u="none" strike="noStrike">
-                        <a:solidFill>
-                          <a:srgbClr val="000000"/>
-                        </a:solidFill>
-                        <a:effectLst/>
-                        <a:latin typeface="Arial"/>
-                      </a:endParaRPr>
-                    </a:p>
-                  </a:txBody>
-                  <a:tcPr marL="6350" marR="6350" marT="6350" marB="0" anchor="ctr"/>
-                </a:tc>
-                <a:tc>
-                  <a:txBody>
-                    <a:bodyPr/>
-                    <a:lstStyle/>
-                    <a:p>
-                      <a:pPr algn="l" fontAlgn="ctr"/>
-                      <a:r>
-                        <a:rPr lang="en-GB" sz="1100" u="none" strike="noStrike">
-                          <a:effectLst/>
-                        </a:rPr>
-                        <a:t>USA</a:t>
-                      </a:r>
-                      <a:endParaRPr lang="en-GB" sz="1100" b="0" i="0" u="none" strike="noStrike">
-                        <a:solidFill>
-                          <a:srgbClr val="000000"/>
-                        </a:solidFill>
-                        <a:effectLst/>
-                        <a:latin typeface="Arial"/>
-                      </a:endParaRPr>
-                    </a:p>
-                  </a:txBody>
-                  <a:tcPr marL="6350" marR="6350" marT="6350" marB="0" anchor="ctr"/>
-                </a:tc>
-                <a:tc>
-                  <a:txBody>
-                    <a:bodyPr/>
-                    <a:lstStyle/>
-                    <a:p>
-                      <a:pPr algn="l" fontAlgn="ctr"/>
-                      <a:r>
-                        <a:rPr lang="en-GB" sz="1100" u="none" strike="noStrike" dirty="0">
-                          <a:effectLst/>
-                        </a:rPr>
-                        <a:t>Nasa</a:t>
-                      </a:r>
-                      <a:endParaRPr lang="en-GB" sz="1100" b="0" i="0" u="none" strike="noStrike" dirty="0">
-                        <a:solidFill>
-                          <a:srgbClr val="000000"/>
-                        </a:solidFill>
-                        <a:effectLst/>
-                        <a:latin typeface="Arial"/>
-                      </a:endParaRPr>
-                    </a:p>
-                  </a:txBody>
-                  <a:tcPr marL="6350" marR="6350" marT="6350" marB="0" anchor="ctr"/>
-                </a:tc>
-                <a:tc>
-                  <a:txBody>
-                    <a:bodyPr/>
-                    <a:lstStyle/>
-                    <a:p>
-                      <a:pPr algn="r" fontAlgn="ctr"/>
-                      <a:r>
-                        <a:rPr lang="en-GB" sz="1100" u="none" strike="noStrike">
-                          <a:effectLst/>
-                        </a:rPr>
-                        <a:t>2000</a:t>
-                      </a:r>
-                      <a:endParaRPr lang="en-GB" sz="1100" b="0" i="0" u="none" strike="noStrike">
-                        <a:solidFill>
-                          <a:srgbClr val="000000"/>
-                        </a:solidFill>
-                        <a:effectLst/>
-                        <a:latin typeface="Arial"/>
-                      </a:endParaRPr>
-                    </a:p>
-                  </a:txBody>
-                  <a:tcPr marL="6350" marR="6350" marT="6350" marB="0" anchor="ctr"/>
-                </a:tc>
-                <a:tc>
-                  <a:txBody>
-                    <a:bodyPr/>
-                    <a:lstStyle/>
-                    <a:p>
-                      <a:pPr algn="r" fontAlgn="ctr"/>
-                      <a:r>
-                        <a:rPr lang="en-GB" sz="1100" u="none" strike="noStrike">
-                          <a:effectLst/>
-                        </a:rPr>
-                        <a:t>18,9</a:t>
-                      </a:r>
-                      <a:endParaRPr lang="en-GB" sz="1100" b="0" i="0" u="none" strike="noStrike">
-                        <a:solidFill>
-                          <a:srgbClr val="000000"/>
-                        </a:solidFill>
-                        <a:effectLst/>
-                        <a:latin typeface="Arial"/>
-                      </a:endParaRPr>
-                    </a:p>
-                  </a:txBody>
-                  <a:tcPr marL="6350" marR="6350" marT="6350" marB="0" anchor="ctr"/>
-                </a:tc>
-              </a:tr>
-              <a:tr h="235381">
-                <a:tc>
-                  <a:txBody>
-                    <a:bodyPr/>
-                    <a:lstStyle/>
-                    <a:p>
-                      <a:pPr algn="l" fontAlgn="ctr"/>
-                      <a:r>
-                        <a:rPr lang="en-GB" sz="1100" u="none" strike="noStrike">
-                          <a:effectLst/>
-                        </a:rPr>
-                        <a:t>Verne ATV</a:t>
-                      </a:r>
-                      <a:endParaRPr lang="en-GB" sz="1100" b="0" i="0" u="none" strike="noStrike">
-                        <a:solidFill>
-                          <a:srgbClr val="000000"/>
-                        </a:solidFill>
-                        <a:effectLst/>
-                        <a:latin typeface="Arial"/>
-                      </a:endParaRPr>
-                    </a:p>
-                  </a:txBody>
-                  <a:tcPr marL="6350" marR="6350" marT="6350" marB="0" anchor="ctr"/>
-                </a:tc>
-                <a:tc>
-                  <a:txBody>
-                    <a:bodyPr/>
-                    <a:lstStyle/>
-                    <a:p>
-                      <a:pPr algn="l" fontAlgn="ctr"/>
-                      <a:r>
-                        <a:rPr lang="en-GB" sz="1100" u="none" strike="noStrike">
-                          <a:effectLst/>
-                        </a:rPr>
-                        <a:t>Europe</a:t>
-                      </a:r>
-                      <a:endParaRPr lang="en-GB" sz="1100" b="0" i="0" u="none" strike="noStrike">
-                        <a:solidFill>
-                          <a:srgbClr val="000000"/>
-                        </a:solidFill>
-                        <a:effectLst/>
-                        <a:latin typeface="Arial"/>
-                      </a:endParaRPr>
-                    </a:p>
-                  </a:txBody>
-                  <a:tcPr marL="6350" marR="6350" marT="6350" marB="0" anchor="ctr"/>
-                </a:tc>
-                <a:tc>
-                  <a:txBody>
-                    <a:bodyPr/>
-                    <a:lstStyle/>
-                    <a:p>
-                      <a:pPr algn="l" fontAlgn="ctr"/>
-                      <a:r>
-                        <a:rPr lang="en-GB" sz="1100" u="none" strike="noStrike" dirty="0">
-                          <a:effectLst/>
-                        </a:rPr>
-                        <a:t>ESA</a:t>
-                      </a:r>
-                      <a:endParaRPr lang="en-GB" sz="1100" b="0" i="0" u="none" strike="noStrike" dirty="0">
-                        <a:solidFill>
-                          <a:srgbClr val="000000"/>
-                        </a:solidFill>
-                        <a:effectLst/>
-                        <a:latin typeface="Arial"/>
-                      </a:endParaRPr>
-                    </a:p>
-                  </a:txBody>
-                  <a:tcPr marL="6350" marR="6350" marT="6350" marB="0" anchor="ctr"/>
-                </a:tc>
-                <a:tc>
-                  <a:txBody>
-                    <a:bodyPr/>
-                    <a:lstStyle/>
-                    <a:p>
-                      <a:pPr algn="r" fontAlgn="ctr"/>
-                      <a:r>
-                        <a:rPr lang="en-GB" sz="1100" u="none" strike="noStrike">
-                          <a:effectLst/>
-                        </a:rPr>
-                        <a:t>2300</a:t>
-                      </a:r>
-                      <a:endParaRPr lang="en-GB" sz="1100" b="0" i="0" u="none" strike="noStrike">
-                        <a:solidFill>
-                          <a:srgbClr val="000000"/>
-                        </a:solidFill>
-                        <a:effectLst/>
-                        <a:latin typeface="Arial"/>
-                      </a:endParaRPr>
-                    </a:p>
-                  </a:txBody>
-                  <a:tcPr marL="6350" marR="6350" marT="6350" marB="0" anchor="ctr"/>
-                </a:tc>
-                <a:tc>
-                  <a:txBody>
-                    <a:bodyPr/>
-                    <a:lstStyle/>
-                    <a:p>
-                      <a:pPr algn="r" fontAlgn="ctr"/>
-                      <a:r>
-                        <a:rPr lang="en-GB" sz="1100" u="none" strike="noStrike">
-                          <a:effectLst/>
-                        </a:rPr>
-                        <a:t>13,1</a:t>
-                      </a:r>
-                      <a:endParaRPr lang="en-GB" sz="1100" b="0" i="0" u="none" strike="noStrike">
-                        <a:solidFill>
-                          <a:srgbClr val="000000"/>
-                        </a:solidFill>
-                        <a:effectLst/>
-                        <a:latin typeface="Arial"/>
-                      </a:endParaRPr>
-                    </a:p>
-                  </a:txBody>
-                  <a:tcPr marL="6350" marR="6350" marT="6350" marB="0" anchor="ctr"/>
-                </a:tc>
-              </a:tr>
-              <a:tr h="228025">
-                <a:tc>
-                  <a:txBody>
-                    <a:bodyPr/>
-                    <a:lstStyle/>
-                    <a:p>
-                      <a:pPr algn="l" fontAlgn="ctr"/>
-                      <a:r>
-                        <a:rPr lang="en-GB" sz="1100" u="none" strike="noStrike" dirty="0">
-                          <a:effectLst/>
-                        </a:rPr>
-                        <a:t>Progress</a:t>
-                      </a:r>
-                      <a:endParaRPr lang="en-GB" sz="1100" b="0" i="0" u="none" strike="noStrike" dirty="0">
-                        <a:solidFill>
-                          <a:srgbClr val="000000"/>
-                        </a:solidFill>
-                        <a:effectLst/>
-                        <a:latin typeface="Arial"/>
-                      </a:endParaRPr>
-                    </a:p>
-                  </a:txBody>
-                  <a:tcPr marL="6350" marR="6350" marT="6350" marB="0" anchor="ctr"/>
-                </a:tc>
-                <a:tc>
-                  <a:txBody>
-                    <a:bodyPr/>
-                    <a:lstStyle/>
-                    <a:p>
-                      <a:pPr algn="l" fontAlgn="ctr"/>
-                      <a:r>
-                        <a:rPr lang="en-GB" sz="1100" u="none" strike="noStrike">
-                          <a:effectLst/>
-                        </a:rPr>
-                        <a:t>Russia</a:t>
-                      </a:r>
-                      <a:endParaRPr lang="en-GB" sz="1100" b="0" i="0" u="none" strike="noStrike">
-                        <a:solidFill>
-                          <a:srgbClr val="000000"/>
-                        </a:solidFill>
-                        <a:effectLst/>
-                        <a:latin typeface="Arial"/>
-                      </a:endParaRPr>
-                    </a:p>
-                  </a:txBody>
-                  <a:tcPr marL="6350" marR="6350" marT="6350" marB="0" anchor="ctr"/>
-                </a:tc>
-                <a:tc>
-                  <a:txBody>
-                    <a:bodyPr/>
-                    <a:lstStyle/>
-                    <a:p>
-                      <a:pPr algn="l" fontAlgn="ctr"/>
-                      <a:r>
-                        <a:rPr lang="en-GB" sz="1100" u="none" strike="noStrike">
-                          <a:effectLst/>
-                        </a:rPr>
-                        <a:t>Russian Federal Space Agency</a:t>
-                      </a:r>
-                      <a:endParaRPr lang="en-GB" sz="1100" b="0" i="0" u="none" strike="noStrike">
-                        <a:solidFill>
-                          <a:srgbClr val="000000"/>
-                        </a:solidFill>
-                        <a:effectLst/>
-                        <a:latin typeface="Arial"/>
-                      </a:endParaRPr>
-                    </a:p>
-                  </a:txBody>
-                  <a:tcPr marL="6350" marR="6350" marT="6350" marB="0" anchor="ctr"/>
-                </a:tc>
-                <a:tc>
-                  <a:txBody>
-                    <a:bodyPr/>
-                    <a:lstStyle/>
-                    <a:p>
-                      <a:pPr algn="r" fontAlgn="ctr"/>
-                      <a:r>
-                        <a:rPr lang="en-GB" sz="1100" u="none" strike="noStrike">
-                          <a:effectLst/>
-                        </a:rPr>
-                        <a:t>2400</a:t>
-                      </a:r>
-                      <a:endParaRPr lang="en-GB" sz="1100" b="0" i="0" u="none" strike="noStrike">
-                        <a:solidFill>
-                          <a:srgbClr val="000000"/>
-                        </a:solidFill>
-                        <a:effectLst/>
-                        <a:latin typeface="Arial"/>
-                      </a:endParaRPr>
-                    </a:p>
-                  </a:txBody>
-                  <a:tcPr marL="6350" marR="6350" marT="6350" marB="0" anchor="ctr"/>
-                </a:tc>
-                <a:tc>
-                  <a:txBody>
-                    <a:bodyPr/>
-                    <a:lstStyle/>
-                    <a:p>
-                      <a:pPr algn="r" fontAlgn="ctr"/>
-                      <a:r>
-                        <a:rPr lang="en-GB" sz="1100" u="none" strike="noStrike">
-                          <a:effectLst/>
-                        </a:rPr>
-                        <a:t>7,6</a:t>
-                      </a:r>
-                      <a:endParaRPr lang="en-GB" sz="1100" b="0" i="0" u="none" strike="noStrike">
-                        <a:solidFill>
-                          <a:srgbClr val="000000"/>
-                        </a:solidFill>
-                        <a:effectLst/>
-                        <a:latin typeface="Arial"/>
-                      </a:endParaRPr>
-                    </a:p>
-                  </a:txBody>
-                  <a:tcPr marL="6350" marR="6350" marT="6350" marB="0" anchor="ctr"/>
-                </a:tc>
-              </a:tr>
-              <a:tr h="250092">
-                <a:tc>
-                  <a:txBody>
-                    <a:bodyPr/>
-                    <a:lstStyle/>
-                    <a:p>
-                      <a:pPr algn="l" fontAlgn="ctr"/>
-                      <a:r>
-                        <a:rPr lang="en-GB" sz="1100" u="none" strike="noStrike" dirty="0" err="1">
-                          <a:effectLst/>
-                        </a:rPr>
-                        <a:t>Kounotori</a:t>
-                      </a:r>
-                      <a:endParaRPr lang="en-GB" sz="1100" b="0" i="0" u="none" strike="noStrike" dirty="0">
-                        <a:solidFill>
-                          <a:srgbClr val="000000"/>
-                        </a:solidFill>
-                        <a:effectLst/>
-                        <a:latin typeface="Arial"/>
-                      </a:endParaRPr>
-                    </a:p>
-                  </a:txBody>
-                  <a:tcPr marL="6350" marR="6350" marT="6350" marB="0" anchor="ctr"/>
-                </a:tc>
-                <a:tc>
-                  <a:txBody>
-                    <a:bodyPr/>
-                    <a:lstStyle/>
-                    <a:p>
-                      <a:pPr algn="l" fontAlgn="ctr"/>
-                      <a:r>
-                        <a:rPr lang="en-GB" sz="1100" u="none" strike="noStrike">
-                          <a:effectLst/>
-                        </a:rPr>
-                        <a:t>Japan</a:t>
-                      </a:r>
-                      <a:endParaRPr lang="en-GB" sz="1100" b="0" i="0" u="none" strike="noStrike">
-                        <a:solidFill>
-                          <a:srgbClr val="000000"/>
-                        </a:solidFill>
-                        <a:effectLst/>
-                        <a:latin typeface="Arial"/>
-                      </a:endParaRPr>
-                    </a:p>
-                  </a:txBody>
-                  <a:tcPr marL="6350" marR="6350" marT="6350" marB="0" anchor="ctr"/>
-                </a:tc>
-                <a:tc>
-                  <a:txBody>
-                    <a:bodyPr/>
-                    <a:lstStyle/>
-                    <a:p>
-                      <a:pPr algn="l" fontAlgn="ctr"/>
-                      <a:r>
-                        <a:rPr lang="en-GB" sz="1100" u="none" strike="noStrike" dirty="0">
-                          <a:effectLst/>
-                        </a:rPr>
-                        <a:t>Japan Aerospace Exploration Agency</a:t>
-                      </a:r>
-                      <a:endParaRPr lang="en-GB" sz="1100" b="0" i="0" u="none" strike="noStrike" dirty="0">
-                        <a:solidFill>
-                          <a:srgbClr val="000000"/>
-                        </a:solidFill>
-                        <a:effectLst/>
-                        <a:latin typeface="Arial"/>
-                      </a:endParaRPr>
-                    </a:p>
-                  </a:txBody>
-                  <a:tcPr marL="6350" marR="6350" marT="6350" marB="0" anchor="ctr"/>
-                </a:tc>
-                <a:tc>
-                  <a:txBody>
-                    <a:bodyPr/>
-                    <a:lstStyle/>
-                    <a:p>
-                      <a:pPr algn="r" fontAlgn="ctr"/>
-                      <a:r>
-                        <a:rPr lang="en-GB" sz="1100" u="none" strike="noStrike">
-                          <a:effectLst/>
-                        </a:rPr>
-                        <a:t>5200</a:t>
-                      </a:r>
-                      <a:endParaRPr lang="en-GB" sz="1100" b="0" i="0" u="none" strike="noStrike">
-                        <a:solidFill>
-                          <a:srgbClr val="000000"/>
-                        </a:solidFill>
-                        <a:effectLst/>
-                        <a:latin typeface="Arial"/>
-                      </a:endParaRPr>
-                    </a:p>
-                  </a:txBody>
-                  <a:tcPr marL="6350" marR="6350" marT="6350" marB="0" anchor="ctr"/>
-                </a:tc>
-                <a:tc>
-                  <a:txBody>
-                    <a:bodyPr/>
-                    <a:lstStyle/>
-                    <a:p>
-                      <a:pPr algn="r" fontAlgn="ctr"/>
-                      <a:r>
-                        <a:rPr lang="en-GB" sz="1100" u="none" strike="noStrike" dirty="0">
-                          <a:effectLst/>
-                        </a:rPr>
-                        <a:t>14</a:t>
-                      </a:r>
-                      <a:endParaRPr lang="en-GB" sz="1100" b="0" i="0" u="none" strike="noStrike" dirty="0">
-                        <a:solidFill>
-                          <a:srgbClr val="000000"/>
-                        </a:solidFill>
-                        <a:effectLst/>
-                        <a:latin typeface="Arial"/>
-                      </a:endParaRPr>
-                    </a:p>
-                  </a:txBody>
-                  <a:tcPr marL="6350" marR="6350" marT="6350" marB="0" anchor="ctr"/>
-                </a:tc>
-              </a:tr>
-            </a:tbl>
-          </a:graphicData>
-        </a:graphic>
-      </p:graphicFrame>
-    </p:spTree>
-    <p:extLst>
-      <p:ext uri="{BB962C8B-B14F-4D97-AF65-F5344CB8AC3E}">
-        <p14:creationId xmlns:p14="http://schemas.microsoft.com/office/powerpoint/2010/main" val="1610048552"/>
-      </p:ext>
-    </p:extLst>
-  </p:cSld>
-  <p:clrMapOvr>
-    <a:masterClrMapping/>
-  </p:clrMapOvr>
-  <p:timing>
-    <p:tnLst>
-      <p:par>
-        <p:cTn id="1" dur="indefinite" restart="never" nodeType="tmRoot"/>
-      </p:par>
-    </p:tnLst>
-  </p:timing>
-</p:sld>
-</file>
-
-<file path=ppt/slides/slide4.xml><?xml version="1.0" encoding="utf-8"?>
-<p:sld xmlns:a="http://schemas.openxmlformats.org/drawingml/2006/main" xmlns:r="http://schemas.openxmlformats.org/officeDocument/2006/relationships" xmlns:p="http://schemas.openxmlformats.org/presentationml/2006/main">
-  <p:cSld>
-    <p:spTree>
-      <p:nvGrpSpPr>
-        <p:cNvPr id="1" name=""/>
-        <p:cNvGrpSpPr/>
-        <p:nvPr/>
-      </p:nvGrpSpPr>
-      <p:grpSpPr>
-        <a:xfrm>
-          <a:off x="0" y="0"/>
-          <a:ext cx="0" cy="0"/>
-          <a:chOff x="0" y="0"/>
-          <a:chExt cx="0" cy="0"/>
-        </a:xfrm>
-      </p:grpSpPr>
-      <p:sp>
-        <p:nvSpPr>
-          <p:cNvPr id="2" name="Title 1"/>
-          <p:cNvSpPr>
-            <a:spLocks noGrp="1"/>
-          </p:cNvSpPr>
-          <p:nvPr>
-            <p:ph type="title"/>
-          </p:nvPr>
-        </p:nvSpPr>
-        <p:spPr/>
-        <p:txBody>
-          <a:bodyPr/>
-          <a:lstStyle/>
-          <a:p>
-            <a:r>
-              <a:rPr lang="en-US" b="1" dirty="0" err="1" smtClean="0"/>
-              <a:t>Scorefunctie</a:t>
-            </a:r>
-            <a:endParaRPr lang="en-US" b="1" dirty="0"/>
-          </a:p>
-        </p:txBody>
-      </p:sp>
-      <mc:AlternateContent xmlns:mc="http://schemas.openxmlformats.org/markup-compatibility/2006" xmlns:a14="http://schemas.microsoft.com/office/drawing/2010/main">
-        <mc:Choice Requires="a14">
-          <p:sp>
-            <p:nvSpPr>
-              <p:cNvPr id="3" name="Content Placeholder 2"/>
-              <p:cNvSpPr>
-                <a:spLocks noGrp="1"/>
-              </p:cNvSpPr>
-              <p:nvPr>
-                <p:ph idx="1"/>
-              </p:nvPr>
-            </p:nvSpPr>
-            <p:spPr>
-              <a:xfrm>
-                <a:off x="457200" y="1600200"/>
-                <a:ext cx="8147248" cy="4525963"/>
-              </a:xfrm>
-            </p:spPr>
-            <p:txBody>
-              <a:bodyPr>
-                <a:normAutofit/>
-              </a:bodyPr>
-              <a:lstStyle/>
-              <a:p>
-                <a:pPr marL="0" indent="0">
-                  <a:buNone/>
-                </a:pPr>
-                <a:r>
-                  <a:rPr lang="en-US" sz="1800" b="1" dirty="0" smtClean="0"/>
-                  <a:t>Scores per item:</a:t>
-                </a:r>
-              </a:p>
-              <a:p>
-                <a:r>
-                  <a:rPr lang="en-US" sz="1800" dirty="0" err="1" smtClean="0"/>
-                  <a:t>score_kg</a:t>
-                </a:r>
-                <a:r>
-                  <a:rPr lang="en-US" sz="1800" dirty="0" smtClean="0"/>
-                  <a:t> = </a:t>
-                </a:r>
-                <a14:m>
-                  <m:oMath xmlns:m="http://schemas.openxmlformats.org/officeDocument/2006/math">
-                    <m:f>
-                      <m:fPr>
-                        <m:ctrlPr>
-                          <a:rPr lang="bg-BG" sz="1800" i="1" smtClean="0">
-                            <a:latin typeface="Cambria Math" charset="0"/>
-                          </a:rPr>
-                        </m:ctrlPr>
-                      </m:fPr>
-                      <m:num>
-                        <m:r>
-                          <a:rPr lang="en-US" sz="1800" b="0" i="1" smtClean="0">
-                            <a:latin typeface="Cambria Math" charset="0"/>
-                          </a:rPr>
-                          <m:t>𝑏𝑒𝑧𝑒𝑡𝑡𝑖𝑛𝑔</m:t>
-                        </m:r>
-                        <m:r>
-                          <a:rPr lang="en-US" sz="1800" b="0" i="1" smtClean="0">
-                            <a:latin typeface="Cambria Math" charset="0"/>
-                          </a:rPr>
-                          <m:t>_</m:t>
-                        </m:r>
-                        <m:r>
-                          <a:rPr lang="en-US" sz="1800" b="0" i="1" smtClean="0">
-                            <a:latin typeface="Cambria Math" charset="0"/>
-                          </a:rPr>
-                          <m:t>𝑘𝑔</m:t>
-                        </m:r>
-                      </m:num>
-                      <m:den>
-                        <m:r>
-                          <a:rPr lang="en-US" sz="1800" b="0" i="1" smtClean="0">
-                            <a:latin typeface="Cambria Math" charset="0"/>
-                          </a:rPr>
-                          <m:t>𝑡𝑜𝑡𝑎𝑎</m:t>
-                        </m:r>
-                        <m:sSub>
-                          <m:sSubPr>
-                            <m:ctrlPr>
-                              <a:rPr lang="en-US" sz="1800" b="0" i="1" smtClean="0">
-                                <a:latin typeface="Cambria Math" charset="0"/>
-                              </a:rPr>
-                            </m:ctrlPr>
-                          </m:sSubPr>
-                          <m:e>
-                            <m:r>
-                              <a:rPr lang="en-US" sz="1800" b="0" i="1" smtClean="0">
-                                <a:latin typeface="Cambria Math" charset="0"/>
-                              </a:rPr>
-                              <m:t>𝑙</m:t>
-                            </m:r>
-                          </m:e>
-                          <m:sub>
-                            <m:r>
-                              <a:rPr lang="en-US" sz="1800" b="0" i="1" smtClean="0">
-                                <a:latin typeface="Cambria Math" charset="0"/>
-                              </a:rPr>
-                              <m:t>𝑘𝑔</m:t>
-                            </m:r>
-                          </m:sub>
-                        </m:sSub>
-                        <m:r>
-                          <a:rPr lang="en-GB" sz="1800" b="0" i="1" smtClean="0">
-                            <a:latin typeface="Cambria Math"/>
-                          </a:rPr>
-                          <m:t>𝑖𝑛</m:t>
-                        </m:r>
-                        <m:r>
-                          <a:rPr lang="en-GB" sz="1800" b="0" i="1" smtClean="0">
-                            <a:latin typeface="Cambria Math"/>
-                          </a:rPr>
-                          <m:t> </m:t>
-                        </m:r>
-                        <m:r>
-                          <a:rPr lang="en-GB" sz="1800" b="0" i="1" smtClean="0">
-                            <a:latin typeface="Cambria Math"/>
-                          </a:rPr>
-                          <m:t>𝑐𝑎𝑟𝑔𝑜𝑙𝑖𝑗𝑠𝑡</m:t>
-                        </m:r>
-                      </m:den>
-                    </m:f>
-                  </m:oMath>
-                </a14:m>
-                <a:endParaRPr lang="en-US" sz="1800" dirty="0" smtClean="0"/>
-              </a:p>
-              <a:p>
-                <a:endParaRPr lang="en-US" sz="1800" dirty="0" smtClean="0"/>
-              </a:p>
-              <a:p>
-                <a:r>
-                  <a:rPr lang="en-US" sz="1800" dirty="0" smtClean="0"/>
-                  <a:t>score_m3 = </a:t>
-                </a:r>
-                <a14:m>
-                  <m:oMath xmlns:m="http://schemas.openxmlformats.org/officeDocument/2006/math">
-                    <m:f>
-                      <m:fPr>
-                        <m:ctrlPr>
-                          <a:rPr lang="bg-BG" sz="1800" i="1" smtClean="0">
-                            <a:latin typeface="Cambria Math" charset="0"/>
-                          </a:rPr>
-                        </m:ctrlPr>
-                      </m:fPr>
-                      <m:num>
-                        <m:r>
-                          <a:rPr lang="en-US" sz="1800" b="0" i="1" smtClean="0">
-                            <a:latin typeface="Cambria Math" charset="0"/>
-                          </a:rPr>
-                          <m:t>𝑏𝑒𝑧𝑒𝑡𝑡𝑖𝑛𝑔</m:t>
-                        </m:r>
-                        <m:r>
-                          <a:rPr lang="en-US" sz="1800" b="0" i="1" smtClean="0">
-                            <a:latin typeface="Cambria Math" charset="0"/>
-                          </a:rPr>
-                          <m:t>_</m:t>
-                        </m:r>
-                        <m:r>
-                          <a:rPr lang="en-US" sz="1800" b="0" i="1" smtClean="0">
-                            <a:latin typeface="Cambria Math" charset="0"/>
-                          </a:rPr>
-                          <m:t>𝑚</m:t>
-                        </m:r>
-                        <m:r>
-                          <a:rPr lang="en-US" sz="1800" b="0" i="1" smtClean="0">
-                            <a:latin typeface="Cambria Math" charset="0"/>
-                          </a:rPr>
-                          <m:t>3</m:t>
-                        </m:r>
-                      </m:num>
-                      <m:den>
-                        <m:r>
-                          <a:rPr lang="en-US" sz="1800" b="0" i="1" smtClean="0">
-                            <a:latin typeface="Cambria Math" charset="0"/>
-                          </a:rPr>
-                          <m:t>𝑡𝑜𝑡𝑎𝑎</m:t>
-                        </m:r>
-                        <m:sSub>
-                          <m:sSubPr>
-                            <m:ctrlPr>
-                              <a:rPr lang="en-US" sz="1800" b="0" i="1" smtClean="0">
-                                <a:latin typeface="Cambria Math" charset="0"/>
-                              </a:rPr>
-                            </m:ctrlPr>
-                          </m:sSubPr>
-                          <m:e>
-                            <m:r>
-                              <a:rPr lang="en-US" sz="1800" b="0" i="1" smtClean="0">
-                                <a:latin typeface="Cambria Math" charset="0"/>
-                              </a:rPr>
-                              <m:t>𝑙</m:t>
-                            </m:r>
-                          </m:e>
-                          <m:sub>
-                            <m:r>
-                              <a:rPr lang="en-US" sz="1800" b="0" i="1" smtClean="0">
-                                <a:latin typeface="Cambria Math" charset="0"/>
-                              </a:rPr>
-                              <m:t>𝑚</m:t>
-                            </m:r>
-                            <m:r>
-                              <a:rPr lang="en-US" sz="1800" b="0" i="1" smtClean="0">
-                                <a:latin typeface="Cambria Math" charset="0"/>
-                              </a:rPr>
-                              <m:t>3</m:t>
-                            </m:r>
-                          </m:sub>
-                        </m:sSub>
-                        <m:r>
-                          <a:rPr lang="en-GB" sz="1800" b="0" i="1" smtClean="0">
-                            <a:latin typeface="Cambria Math"/>
-                          </a:rPr>
-                          <m:t>𝑖𝑛</m:t>
-                        </m:r>
-                        <m:r>
-                          <a:rPr lang="en-GB" sz="1800" b="0" i="1" smtClean="0">
-                            <a:latin typeface="Cambria Math"/>
-                          </a:rPr>
-                          <m:t> </m:t>
-                        </m:r>
-                        <m:r>
-                          <a:rPr lang="en-GB" sz="1800" b="0" i="1" smtClean="0">
-                            <a:latin typeface="Cambria Math"/>
-                          </a:rPr>
-                          <m:t>𝑐𝑎𝑟𝑔𝑜𝑙𝑖𝑗𝑠𝑡</m:t>
-                        </m:r>
-                      </m:den>
-                    </m:f>
-                  </m:oMath>
-                </a14:m>
-                <a:endParaRPr lang="en-US" sz="1800" dirty="0"/>
-              </a:p>
-              <a:p>
-                <a:endParaRPr lang="en-US" sz="1800" dirty="0" smtClean="0"/>
-              </a:p>
-              <a:p>
-                <a:r>
-                  <a:rPr lang="en-US" sz="1800" dirty="0" err="1" smtClean="0"/>
-                  <a:t>score_totaal</a:t>
-                </a:r>
-                <a:r>
-                  <a:rPr lang="en-US" sz="1800" dirty="0" smtClean="0"/>
-                  <a:t> = </a:t>
-                </a:r>
-                <a:r>
-                  <a:rPr lang="en-US" sz="1800" dirty="0" err="1" smtClean="0"/>
-                  <a:t>score_kg</a:t>
-                </a:r>
-                <a:r>
-                  <a:rPr lang="en-US" sz="1800" dirty="0" smtClean="0"/>
-                  <a:t> + score_m3</a:t>
-                </a:r>
-              </a:p>
-              <a:p>
-                <a:endParaRPr lang="en-US" sz="1800" dirty="0"/>
-              </a:p>
-              <a:p>
-                <a:pPr marL="0" indent="0">
-                  <a:buNone/>
-                </a:pPr>
-                <a:r>
-                  <a:rPr lang="en-US" sz="1800" b="1" dirty="0" err="1" smtClean="0"/>
-                  <a:t>Scorefunctie</a:t>
-                </a:r>
-                <a:r>
-                  <a:rPr lang="en-US" sz="1800" dirty="0" smtClean="0"/>
-                  <a:t>:</a:t>
-                </a:r>
-              </a:p>
-              <a:p>
-                <a:r>
-                  <a:rPr lang="en-US" sz="1800" dirty="0" err="1" smtClean="0"/>
-                  <a:t>Som</a:t>
-                </a:r>
-                <a:r>
-                  <a:rPr lang="en-US" sz="1800" dirty="0" smtClean="0"/>
-                  <a:t> van </a:t>
-                </a:r>
-                <a:r>
-                  <a:rPr lang="en-US" sz="1800" dirty="0" err="1" smtClean="0"/>
-                  <a:t>totaal</a:t>
-                </a:r>
-                <a:r>
-                  <a:rPr lang="en-US" sz="1800" dirty="0" smtClean="0"/>
-                  <a:t> scores van ‘leftover’ items</a:t>
-                </a:r>
-              </a:p>
-              <a:p>
-                <a:r>
-                  <a:rPr lang="en-US" sz="1800" dirty="0" err="1" smtClean="0"/>
-                  <a:t>Minimaliseren</a:t>
-                </a:r>
-                <a:endParaRPr lang="en-US" sz="1800" dirty="0"/>
-              </a:p>
-            </p:txBody>
-          </p:sp>
-        </mc:Choice>
-        <mc:Fallback xmlns="">
-          <p:sp>
-            <p:nvSpPr>
-              <p:cNvPr id="3" name="Content Placeholder 2"/>
-              <p:cNvSpPr>
-                <a:spLocks noGrp="1" noRot="1" noChangeAspect="1" noMove="1" noResize="1" noEditPoints="1" noAdjustHandles="1" noChangeArrowheads="1" noChangeShapeType="1" noTextEdit="1"/>
-              </p:cNvSpPr>
-              <p:nvPr>
-                <p:ph idx="1"/>
-              </p:nvPr>
-            </p:nvSpPr>
-            <p:spPr>
-              <a:xfrm>
-                <a:off x="457200" y="1600200"/>
-                <a:ext cx="8147248" cy="4525963"/>
-              </a:xfrm>
-              <a:blipFill rotWithShape="1">
-                <a:blip r:embed="rId2"/>
-                <a:stretch>
-                  <a:fillRect l="-599" t="-674"/>
-                </a:stretch>
-              </a:blipFill>
-            </p:spPr>
-            <p:txBody>
-              <a:bodyPr/>
-              <a:lstStyle/>
-              <a:p>
-                <a:r>
-                  <a:rPr lang="en-GB">
-                    <a:noFill/>
-                  </a:rPr>
-                  <a:t> </a:t>
-                </a:r>
-              </a:p>
-            </p:txBody>
-          </p:sp>
-        </mc:Fallback>
-      </mc:AlternateContent>
-    </p:spTree>
-    <p:extLst>
-      <p:ext uri="{BB962C8B-B14F-4D97-AF65-F5344CB8AC3E}">
-        <p14:creationId xmlns:p14="http://schemas.microsoft.com/office/powerpoint/2010/main" val="1792061264"/>
-      </p:ext>
-    </p:extLst>
-  </p:cSld>
-  <p:clrMapOvr>
-    <a:masterClrMapping/>
-  </p:clrMapOvr>
-  <p:timing>
-    <p:tnLst>
-      <p:par>
-        <p:cTn id="1" dur="indefinite" restart="never" nodeType="tmRoot"/>
-      </p:par>
-    </p:tnLst>
-  </p:timing>
-</p:sld>
-</file>
-
-<file path=ppt/slides/slide5.xml><?xml version="1.0" encoding="utf-8"?>
-<p:sld xmlns:a="http://schemas.openxmlformats.org/drawingml/2006/main" xmlns:r="http://schemas.openxmlformats.org/officeDocument/2006/relationships" xmlns:p="http://schemas.openxmlformats.org/presentationml/2006/main">
-  <p:cSld>
-    <p:spTree>
-      <p:nvGrpSpPr>
-        <p:cNvPr id="1" name=""/>
-        <p:cNvGrpSpPr/>
-        <p:nvPr/>
-      </p:nvGrpSpPr>
-      <p:grpSpPr>
-        <a:xfrm>
-          <a:off x="0" y="0"/>
-          <a:ext cx="0" cy="0"/>
-          <a:chOff x="0" y="0"/>
-          <a:chExt cx="0" cy="0"/>
-        </a:xfrm>
-      </p:grpSpPr>
-      <p:sp>
-        <p:nvSpPr>
-          <p:cNvPr id="2" name="Title 1"/>
-          <p:cNvSpPr>
-            <a:spLocks noGrp="1"/>
-          </p:cNvSpPr>
-          <p:nvPr>
-            <p:ph type="title"/>
-          </p:nvPr>
-        </p:nvSpPr>
-        <p:spPr/>
-        <p:txBody>
-          <a:bodyPr/>
-          <a:lstStyle/>
-          <a:p>
-            <a:r>
-              <a:rPr lang="en-US" b="1" dirty="0" err="1" smtClean="0"/>
-              <a:t>Algoritmes</a:t>
-            </a:r>
-            <a:endParaRPr lang="en-US" b="1" dirty="0"/>
-          </a:p>
-        </p:txBody>
-      </p:sp>
-      <p:sp>
-        <p:nvSpPr>
-          <p:cNvPr id="3" name="Content Placeholder 2"/>
-          <p:cNvSpPr>
-            <a:spLocks noGrp="1"/>
-          </p:cNvSpPr>
-          <p:nvPr>
-            <p:ph idx="1"/>
-          </p:nvPr>
-        </p:nvSpPr>
-        <p:spPr>
-          <a:xfrm>
-            <a:off x="673224" y="1700808"/>
-            <a:ext cx="3682752" cy="2620888"/>
-          </a:xfrm>
-        </p:spPr>
-        <p:txBody>
-          <a:bodyPr>
-            <a:normAutofit/>
-          </a:bodyPr>
-          <a:lstStyle/>
-          <a:p>
-            <a:pPr marL="0" marR="0" lvl="0" indent="0" defTabSz="914400" eaLnBrk="1" fontAlgn="auto" latinLnBrk="0" hangingPunct="1">
-              <a:lnSpc>
-                <a:spcPct val="100000"/>
-              </a:lnSpc>
-              <a:spcBef>
-                <a:spcPts val="0"/>
-              </a:spcBef>
-              <a:spcAft>
-                <a:spcPts val="0"/>
-              </a:spcAft>
-              <a:buClrTx/>
-              <a:buSzTx/>
-              <a:buFontTx/>
-              <a:buNone/>
-              <a:tabLst/>
-              <a:defRPr/>
-            </a:pPr>
-            <a:r>
-              <a:rPr lang="en-US" sz="2800" dirty="0" err="1" smtClean="0"/>
-              <a:t>Startconfiguratie</a:t>
-            </a:r>
-            <a:r>
-              <a:rPr lang="en-US" sz="2800" dirty="0" smtClean="0"/>
-              <a:t>:			</a:t>
-            </a:r>
-          </a:p>
-          <a:p>
-            <a:pPr marR="0" lvl="0" defTabSz="914400" eaLnBrk="1" fontAlgn="auto" latinLnBrk="0" hangingPunct="1">
-              <a:lnSpc>
-                <a:spcPct val="100000"/>
-              </a:lnSpc>
-              <a:spcBef>
-                <a:spcPts val="0"/>
-              </a:spcBef>
-              <a:spcAft>
-                <a:spcPts val="0"/>
-              </a:spcAft>
-              <a:buClrTx/>
-              <a:buSzTx/>
-              <a:buFontTx/>
-              <a:buChar char="-"/>
-              <a:tabLst/>
-              <a:defRPr/>
-            </a:pPr>
-            <a:r>
-              <a:rPr lang="en-US" sz="2800" dirty="0" smtClean="0"/>
-              <a:t>Greedy</a:t>
-            </a:r>
-          </a:p>
-          <a:p>
-            <a:pPr marR="0" lvl="0" defTabSz="914400" eaLnBrk="1" fontAlgn="auto" latinLnBrk="0" hangingPunct="1">
-              <a:lnSpc>
-                <a:spcPct val="100000"/>
-              </a:lnSpc>
-              <a:spcBef>
-                <a:spcPts val="0"/>
-              </a:spcBef>
-              <a:spcAft>
-                <a:spcPts val="0"/>
-              </a:spcAft>
-              <a:buClrTx/>
-              <a:buSzTx/>
-              <a:buFontTx/>
-              <a:buChar char="-"/>
-              <a:tabLst/>
-              <a:defRPr/>
-            </a:pPr>
-            <a:r>
-              <a:rPr lang="en-US" sz="2800" dirty="0" smtClean="0"/>
-              <a:t>(Random)</a:t>
-            </a:r>
-            <a:endParaRPr lang="en-US" sz="2800" dirty="0"/>
-          </a:p>
-          <a:p>
-            <a:pPr>
-              <a:spcBef>
-                <a:spcPts val="0"/>
-              </a:spcBef>
-              <a:buFontTx/>
-              <a:buChar char="-"/>
-            </a:pPr>
-            <a:endParaRPr lang="en-US" sz="2800" dirty="0" smtClean="0"/>
-          </a:p>
-          <a:p>
-            <a:pPr>
-              <a:spcBef>
-                <a:spcPts val="0"/>
-              </a:spcBef>
-              <a:buFontTx/>
-              <a:buChar char="-"/>
-            </a:pPr>
-            <a:endParaRPr lang="en-US" sz="2800" dirty="0"/>
-          </a:p>
-          <a:p>
-            <a:pPr>
-              <a:spcBef>
-                <a:spcPts val="0"/>
-              </a:spcBef>
-              <a:buFontTx/>
-              <a:buChar char="-"/>
-            </a:pPr>
-            <a:endParaRPr lang="en-US" sz="2800" dirty="0" smtClean="0"/>
-          </a:p>
-        </p:txBody>
-      </p:sp>
-      <p:sp>
-        <p:nvSpPr>
-          <p:cNvPr id="5" name="Content Placeholder 2"/>
-          <p:cNvSpPr txBox="1">
-            <a:spLocks/>
-          </p:cNvSpPr>
-          <p:nvPr/>
-        </p:nvSpPr>
-        <p:spPr>
-          <a:xfrm>
-            <a:off x="4932040" y="1744216"/>
-            <a:ext cx="3682752" cy="2620888"/>
-          </a:xfrm>
-          <a:prstGeom prst="rect">
-            <a:avLst/>
-          </a:prstGeom>
-        </p:spPr>
-        <p:txBody>
-          <a:bodyPr vert="horz" lIns="91440" tIns="45720" rIns="91440" bIns="45720" rtlCol="0">
-            <a:normAutofit/>
-          </a:bodyPr>
-          <a:lstStyle>
-            <a:lvl1pPr marL="342900" indent="-342900" algn="l" defTabSz="914400" rtl="0" eaLnBrk="1" latinLnBrk="0" hangingPunct="1">
-              <a:spcBef>
-                <a:spcPct val="20000"/>
-              </a:spcBef>
-              <a:buFont typeface="Arial" panose="020B0604020202020204" pitchFamily="34" charset="0"/>
-              <a:buChar char="•"/>
-              <a:defRPr sz="3200" kern="1200">
-                <a:solidFill>
-                  <a:schemeClr val="tx1"/>
-                </a:solidFill>
-                <a:latin typeface="+mn-lt"/>
-                <a:ea typeface="+mn-ea"/>
-                <a:cs typeface="+mn-cs"/>
-              </a:defRPr>
-            </a:lvl1pPr>
-            <a:lvl2pPr marL="742950" indent="-285750" algn="l" defTabSz="914400" rtl="0" eaLnBrk="1" latinLnBrk="0" hangingPunct="1">
-              <a:spcBef>
-                <a:spcPct val="20000"/>
-              </a:spcBef>
-              <a:buFont typeface="Arial" panose="020B0604020202020204" pitchFamily="34" charset="0"/>
-              <a:buChar char="–"/>
-              <a:defRPr sz="2800" kern="1200">
-                <a:solidFill>
-                  <a:schemeClr val="tx1"/>
-                </a:solidFill>
-                <a:latin typeface="+mn-lt"/>
-                <a:ea typeface="+mn-ea"/>
-                <a:cs typeface="+mn-cs"/>
-              </a:defRPr>
-            </a:lvl2pPr>
-            <a:lvl3pPr marL="1143000" indent="-228600" algn="l" defTabSz="914400" rtl="0" eaLnBrk="1" latinLnBrk="0" hangingPunct="1">
-              <a:spcBef>
-                <a:spcPct val="20000"/>
-              </a:spcBef>
-              <a:buFont typeface="Arial" panose="020B0604020202020204" pitchFamily="34" charset="0"/>
-              <a:buChar char="•"/>
-              <a:defRPr sz="2400" kern="1200">
-                <a:solidFill>
-                  <a:schemeClr val="tx1"/>
-                </a:solidFill>
-                <a:latin typeface="+mn-lt"/>
-                <a:ea typeface="+mn-ea"/>
-                <a:cs typeface="+mn-cs"/>
-              </a:defRPr>
-            </a:lvl3pPr>
-            <a:lvl4pPr marL="1600200" indent="-228600" algn="l" defTabSz="914400" rtl="0" eaLnBrk="1" latinLnBrk="0" hangingPunct="1">
-              <a:spcBef>
-                <a:spcPct val="20000"/>
-              </a:spcBef>
-              <a:buFont typeface="Arial" panose="020B0604020202020204" pitchFamily="34" charset="0"/>
-              <a:buChar char="–"/>
-              <a:defRPr sz="2000" kern="1200">
-                <a:solidFill>
-                  <a:schemeClr val="tx1"/>
-                </a:solidFill>
-                <a:latin typeface="+mn-lt"/>
-                <a:ea typeface="+mn-ea"/>
-                <a:cs typeface="+mn-cs"/>
-              </a:defRPr>
-            </a:lvl4pPr>
-            <a:lvl5pPr marL="2057400" indent="-228600" algn="l" defTabSz="914400" rtl="0" eaLnBrk="1" latinLnBrk="0" hangingPunct="1">
-              <a:spcBef>
-                <a:spcPct val="20000"/>
-              </a:spcBef>
-              <a:buFont typeface="Arial" panose="020B0604020202020204" pitchFamily="34" charset="0"/>
-              <a:buChar char="»"/>
-              <a:defRPr sz="2000" kern="1200">
-                <a:solidFill>
-                  <a:schemeClr val="tx1"/>
-                </a:solidFill>
-                <a:latin typeface="+mn-lt"/>
-                <a:ea typeface="+mn-ea"/>
-                <a:cs typeface="+mn-cs"/>
-              </a:defRPr>
-            </a:lvl5pPr>
-            <a:lvl6pPr marL="2514600" indent="-228600" algn="l" defTabSz="914400" rtl="0" eaLnBrk="1" latinLnBrk="0" hangingPunct="1">
-              <a:spcBef>
-                <a:spcPct val="20000"/>
-              </a:spcBef>
-              <a:buFont typeface="Arial" panose="020B0604020202020204" pitchFamily="34" charset="0"/>
-              <a:buChar char="•"/>
-              <a:defRPr sz="2000" kern="1200">
-                <a:solidFill>
-                  <a:schemeClr val="tx1"/>
-                </a:solidFill>
-                <a:latin typeface="+mn-lt"/>
-                <a:ea typeface="+mn-ea"/>
-                <a:cs typeface="+mn-cs"/>
-              </a:defRPr>
-            </a:lvl6pPr>
-            <a:lvl7pPr marL="2971800" indent="-228600" algn="l" defTabSz="914400" rtl="0" eaLnBrk="1" latinLnBrk="0" hangingPunct="1">
-              <a:spcBef>
-                <a:spcPct val="20000"/>
-              </a:spcBef>
-              <a:buFont typeface="Arial" panose="020B0604020202020204" pitchFamily="34" charset="0"/>
-              <a:buChar char="•"/>
-              <a:defRPr sz="2000" kern="1200">
-                <a:solidFill>
-                  <a:schemeClr val="tx1"/>
-                </a:solidFill>
-                <a:latin typeface="+mn-lt"/>
-                <a:ea typeface="+mn-ea"/>
-                <a:cs typeface="+mn-cs"/>
-              </a:defRPr>
-            </a:lvl7pPr>
-            <a:lvl8pPr marL="3429000" indent="-228600" algn="l" defTabSz="914400" rtl="0" eaLnBrk="1" latinLnBrk="0" hangingPunct="1">
-              <a:spcBef>
-                <a:spcPct val="20000"/>
-              </a:spcBef>
-              <a:buFont typeface="Arial" panose="020B0604020202020204" pitchFamily="34" charset="0"/>
-              <a:buChar char="•"/>
-              <a:defRPr sz="2000" kern="1200">
-                <a:solidFill>
-                  <a:schemeClr val="tx1"/>
-                </a:solidFill>
-                <a:latin typeface="+mn-lt"/>
-                <a:ea typeface="+mn-ea"/>
-                <a:cs typeface="+mn-cs"/>
-              </a:defRPr>
-            </a:lvl8pPr>
-            <a:lvl9pPr marL="3886200" indent="-228600" algn="l" defTabSz="914400" rtl="0" eaLnBrk="1" latinLnBrk="0" hangingPunct="1">
-              <a:spcBef>
-                <a:spcPct val="20000"/>
-              </a:spcBef>
-              <a:buFont typeface="Arial" panose="020B0604020202020204" pitchFamily="34" charset="0"/>
-              <a:buChar char="•"/>
-              <a:defRPr sz="2000" kern="1200">
-                <a:solidFill>
-                  <a:schemeClr val="tx1"/>
-                </a:solidFill>
-                <a:latin typeface="+mn-lt"/>
-                <a:ea typeface="+mn-ea"/>
-                <a:cs typeface="+mn-cs"/>
-              </a:defRPr>
-            </a:lvl9pPr>
-          </a:lstStyle>
-          <a:p>
-            <a:pPr marL="0" indent="0">
-              <a:spcBef>
-                <a:spcPts val="0"/>
-              </a:spcBef>
-              <a:buNone/>
-              <a:defRPr/>
-            </a:pPr>
-            <a:r>
-              <a:rPr lang="en-US" sz="2800" dirty="0" err="1" smtClean="0"/>
-              <a:t>Iteratieve</a:t>
-            </a:r>
-            <a:r>
-              <a:rPr lang="en-US" sz="2800" dirty="0" smtClean="0"/>
-              <a:t> </a:t>
-            </a:r>
-            <a:r>
-              <a:rPr lang="en-US" sz="2800" dirty="0" err="1" smtClean="0"/>
-              <a:t>algoritmes</a:t>
-            </a:r>
-            <a:endParaRPr lang="en-US" sz="2800" dirty="0" smtClean="0"/>
-          </a:p>
-          <a:p>
-            <a:pPr marL="0" indent="0">
-              <a:spcBef>
-                <a:spcPts val="0"/>
-              </a:spcBef>
-              <a:buNone/>
-              <a:defRPr/>
-            </a:pPr>
-            <a:endParaRPr lang="en-US" sz="2800" dirty="0" smtClean="0"/>
-          </a:p>
-          <a:p>
-            <a:pPr>
-              <a:spcBef>
-                <a:spcPts val="0"/>
-              </a:spcBef>
-              <a:buFontTx/>
-              <a:buChar char="-"/>
-              <a:defRPr/>
-            </a:pPr>
-            <a:r>
-              <a:rPr lang="en-US" sz="2800" dirty="0" err="1" smtClean="0"/>
-              <a:t>Hillclimbing</a:t>
-            </a:r>
-            <a:endParaRPr lang="en-US" sz="2800" dirty="0" smtClean="0"/>
-          </a:p>
-          <a:p>
-            <a:pPr>
-              <a:spcBef>
-                <a:spcPts val="0"/>
-              </a:spcBef>
-              <a:buFontTx/>
-              <a:buChar char="-"/>
-              <a:defRPr/>
-            </a:pPr>
-            <a:r>
-              <a:rPr lang="en-US" sz="2800" dirty="0" smtClean="0"/>
-              <a:t>Simulated annealing</a:t>
-            </a:r>
-          </a:p>
-          <a:p>
-            <a:pPr>
-              <a:spcBef>
-                <a:spcPts val="0"/>
-              </a:spcBef>
-              <a:buFontTx/>
-              <a:buChar char="-"/>
-            </a:pPr>
-            <a:endParaRPr lang="en-US" sz="2800" dirty="0" smtClean="0"/>
-          </a:p>
-          <a:p>
-            <a:pPr>
-              <a:spcBef>
-                <a:spcPts val="0"/>
-              </a:spcBef>
-              <a:buFontTx/>
-              <a:buChar char="-"/>
-            </a:pPr>
-            <a:endParaRPr lang="en-US" sz="2800" dirty="0" smtClean="0"/>
-          </a:p>
-          <a:p>
-            <a:pPr>
-              <a:spcBef>
-                <a:spcPts val="0"/>
-              </a:spcBef>
-              <a:buFontTx/>
-              <a:buChar char="-"/>
-            </a:pPr>
-            <a:endParaRPr lang="en-US" sz="2800" dirty="0" smtClean="0"/>
-          </a:p>
-        </p:txBody>
-      </p:sp>
-      <p:sp>
-        <p:nvSpPr>
-          <p:cNvPr id="9" name="PIJL-RECHTS 8"/>
-          <p:cNvSpPr/>
-          <p:nvPr/>
-        </p:nvSpPr>
-        <p:spPr>
-          <a:xfrm>
-            <a:off x="3707904" y="2392288"/>
-            <a:ext cx="1008112" cy="590364"/>
-          </a:xfrm>
-          <a:prstGeom prst="rightArrow">
-            <a:avLst/>
-          </a:prstGeom>
-          <a:noFill/>
-          <a:ln w="12700">
-            <a:solidFill>
-              <a:schemeClr val="tx1"/>
-            </a:solidFill>
-          </a:ln>
-        </p:spPr>
-        <p:style>
-          <a:lnRef idx="2">
-            <a:schemeClr val="accent1">
-              <a:shade val="50000"/>
-            </a:schemeClr>
-          </a:lnRef>
-          <a:fillRef idx="1">
-            <a:schemeClr val="accent1"/>
-          </a:fillRef>
-          <a:effectRef idx="0">
-            <a:schemeClr val="accent1"/>
-          </a:effectRef>
-          <a:fontRef idx="minor">
-            <a:schemeClr val="lt1"/>
-          </a:fontRef>
-        </p:style>
-        <p:txBody>
-          <a:bodyPr rtlCol="0" anchor="ctr"/>
-          <a:lstStyle/>
-          <a:p>
-            <a:pPr algn="ctr"/>
-            <a:endParaRPr lang="en-GB"/>
-          </a:p>
-        </p:txBody>
-      </p:sp>
-      <p:sp>
-        <p:nvSpPr>
-          <p:cNvPr id="10" name="Tekstvak 9"/>
-          <p:cNvSpPr txBox="1"/>
-          <p:nvPr/>
-        </p:nvSpPr>
-        <p:spPr>
-          <a:xfrm>
-            <a:off x="971600" y="4365104"/>
-            <a:ext cx="7643192" cy="830997"/>
-          </a:xfrm>
-          <a:prstGeom prst="rect">
-            <a:avLst/>
-          </a:prstGeom>
-          <a:noFill/>
-        </p:spPr>
-        <p:txBody>
-          <a:bodyPr wrap="square" rtlCol="0">
-            <a:spAutoFit/>
-          </a:bodyPr>
-          <a:lstStyle/>
-          <a:p>
-            <a:r>
-              <a:rPr lang="nl-NL" sz="2400" dirty="0" smtClean="0"/>
-              <a:t>Resultaat </a:t>
-            </a:r>
-            <a:r>
-              <a:rPr lang="nl-NL" sz="2400" dirty="0" err="1" smtClean="0"/>
-              <a:t>greedy</a:t>
-            </a:r>
-            <a:r>
-              <a:rPr lang="nl-NL" sz="2400" dirty="0" smtClean="0"/>
-              <a:t> (op basis van kg):</a:t>
-            </a:r>
-          </a:p>
-          <a:p>
-            <a:r>
-              <a:rPr lang="nl-NL" sz="2400" dirty="0" smtClean="0"/>
-              <a:t>	score: 38.17</a:t>
-            </a:r>
-            <a:endParaRPr lang="en-GB" sz="2400" dirty="0"/>
-          </a:p>
-        </p:txBody>
-      </p:sp>
-    </p:spTree>
-    <p:extLst>
-      <p:ext uri="{BB962C8B-B14F-4D97-AF65-F5344CB8AC3E}">
-        <p14:creationId xmlns:p14="http://schemas.microsoft.com/office/powerpoint/2010/main" val="715514873"/>
-      </p:ext>
-    </p:extLst>
-  </p:cSld>
-  <p:clrMapOvr>
-    <a:masterClrMapping/>
-  </p:clrMapOvr>
-  <p:timing>
-    <p:tnLst>
-      <p:par>
-        <p:cTn id="1" dur="indefinite" restart="never" nodeType="tmRoot"/>
-      </p:par>
-    </p:tnLst>
-  </p:timing>
-</p:sld>
-</file>
-
-<file path=ppt/slides/slide6.xml><?xml version="1.0" encoding="utf-8"?>
-<p:sld xmlns:a="http://schemas.openxmlformats.org/drawingml/2006/main" xmlns:r="http://schemas.openxmlformats.org/officeDocument/2006/relationships" xmlns:p="http://schemas.openxmlformats.org/presentationml/2006/main">
-  <p:cSld>
-    <p:spTree>
-      <p:nvGrpSpPr>
-        <p:cNvPr id="1" name=""/>
-        <p:cNvGrpSpPr/>
-        <p:nvPr/>
-      </p:nvGrpSpPr>
-      <p:grpSpPr>
-        <a:xfrm>
-          <a:off x="0" y="0"/>
-          <a:ext cx="0" cy="0"/>
-          <a:chOff x="0" y="0"/>
-          <a:chExt cx="0" cy="0"/>
-        </a:xfrm>
-      </p:grpSpPr>
-      <p:sp>
-        <p:nvSpPr>
-          <p:cNvPr id="2" name="Titel 1"/>
-          <p:cNvSpPr>
-            <a:spLocks noGrp="1"/>
-          </p:cNvSpPr>
-          <p:nvPr>
-            <p:ph type="title"/>
-          </p:nvPr>
-        </p:nvSpPr>
-        <p:spPr/>
-        <p:txBody>
-          <a:bodyPr/>
-          <a:lstStyle/>
-          <a:p>
-            <a:r>
-              <a:rPr lang="en-GB" b="1" dirty="0" err="1" smtClean="0"/>
-              <a:t>Hillclimbing</a:t>
-            </a:r>
-            <a:endParaRPr lang="en-GB" b="1" dirty="0"/>
-          </a:p>
-        </p:txBody>
-      </p:sp>
-      <p:sp>
-        <p:nvSpPr>
-          <p:cNvPr id="3" name="Tijdelijke aanduiding voor inhoud 2"/>
-          <p:cNvSpPr>
-            <a:spLocks noGrp="1"/>
-          </p:cNvSpPr>
-          <p:nvPr>
-            <p:ph idx="1"/>
-          </p:nvPr>
-        </p:nvSpPr>
-        <p:spPr>
-          <a:xfrm>
-            <a:off x="1115616" y="1600200"/>
-            <a:ext cx="7355160" cy="4525963"/>
-          </a:xfrm>
-        </p:spPr>
-        <p:txBody>
-          <a:bodyPr>
-            <a:normAutofit/>
-          </a:bodyPr>
-          <a:lstStyle/>
-          <a:p>
-            <a:pPr marL="0" indent="0">
-              <a:buNone/>
-            </a:pPr>
-            <a:r>
-              <a:rPr lang="en-GB" sz="2400" b="1" dirty="0" err="1"/>
-              <a:t>Drie</a:t>
-            </a:r>
-            <a:r>
-              <a:rPr lang="en-GB" sz="2400" b="1" dirty="0"/>
-              <a:t> </a:t>
-            </a:r>
-            <a:r>
-              <a:rPr lang="en-GB" sz="2400" b="1" dirty="0" err="1"/>
-              <a:t>restricties</a:t>
-            </a:r>
-            <a:r>
-              <a:rPr lang="en-GB" sz="2400" b="1" dirty="0"/>
-              <a:t>:</a:t>
-            </a:r>
-          </a:p>
-          <a:p>
-            <a:pPr marL="514350" indent="-514350">
-              <a:buFont typeface="+mj-lt"/>
-              <a:buAutoNum type="arabicPeriod"/>
-            </a:pPr>
-            <a:r>
-              <a:rPr lang="en-GB" sz="2400" dirty="0" err="1"/>
-              <a:t>Betere</a:t>
-            </a:r>
-            <a:r>
-              <a:rPr lang="en-GB" sz="2400" dirty="0"/>
-              <a:t> score?</a:t>
-            </a:r>
-          </a:p>
-          <a:p>
-            <a:pPr marL="514350" indent="-514350">
-              <a:buFont typeface="+mj-lt"/>
-              <a:buAutoNum type="arabicPeriod"/>
-            </a:pPr>
-            <a:r>
-              <a:rPr lang="en-GB" sz="2400" dirty="0" err="1"/>
-              <a:t>Capaciteit</a:t>
-            </a:r>
-            <a:r>
-              <a:rPr lang="en-GB" sz="2400" dirty="0"/>
-              <a:t> kg?</a:t>
-            </a:r>
-          </a:p>
-          <a:p>
-            <a:pPr marL="514350" indent="-514350">
-              <a:buFont typeface="+mj-lt"/>
-              <a:buAutoNum type="arabicPeriod"/>
-            </a:pPr>
-            <a:r>
-              <a:rPr lang="en-GB" sz="2400" dirty="0" err="1"/>
-              <a:t>Capaciteit</a:t>
-            </a:r>
-            <a:r>
-              <a:rPr lang="en-GB" sz="2400" dirty="0"/>
-              <a:t> m3?</a:t>
-            </a:r>
-          </a:p>
-          <a:p>
-            <a:pPr marL="0" indent="0">
-              <a:buNone/>
-            </a:pPr>
-            <a:endParaRPr lang="en-GB" sz="2400" b="1" dirty="0"/>
-          </a:p>
-          <a:p>
-            <a:pPr marL="0" indent="0">
-              <a:buNone/>
-            </a:pPr>
-            <a:endParaRPr lang="en-GB" sz="2400" b="1" dirty="0" smtClean="0"/>
-          </a:p>
-          <a:p>
-            <a:pPr marL="0" indent="0">
-              <a:buNone/>
-            </a:pPr>
-            <a:r>
-              <a:rPr lang="en-GB" sz="2400" b="1" dirty="0" smtClean="0"/>
-              <a:t>Twee </a:t>
-            </a:r>
-            <a:r>
-              <a:rPr lang="en-GB" sz="2400" b="1" dirty="0" err="1" smtClean="0"/>
-              <a:t>hillclimbing</a:t>
-            </a:r>
-            <a:r>
-              <a:rPr lang="en-GB" sz="2400" b="1" dirty="0" smtClean="0"/>
-              <a:t> </a:t>
-            </a:r>
-            <a:r>
-              <a:rPr lang="en-GB" sz="2400" b="1" dirty="0" err="1" smtClean="0"/>
-              <a:t>algoritmes</a:t>
-            </a:r>
-            <a:r>
-              <a:rPr lang="en-GB" sz="2400" b="1" dirty="0" smtClean="0"/>
-              <a:t>:</a:t>
-            </a:r>
-          </a:p>
-          <a:p>
-            <a:r>
-              <a:rPr lang="en-GB" sz="2400" dirty="0" smtClean="0"/>
-              <a:t>Random </a:t>
-            </a:r>
-            <a:r>
-              <a:rPr lang="en-GB" sz="2400" dirty="0" err="1" smtClean="0"/>
-              <a:t>swappen</a:t>
-            </a:r>
-            <a:r>
-              <a:rPr lang="en-GB" sz="2400" dirty="0" smtClean="0"/>
-              <a:t>, score: 28.61</a:t>
-            </a:r>
-            <a:endParaRPr lang="en-GB" sz="2400" dirty="0"/>
-          </a:p>
-          <a:p>
-            <a:r>
-              <a:rPr lang="en-GB" sz="2400" dirty="0" err="1" smtClean="0"/>
-              <a:t>Swappen</a:t>
-            </a:r>
-            <a:r>
-              <a:rPr lang="en-GB" sz="2400" dirty="0" smtClean="0"/>
-              <a:t> met leftover </a:t>
-            </a:r>
-            <a:r>
-              <a:rPr lang="en-GB" sz="2400" dirty="0" err="1" smtClean="0"/>
-              <a:t>lijst</a:t>
-            </a:r>
-            <a:r>
-              <a:rPr lang="en-GB" sz="2400" dirty="0" smtClean="0"/>
-              <a:t>, score: 31.73</a:t>
-            </a:r>
-          </a:p>
-          <a:p>
-            <a:endParaRPr lang="en-GB" sz="2400" dirty="0" smtClean="0"/>
-          </a:p>
-          <a:p>
-            <a:endParaRPr lang="en-GB" sz="2400" dirty="0"/>
-          </a:p>
-        </p:txBody>
-      </p:sp>
-      <p:pic>
-        <p:nvPicPr>
-          <p:cNvPr id="1026" name="Picture 2" descr="Afbeeldingsresultaat voor berg beklimmen"/>
-          <p:cNvPicPr>
-            <a:picLocks noChangeAspect="1" noChangeArrowheads="1"/>
-          </p:cNvPicPr>
-          <p:nvPr/>
-        </p:nvPicPr>
-        <p:blipFill>
-          <a:blip r:embed="rId2">
-            <a:extLst>
-              <a:ext uri="{28A0092B-C50C-407E-A947-70E740481C1C}">
-                <a14:useLocalDpi xmlns:a14="http://schemas.microsoft.com/office/drawing/2010/main" val="0"/>
-              </a:ext>
-            </a:extLst>
-          </a:blip>
-          <a:srcRect/>
-          <a:stretch>
-            <a:fillRect/>
-          </a:stretch>
-        </p:blipFill>
-        <p:spPr bwMode="auto">
-          <a:xfrm>
-            <a:off x="4894645" y="1772816"/>
-            <a:ext cx="3486618" cy="2016224"/>
-          </a:xfrm>
-          <a:prstGeom prst="rect">
-            <a:avLst/>
-          </a:prstGeom>
-          <a:noFill/>
-          <a:extLst>
-            <a:ext uri="{909E8E84-426E-40DD-AFC4-6F175D3DCCD1}">
-              <a14:hiddenFill xmlns:a14="http://schemas.microsoft.com/office/drawing/2010/main">
-                <a:solidFill>
-                  <a:srgbClr val="FFFFFF"/>
-                </a:solidFill>
-              </a14:hiddenFill>
-            </a:ext>
-          </a:extLst>
-        </p:spPr>
-      </p:pic>
-    </p:spTree>
-    <p:extLst>
-      <p:ext uri="{BB962C8B-B14F-4D97-AF65-F5344CB8AC3E}">
-        <p14:creationId xmlns:p14="http://schemas.microsoft.com/office/powerpoint/2010/main" val="1897530958"/>
-      </p:ext>
-    </p:extLst>
-  </p:cSld>
-  <p:clrMapOvr>
-    <a:masterClrMapping/>
-  </p:clrMapOvr>
-  <p:timing>
-    <p:tnLst>
-      <p:par>
-        <p:cTn id="1" dur="indefinite" restart="never" nodeType="tmRoot"/>
-      </p:par>
-    </p:tnLst>
-  </p:timing>
-</p:sld>
-</file>
-
-<file path=ppt/slides/slide7.xml><?xml version="1.0" encoding="utf-8"?>
-<p:sld xmlns:a="http://schemas.openxmlformats.org/drawingml/2006/main" xmlns:r="http://schemas.openxmlformats.org/officeDocument/2006/relationships" xmlns:p="http://schemas.openxmlformats.org/presentationml/2006/main">
-  <p:cSld>
-    <p:spTree>
-      <p:nvGrpSpPr>
-        <p:cNvPr id="1" name=""/>
-        <p:cNvGrpSpPr/>
-        <p:nvPr/>
-      </p:nvGrpSpPr>
-      <p:grpSpPr>
-        <a:xfrm>
-          <a:off x="0" y="0"/>
-          <a:ext cx="0" cy="0"/>
-          <a:chOff x="0" y="0"/>
-          <a:chExt cx="0" cy="0"/>
-        </a:xfrm>
-      </p:grpSpPr>
-      <p:sp>
-        <p:nvSpPr>
-          <p:cNvPr id="2" name="Title 1"/>
-          <p:cNvSpPr>
-            <a:spLocks noGrp="1"/>
-          </p:cNvSpPr>
-          <p:nvPr>
-            <p:ph type="title"/>
-          </p:nvPr>
-        </p:nvSpPr>
-        <p:spPr/>
-        <p:txBody>
-          <a:bodyPr>
-            <a:normAutofit/>
-          </a:bodyPr>
-          <a:lstStyle/>
-          <a:p>
-            <a:r>
-              <a:rPr lang="en-US" b="1" dirty="0" smtClean="0"/>
-              <a:t>Simulated Annealing</a:t>
-            </a:r>
-            <a:endParaRPr lang="en-US" b="1" dirty="0"/>
-          </a:p>
-        </p:txBody>
-      </p:sp>
-      <mc:AlternateContent xmlns:mc="http://schemas.openxmlformats.org/markup-compatibility/2006">
-        <mc:Choice xmlns:a14="http://schemas.microsoft.com/office/drawing/2010/main" Requires="a14">
-          <p:sp>
-            <p:nvSpPr>
-              <p:cNvPr id="3" name="Content Placeholder 2"/>
-              <p:cNvSpPr>
-                <a:spLocks noGrp="1"/>
-              </p:cNvSpPr>
-              <p:nvPr>
-                <p:ph idx="1"/>
-              </p:nvPr>
-            </p:nvSpPr>
-            <p:spPr/>
-            <p:txBody>
-              <a:bodyPr>
-                <a:normAutofit/>
-              </a:bodyPr>
-              <a:lstStyle/>
-              <a:p>
-                <a:pPr marL="0" marR="0" lvl="0" indent="0" defTabSz="914400" eaLnBrk="1" fontAlgn="auto" latinLnBrk="0" hangingPunct="1">
-                  <a:lnSpc>
-                    <a:spcPct val="150000"/>
-                  </a:lnSpc>
-                  <a:spcBef>
-                    <a:spcPts val="0"/>
-                  </a:spcBef>
-                  <a:spcAft>
-                    <a:spcPts val="0"/>
-                  </a:spcAft>
-                  <a:buClrTx/>
-                  <a:buSzTx/>
-                  <a:buFontTx/>
-                  <a:buNone/>
-                  <a:tabLst/>
-                  <a:defRPr/>
-                </a:pPr>
-                <a:r>
-                  <a:rPr lang="en-US" sz="2000" dirty="0" smtClean="0"/>
-                  <a:t>Twee </a:t>
-                </a:r>
-                <a:r>
-                  <a:rPr lang="en-US" sz="2000" dirty="0" err="1" smtClean="0"/>
-                  <a:t>acceptatiecriteria</a:t>
-                </a:r>
-                <a:r>
-                  <a:rPr lang="en-US" sz="2000" dirty="0" smtClean="0"/>
-                  <a:t>:</a:t>
-                </a:r>
-              </a:p>
-              <a:p>
-                <a:pPr marL="514350" marR="0" lvl="0" indent="-514350" defTabSz="914400" eaLnBrk="1" fontAlgn="auto" latinLnBrk="0" hangingPunct="1">
-                  <a:lnSpc>
-                    <a:spcPct val="150000"/>
-                  </a:lnSpc>
-                  <a:spcBef>
-                    <a:spcPts val="0"/>
-                  </a:spcBef>
-                  <a:spcAft>
-                    <a:spcPts val="0"/>
-                  </a:spcAft>
-                  <a:buClrTx/>
-                  <a:buSzTx/>
-                  <a:buFont typeface="+mj-lt"/>
-                  <a:buAutoNum type="arabicPeriod"/>
-                  <a:tabLst/>
-                  <a:defRPr/>
-                </a:pPr>
-                <a:r>
-                  <a:rPr lang="en-US" sz="2000" dirty="0" err="1" smtClean="0"/>
-                  <a:t>Nieuwe</a:t>
-                </a:r>
-                <a:r>
-                  <a:rPr lang="en-US" sz="2000" dirty="0" smtClean="0"/>
-                  <a:t> score &lt; Oude score</a:t>
-                </a:r>
-              </a:p>
-              <a:p>
-                <a:pPr marL="514350" marR="0" lvl="0" indent="-514350" defTabSz="914400" eaLnBrk="1" fontAlgn="auto" latinLnBrk="0" hangingPunct="1">
-                  <a:lnSpc>
-                    <a:spcPct val="150000"/>
-                  </a:lnSpc>
-                  <a:spcBef>
-                    <a:spcPts val="0"/>
-                  </a:spcBef>
-                  <a:spcAft>
-                    <a:spcPts val="0"/>
-                  </a:spcAft>
-                  <a:buClrTx/>
-                  <a:buSzTx/>
-                  <a:buFont typeface="+mj-lt"/>
-                  <a:buAutoNum type="arabicPeriod"/>
-                  <a:tabLst/>
-                  <a:defRPr/>
-                </a:pPr>
-                <a14:m>
-                  <m:oMath xmlns:m="http://schemas.openxmlformats.org/officeDocument/2006/math">
-                    <m:r>
-                      <a:rPr lang="en-US" sz="2000" b="0" i="1" smtClean="0">
-                        <a:latin typeface="Cambria Math" charset="0"/>
-                      </a:rPr>
-                      <m:t>𝑟</m:t>
-                    </m:r>
-                    <m:r>
-                      <a:rPr lang="en-US" sz="2000" b="0" i="1" smtClean="0">
-                        <a:latin typeface="Cambria Math" charset="0"/>
-                      </a:rPr>
-                      <m:t>&lt; </m:t>
-                    </m:r>
-                    <m:sSup>
-                      <m:sSupPr>
-                        <m:ctrlPr>
-                          <a:rPr lang="en-US" sz="2000" b="0" i="1" smtClean="0">
-                            <a:latin typeface="Cambria Math" charset="0"/>
-                          </a:rPr>
-                        </m:ctrlPr>
-                      </m:sSupPr>
-                      <m:e>
-                        <m:r>
-                          <a:rPr lang="en-US" sz="2000" b="0" i="1" smtClean="0">
-                            <a:latin typeface="Cambria Math" charset="0"/>
-                          </a:rPr>
-                          <m:t>𝑒</m:t>
-                        </m:r>
-                      </m:e>
-                      <m:sup>
-                        <m:f>
-                          <m:fPr>
-                            <m:ctrlPr>
-                              <a:rPr lang="bg-BG" sz="2000" b="0" i="1" smtClean="0">
-                                <a:latin typeface="Cambria Math" charset="0"/>
-                              </a:rPr>
-                            </m:ctrlPr>
-                          </m:fPr>
-                          <m:num>
-                            <m:r>
-                              <a:rPr lang="en-US" sz="2000" b="0" i="1" smtClean="0">
-                                <a:latin typeface="Cambria Math" charset="0"/>
-                              </a:rPr>
-                              <m:t>−(</m:t>
-                            </m:r>
-                            <m:r>
-                              <a:rPr lang="en-US" sz="2000" b="0" i="1" smtClean="0">
-                                <a:latin typeface="Cambria Math" charset="0"/>
-                              </a:rPr>
-                              <m:t>𝑛𝑒𝑤</m:t>
-                            </m:r>
-                            <m:r>
-                              <a:rPr lang="en-US" sz="2000" b="0" i="1" smtClean="0">
-                                <a:latin typeface="Cambria Math" charset="0"/>
-                              </a:rPr>
-                              <m:t> − </m:t>
-                            </m:r>
-                            <m:r>
-                              <a:rPr lang="en-US" sz="2000" b="0" i="1" smtClean="0">
-                                <a:latin typeface="Cambria Math" charset="0"/>
-                              </a:rPr>
-                              <m:t>𝑜𝑙𝑑</m:t>
-                            </m:r>
-                            <m:r>
-                              <a:rPr lang="en-US" sz="2000" b="0" i="1" smtClean="0">
-                                <a:latin typeface="Cambria Math" charset="0"/>
-                              </a:rPr>
-                              <m:t>)</m:t>
-                            </m:r>
-                          </m:num>
-                          <m:den>
-                            <m:r>
-                              <a:rPr lang="en-US" sz="2000" b="0" i="1" smtClean="0">
-                                <a:latin typeface="Cambria Math" charset="0"/>
-                              </a:rPr>
-                              <m:t>𝑡</m:t>
-                            </m:r>
-                          </m:den>
-                        </m:f>
-                      </m:sup>
-                    </m:sSup>
-                  </m:oMath>
-                </a14:m>
-                <a:endParaRPr lang="en-US" sz="2000" dirty="0" smtClean="0"/>
-              </a:p>
-              <a:p>
-                <a:pPr marL="0" marR="0" lvl="0" indent="0" defTabSz="914400" eaLnBrk="1" fontAlgn="auto" latinLnBrk="0" hangingPunct="1">
-                  <a:lnSpc>
-                    <a:spcPct val="100000"/>
-                  </a:lnSpc>
-                  <a:spcBef>
-                    <a:spcPts val="0"/>
-                  </a:spcBef>
-                  <a:spcAft>
-                    <a:spcPts val="0"/>
-                  </a:spcAft>
-                  <a:buClrTx/>
-                  <a:buSzTx/>
-                  <a:buNone/>
-                  <a:tabLst/>
-                  <a:defRPr/>
-                </a:pPr>
-                <a:endParaRPr lang="en-US" sz="2000" dirty="0" smtClean="0"/>
-              </a:p>
-              <a:p>
-                <a:pPr marL="0" marR="0" lvl="0" indent="0" defTabSz="914400" eaLnBrk="1" fontAlgn="auto" latinLnBrk="0" hangingPunct="1">
-                  <a:lnSpc>
-                    <a:spcPct val="100000"/>
-                  </a:lnSpc>
-                  <a:spcBef>
-                    <a:spcPts val="0"/>
-                  </a:spcBef>
-                  <a:spcAft>
-                    <a:spcPts val="0"/>
-                  </a:spcAft>
-                  <a:buClrTx/>
-                  <a:buSzTx/>
-                  <a:buNone/>
-                  <a:tabLst/>
-                  <a:defRPr/>
-                </a:pPr>
-                <a:endParaRPr lang="en-US" sz="2000" dirty="0"/>
-              </a:p>
-              <a:p>
-                <a:pPr marL="0" marR="0" lvl="0" indent="0" defTabSz="914400" eaLnBrk="1" fontAlgn="auto" latinLnBrk="0" hangingPunct="1">
-                  <a:lnSpc>
-                    <a:spcPct val="100000"/>
-                  </a:lnSpc>
-                  <a:spcBef>
-                    <a:spcPts val="0"/>
-                  </a:spcBef>
-                  <a:spcAft>
-                    <a:spcPts val="0"/>
-                  </a:spcAft>
-                  <a:buClrTx/>
-                  <a:buSzTx/>
-                  <a:buNone/>
-                  <a:tabLst/>
-                  <a:defRPr/>
-                </a:pPr>
-                <a:r>
-                  <a:rPr lang="en-US" sz="2000" dirty="0" err="1" smtClean="0"/>
-                  <a:t>Noemenswaardige</a:t>
-                </a:r>
-                <a:r>
-                  <a:rPr lang="en-US" sz="2000" dirty="0" smtClean="0"/>
-                  <a:t> </a:t>
-                </a:r>
-                <a:r>
-                  <a:rPr lang="en-US" sz="2000" dirty="0" err="1" smtClean="0"/>
-                  <a:t>eigenschappen</a:t>
-                </a:r>
-                <a:r>
-                  <a:rPr lang="en-US" sz="2000" dirty="0" smtClean="0"/>
-                  <a:t>:</a:t>
-                </a:r>
-              </a:p>
-              <a:p>
-                <a:pPr>
-                  <a:spcBef>
-                    <a:spcPts val="0"/>
-                  </a:spcBef>
-                </a:pPr>
-                <a:r>
-                  <a:rPr lang="en-US" sz="2000" dirty="0" err="1" smtClean="0"/>
-                  <a:t>Als</a:t>
-                </a:r>
-                <a:r>
-                  <a:rPr lang="en-US" sz="2000" dirty="0" smtClean="0"/>
-                  <a:t> </a:t>
-                </a:r>
-                <a14:m>
-                  <m:oMath xmlns:m="http://schemas.openxmlformats.org/officeDocument/2006/math">
-                    <m:r>
-                      <a:rPr lang="en-US" sz="2000" b="0" i="1" smtClean="0">
-                        <a:latin typeface="Cambria Math" charset="0"/>
-                      </a:rPr>
-                      <m:t>𝑡</m:t>
-                    </m:r>
-                    <m:r>
-                      <a:rPr lang="en-US" sz="2000" b="0" i="1" smtClean="0">
-                        <a:latin typeface="Cambria Math" charset="0"/>
-                      </a:rPr>
-                      <m:t>→∞ </m:t>
-                    </m:r>
-                  </m:oMath>
-                </a14:m>
-                <a:r>
-                  <a:rPr lang="en-US" sz="2000" dirty="0" smtClean="0"/>
-                  <a:t> , </a:t>
-                </a:r>
-                <a:r>
-                  <a:rPr lang="en-US" sz="2000" dirty="0" err="1" smtClean="0"/>
-                  <a:t>dan</a:t>
-                </a:r>
-                <a:r>
-                  <a:rPr lang="en-US" sz="2000" dirty="0" smtClean="0"/>
-                  <a:t> random walk</a:t>
-                </a:r>
-              </a:p>
-              <a:p>
-                <a:pPr>
-                  <a:spcBef>
-                    <a:spcPts val="0"/>
-                  </a:spcBef>
-                </a:pPr>
-                <a:r>
-                  <a:rPr lang="en-US" sz="2000" dirty="0" err="1" smtClean="0"/>
-                  <a:t>Als</a:t>
-                </a:r>
-                <a:r>
-                  <a:rPr lang="en-US" sz="2000" dirty="0" smtClean="0"/>
-                  <a:t> </a:t>
-                </a:r>
-                <a14:m>
-                  <m:oMath xmlns:m="http://schemas.openxmlformats.org/officeDocument/2006/math">
-                    <m:r>
-                      <a:rPr lang="en-US" sz="2000" b="0" i="1" smtClean="0">
-                        <a:latin typeface="Cambria Math" charset="0"/>
-                      </a:rPr>
-                      <m:t>𝑡</m:t>
-                    </m:r>
-                    <m:r>
-                      <a:rPr lang="en-US" sz="2000" b="0" i="1" smtClean="0">
-                        <a:latin typeface="Cambria Math" charset="0"/>
-                      </a:rPr>
-                      <m:t>→0</m:t>
-                    </m:r>
-                  </m:oMath>
-                </a14:m>
-                <a:r>
-                  <a:rPr lang="en-US" sz="2000" dirty="0" smtClean="0"/>
-                  <a:t> , </a:t>
-                </a:r>
-                <a:r>
-                  <a:rPr lang="en-US" sz="2000" dirty="0" err="1" smtClean="0"/>
-                  <a:t>dan</a:t>
-                </a:r>
-                <a:r>
-                  <a:rPr lang="en-US" sz="2000" dirty="0" smtClean="0"/>
-                  <a:t> </a:t>
-                </a:r>
-                <a:r>
-                  <a:rPr lang="en-US" sz="2000" dirty="0" err="1" smtClean="0"/>
-                  <a:t>hillclimber</a:t>
-                </a:r>
-                <a:endParaRPr lang="en-US" sz="2000" dirty="0" smtClean="0"/>
-              </a:p>
-              <a:p>
-                <a:pPr>
-                  <a:spcBef>
-                    <a:spcPts val="0"/>
-                  </a:spcBef>
-                </a:pPr>
-                <a:r>
-                  <a:rPr lang="en-US" sz="2000" dirty="0" smtClean="0"/>
-                  <a:t>SA </a:t>
-                </a:r>
-                <a:r>
-                  <a:rPr lang="en-US" sz="2000" dirty="0" err="1" smtClean="0"/>
-                  <a:t>zal</a:t>
-                </a:r>
-                <a:r>
-                  <a:rPr lang="en-US" sz="2000" dirty="0" smtClean="0"/>
-                  <a:t> </a:t>
-                </a:r>
-                <a:r>
-                  <a:rPr lang="en-US" sz="2000" dirty="0" err="1" smtClean="0"/>
-                  <a:t>nooit</a:t>
-                </a:r>
-                <a:r>
-                  <a:rPr lang="en-US" sz="2000" dirty="0" smtClean="0"/>
-                  <a:t> hele </a:t>
-                </a:r>
-                <a:r>
-                  <a:rPr lang="en-US" sz="2000" dirty="0" err="1" smtClean="0"/>
-                  <a:t>diepe</a:t>
-                </a:r>
-                <a:r>
-                  <a:rPr lang="en-US" sz="2000" dirty="0" smtClean="0"/>
-                  <a:t> </a:t>
-                </a:r>
-                <a:r>
-                  <a:rPr lang="en-US" sz="2000" dirty="0" err="1" smtClean="0"/>
-                  <a:t>dalen</a:t>
-                </a:r>
-                <a:r>
-                  <a:rPr lang="en-US" sz="2000" dirty="0" smtClean="0"/>
-                  <a:t> in de </a:t>
-                </a:r>
-                <a:r>
-                  <a:rPr lang="en-US" sz="2000" dirty="0" err="1" smtClean="0"/>
-                  <a:t>scoregrafiek</a:t>
-                </a:r>
-                <a:r>
-                  <a:rPr lang="en-US" sz="2000" dirty="0" smtClean="0"/>
-                  <a:t> </a:t>
-                </a:r>
-                <a:r>
-                  <a:rPr lang="en-US" sz="2000" dirty="0" err="1" smtClean="0"/>
-                  <a:t>overbruggen</a:t>
-                </a:r>
-                <a:endParaRPr lang="en-US" sz="2000" dirty="0" smtClean="0"/>
-              </a:p>
-            </p:txBody>
-          </p:sp>
-        </mc:Choice>
-        <mc:Fallback>
-          <p:sp>
-            <p:nvSpPr>
-              <p:cNvPr id="3" name="Content Placeholder 2"/>
-              <p:cNvSpPr>
-                <a:spLocks noGrp="1" noRot="1" noChangeAspect="1" noMove="1" noResize="1" noEditPoints="1" noAdjustHandles="1" noChangeArrowheads="1" noChangeShapeType="1" noTextEdit="1"/>
-              </p:cNvSpPr>
-              <p:nvPr>
-                <p:ph idx="1"/>
-              </p:nvPr>
-            </p:nvSpPr>
-            <p:spPr>
-              <a:blipFill rotWithShape="0">
-                <a:blip r:embed="rId2"/>
-                <a:stretch>
-                  <a:fillRect l="-815"/>
-                </a:stretch>
-              </a:blipFill>
-            </p:spPr>
-            <p:txBody>
-              <a:bodyPr/>
-              <a:lstStyle/>
-              <a:p>
-                <a:r>
-                  <a:rPr lang="en-US">
-                    <a:noFill/>
-                  </a:rPr>
-                  <a:t> </a:t>
-                </a:r>
-              </a:p>
-            </p:txBody>
-          </p:sp>
-        </mc:Fallback>
-      </mc:AlternateContent>
-    </p:spTree>
-    <p:extLst>
-      <p:ext uri="{BB962C8B-B14F-4D97-AF65-F5344CB8AC3E}">
-        <p14:creationId xmlns:p14="http://schemas.microsoft.com/office/powerpoint/2010/main" val="2065434601"/>
-      </p:ext>
-    </p:extLst>
-  </p:cSld>
-  <p:clrMapOvr>
-    <a:masterClrMapping/>
-  </p:clrMapOvr>
-  <p:timing>
-    <p:tnLst>
-      <p:par>
-        <p:cTn id="1" dur="indefinite" restart="never" nodeType="tmRoot"/>
-      </p:par>
-    </p:tnLst>
-  </p:timing>
-</p:sld>
-</file>
-
-<file path=ppt/slides/slide8.xml><?xml version="1.0" encoding="utf-8"?>
-<p:sld xmlns:a="http://schemas.openxmlformats.org/drawingml/2006/main" xmlns:r="http://schemas.openxmlformats.org/officeDocument/2006/relationships" xmlns:p="http://schemas.openxmlformats.org/presentationml/2006/main">
-  <p:cSld>
-    <p:spTree>
-      <p:nvGrpSpPr>
-        <p:cNvPr id="1" name=""/>
-        <p:cNvGrpSpPr/>
-        <p:nvPr/>
-      </p:nvGrpSpPr>
-      <p:grpSpPr>
-        <a:xfrm>
-          <a:off x="0" y="0"/>
-          <a:ext cx="0" cy="0"/>
-          <a:chOff x="0" y="0"/>
-          <a:chExt cx="0" cy="0"/>
-        </a:xfrm>
-      </p:grpSpPr>
-      <p:sp>
-        <p:nvSpPr>
-          <p:cNvPr id="2" name="Title 1"/>
-          <p:cNvSpPr>
-            <a:spLocks noGrp="1"/>
-          </p:cNvSpPr>
-          <p:nvPr>
-            <p:ph type="title"/>
-          </p:nvPr>
-        </p:nvSpPr>
-        <p:spPr/>
-        <p:txBody>
-          <a:bodyPr/>
-          <a:lstStyle/>
-          <a:p>
-            <a:r>
-              <a:rPr lang="en-US" b="1" dirty="0" err="1" smtClean="0"/>
-              <a:t>Hillclimber</a:t>
-            </a:r>
-            <a:r>
-              <a:rPr lang="en-US" b="1" dirty="0" smtClean="0"/>
-              <a:t> met SA</a:t>
-            </a:r>
-            <a:endParaRPr lang="en-US" b="1" dirty="0"/>
-          </a:p>
-        </p:txBody>
-      </p:sp>
-      <p:pic>
-        <p:nvPicPr>
-          <p:cNvPr id="4" name="Content Placeholder 3"/>
-          <p:cNvPicPr>
-            <a:picLocks noGrp="1" noChangeAspect="1"/>
-          </p:cNvPicPr>
-          <p:nvPr>
-            <p:ph idx="1"/>
-          </p:nvPr>
-        </p:nvPicPr>
-        <p:blipFill>
-          <a:blip r:embed="rId2">
-            <a:extLst>
-              <a:ext uri="{28A0092B-C50C-407E-A947-70E740481C1C}">
-                <a14:useLocalDpi xmlns:a14="http://schemas.microsoft.com/office/drawing/2010/main" val="0"/>
-              </a:ext>
-            </a:extLst>
-          </a:blip>
-          <a:stretch>
-            <a:fillRect/>
-          </a:stretch>
-        </p:blipFill>
-        <p:spPr>
-          <a:xfrm>
-            <a:off x="1397000" y="2852936"/>
-            <a:ext cx="6350000" cy="2044700"/>
-          </a:xfrm>
-        </p:spPr>
-      </p:pic>
-    </p:spTree>
-    <p:extLst>
-      <p:ext uri="{BB962C8B-B14F-4D97-AF65-F5344CB8AC3E}">
-        <p14:creationId xmlns:p14="http://schemas.microsoft.com/office/powerpoint/2010/main" val="278238136"/>
-      </p:ext>
-    </p:extLst>
-  </p:cSld>
-  <p:clrMapOvr>
-    <a:masterClrMapping/>
-  </p:clrMapOvr>
-  <p:timing>
-    <p:tnLst>
-      <p:par>
-        <p:cTn id="1" dur="indefinite" restart="never" nodeType="tmRoot"/>
-      </p:par>
-    </p:tnLst>
-  </p:timing>
-</p:sld>
-</file>
-
-<file path=ppt/slides/slide9.xml><?xml version="1.0" encoding="utf-8"?>
-<p:sld xmlns:a="http://schemas.openxmlformats.org/drawingml/2006/main" xmlns:r="http://schemas.openxmlformats.org/officeDocument/2006/relationships" xmlns:p="http://schemas.openxmlformats.org/presentationml/2006/main">
-  <p:cSld>
-    <p:spTree>
-      <p:nvGrpSpPr>
-        <p:cNvPr id="1" name=""/>
-        <p:cNvGrpSpPr/>
-        <p:nvPr/>
-      </p:nvGrpSpPr>
-      <p:grpSpPr>
-        <a:xfrm>
-          <a:off x="0" y="0"/>
-          <a:ext cx="0" cy="0"/>
-          <a:chOff x="0" y="0"/>
-          <a:chExt cx="0" cy="0"/>
-        </a:xfrm>
-      </p:grpSpPr>
-      <p:sp>
-        <p:nvSpPr>
-          <p:cNvPr id="2" name="Title 1"/>
-          <p:cNvSpPr>
-            <a:spLocks noGrp="1"/>
-          </p:cNvSpPr>
-          <p:nvPr>
-            <p:ph type="title"/>
-          </p:nvPr>
-        </p:nvSpPr>
-        <p:spPr/>
-        <p:txBody>
-          <a:bodyPr/>
-          <a:lstStyle/>
-          <a:p>
-            <a:r>
-              <a:rPr lang="en-US" b="1" dirty="0" err="1" smtClean="0"/>
-              <a:t>Lokaal</a:t>
-            </a:r>
-            <a:r>
-              <a:rPr lang="en-US" b="1" dirty="0" smtClean="0"/>
-              <a:t> minimum?</a:t>
-            </a:r>
-            <a:endParaRPr lang="en-US" b="1" dirty="0"/>
-          </a:p>
-        </p:txBody>
-      </p:sp>
-      <p:pic>
-        <p:nvPicPr>
-          <p:cNvPr id="4" name="Content Placeholder 3"/>
-          <p:cNvPicPr>
-            <a:picLocks noGrp="1" noChangeAspect="1"/>
-          </p:cNvPicPr>
-          <p:nvPr>
-            <p:ph idx="1"/>
-          </p:nvPr>
-        </p:nvPicPr>
-        <p:blipFill>
-          <a:blip r:embed="rId2">
-            <a:extLst>
-              <a:ext uri="{28A0092B-C50C-407E-A947-70E740481C1C}">
-                <a14:useLocalDpi xmlns:a14="http://schemas.microsoft.com/office/drawing/2010/main" val="0"/>
-              </a:ext>
-            </a:extLst>
-          </a:blip>
-          <a:stretch>
-            <a:fillRect/>
-          </a:stretch>
-        </p:blipFill>
-        <p:spPr>
-          <a:xfrm>
-            <a:off x="1231806" y="1600200"/>
-            <a:ext cx="6680388" cy="4525963"/>
-          </a:xfrm>
-        </p:spPr>
-      </p:pic>
-    </p:spTree>
-    <p:extLst>
-      <p:ext uri="{BB962C8B-B14F-4D97-AF65-F5344CB8AC3E}">
-        <p14:creationId xmlns:p14="http://schemas.microsoft.com/office/powerpoint/2010/main" val="320069456"/>
-      </p:ext>
-    </p:extLst>
-  </p:cSld>
-  <p:clrMapOvr>
-    <a:masterClrMapping/>
-  </p:clrMapOvr>
-  <p:timing>
-    <p:tnLst>
-      <p:par>
-        <p:cTn id="1" dur="indefinite" restart="never" nodeType="tmRoot"/>
+        <p:cTn xmlns:p14="http://schemas.microsoft.com/office/powerpoint/2010/main" id="1" dur="indefinite" restart="never" nodeType="tmRoot"/>
       </p:par>
     </p:tnLst>
   </p:timing>
@@ -7204,7 +7913,7 @@
     </a:clrScheme>
     <a:fontScheme name="Office">
       <a:majorFont>
-        <a:latin typeface="Calibri Light" panose="020F0302020204030204"/>
+        <a:latin typeface="Calibri Light"/>
         <a:ea typeface=""/>
         <a:cs typeface=""/>
         <a:font script="Jpan" typeface="Yu Gothic Light"/>
@@ -7239,7 +7948,7 @@
         <a:font script="Geor" typeface="Sylfaen"/>
       </a:majorFont>
       <a:minorFont>
-        <a:latin typeface="Calibri" panose="020F0502020204030204"/>
+        <a:latin typeface="Calibri"/>
         <a:ea typeface=""/>
         <a:cs typeface=""/>
         <a:font script="Jpan" typeface="Yu Gothic"/>
@@ -7416,7 +8125,7 @@
   <a:extraClrSchemeLst/>
   <a:extLst>
     <a:ext uri="{05A4C25C-085E-4340-85A3-A5531E510DB2}">
-      <thm15:themeFamily xmlns:thm15="http://schemas.microsoft.com/office/thememl/2012/main" name="Office Theme" id="{62F939B6-93AF-4DB8-9C6B-D6C7DFDC589F}" vid="{4A3C46E8-61CC-4603-A589-7422A47A8E4A}"/>
+      <thm15:themeFamily xmlns:thm15="http://schemas.microsoft.com/office/thememl/2012/main" xmlns="" name="Office Theme" id="{62F939B6-93AF-4DB8-9C6B-D6C7DFDC589F}" vid="{4A3C46E8-61CC-4603-A589-7422A47A8E4A}"/>
     </a:ext>
   </a:extLst>
 </a:theme>
